--- a/디자인/독도홈페이지_20231013_신소연.pptx
+++ b/디자인/독도홈페이지_20231013_신소연.pptx
@@ -249,7 +249,7 @@
           <a:p>
             <a:fld id="{2329B442-2759-4DCC-A16B-F33C58248589}" type="datetimeFigureOut">
               <a:rPr lang="ko-KR" altLang="en-US" smtClean="0"/>
-              <a:t>2023-10-17</a:t>
+              <a:t>2023-10-19</a:t>
             </a:fld>
             <a:endParaRPr lang="ko-KR" altLang="en-US"/>
           </a:p>
@@ -419,7 +419,7 @@
           <a:p>
             <a:fld id="{2329B442-2759-4DCC-A16B-F33C58248589}" type="datetimeFigureOut">
               <a:rPr lang="ko-KR" altLang="en-US" smtClean="0"/>
-              <a:t>2023-10-17</a:t>
+              <a:t>2023-10-19</a:t>
             </a:fld>
             <a:endParaRPr lang="ko-KR" altLang="en-US"/>
           </a:p>
@@ -599,7 +599,7 @@
           <a:p>
             <a:fld id="{2329B442-2759-4DCC-A16B-F33C58248589}" type="datetimeFigureOut">
               <a:rPr lang="ko-KR" altLang="en-US" smtClean="0"/>
-              <a:t>2023-10-17</a:t>
+              <a:t>2023-10-19</a:t>
             </a:fld>
             <a:endParaRPr lang="ko-KR" altLang="en-US"/>
           </a:p>
@@ -769,7 +769,7 @@
           <a:p>
             <a:fld id="{2329B442-2759-4DCC-A16B-F33C58248589}" type="datetimeFigureOut">
               <a:rPr lang="ko-KR" altLang="en-US" smtClean="0"/>
-              <a:t>2023-10-17</a:t>
+              <a:t>2023-10-19</a:t>
             </a:fld>
             <a:endParaRPr lang="ko-KR" altLang="en-US"/>
           </a:p>
@@ -1015,7 +1015,7 @@
           <a:p>
             <a:fld id="{2329B442-2759-4DCC-A16B-F33C58248589}" type="datetimeFigureOut">
               <a:rPr lang="ko-KR" altLang="en-US" smtClean="0"/>
-              <a:t>2023-10-17</a:t>
+              <a:t>2023-10-19</a:t>
             </a:fld>
             <a:endParaRPr lang="ko-KR" altLang="en-US"/>
           </a:p>
@@ -1247,7 +1247,7 @@
           <a:p>
             <a:fld id="{2329B442-2759-4DCC-A16B-F33C58248589}" type="datetimeFigureOut">
               <a:rPr lang="ko-KR" altLang="en-US" smtClean="0"/>
-              <a:t>2023-10-17</a:t>
+              <a:t>2023-10-19</a:t>
             </a:fld>
             <a:endParaRPr lang="ko-KR" altLang="en-US"/>
           </a:p>
@@ -1614,7 +1614,7 @@
           <a:p>
             <a:fld id="{2329B442-2759-4DCC-A16B-F33C58248589}" type="datetimeFigureOut">
               <a:rPr lang="ko-KR" altLang="en-US" smtClean="0"/>
-              <a:t>2023-10-17</a:t>
+              <a:t>2023-10-19</a:t>
             </a:fld>
             <a:endParaRPr lang="ko-KR" altLang="en-US"/>
           </a:p>
@@ -1732,7 +1732,7 @@
           <a:p>
             <a:fld id="{2329B442-2759-4DCC-A16B-F33C58248589}" type="datetimeFigureOut">
               <a:rPr lang="ko-KR" altLang="en-US" smtClean="0"/>
-              <a:t>2023-10-17</a:t>
+              <a:t>2023-10-19</a:t>
             </a:fld>
             <a:endParaRPr lang="ko-KR" altLang="en-US"/>
           </a:p>
@@ -1827,7 +1827,7 @@
           <a:p>
             <a:fld id="{2329B442-2759-4DCC-A16B-F33C58248589}" type="datetimeFigureOut">
               <a:rPr lang="ko-KR" altLang="en-US" smtClean="0"/>
-              <a:t>2023-10-17</a:t>
+              <a:t>2023-10-19</a:t>
             </a:fld>
             <a:endParaRPr lang="ko-KR" altLang="en-US"/>
           </a:p>
@@ -2104,7 +2104,7 @@
           <a:p>
             <a:fld id="{2329B442-2759-4DCC-A16B-F33C58248589}" type="datetimeFigureOut">
               <a:rPr lang="ko-KR" altLang="en-US" smtClean="0"/>
-              <a:t>2023-10-17</a:t>
+              <a:t>2023-10-19</a:t>
             </a:fld>
             <a:endParaRPr lang="ko-KR" altLang="en-US"/>
           </a:p>
@@ -2357,7 +2357,7 @@
           <a:p>
             <a:fld id="{2329B442-2759-4DCC-A16B-F33C58248589}" type="datetimeFigureOut">
               <a:rPr lang="ko-KR" altLang="en-US" smtClean="0"/>
-              <a:t>2023-10-17</a:t>
+              <a:t>2023-10-19</a:t>
             </a:fld>
             <a:endParaRPr lang="ko-KR" altLang="en-US"/>
           </a:p>
@@ -2570,7 +2570,7 @@
           <a:p>
             <a:fld id="{2329B442-2759-4DCC-A16B-F33C58248589}" type="datetimeFigureOut">
               <a:rPr lang="ko-KR" altLang="en-US" smtClean="0"/>
-              <a:t>2023-10-17</a:t>
+              <a:t>2023-10-19</a:t>
             </a:fld>
             <a:endParaRPr lang="ko-KR" altLang="en-US"/>
           </a:p>
@@ -4937,16 +4937,7 @@
                 </a:solidFill>
                 <a:latin typeface="+mn-ea"/>
               </a:rPr>
-              <a:t> 정</a:t>
-            </a:r>
-            <a:r>
-              <a:rPr lang="ko-KR" altLang="en-US" sz="1000" dirty="0" smtClean="0">
-                <a:solidFill>
-                  <a:schemeClr val="tx1"/>
-                </a:solidFill>
-                <a:latin typeface="+mn-ea"/>
-              </a:rPr>
-              <a:t>보</a:t>
+              <a:t> 정보</a:t>
             </a:r>
             <a:endParaRPr lang="en-US" altLang="ko-KR" sz="1000" dirty="0" smtClean="0">
               <a:solidFill>
@@ -6025,225 +6016,6 @@
       </p:grpSpPr>
       <p:sp>
         <p:nvSpPr>
-          <p:cNvPr id="6" name="직사각형 5"/>
-          <p:cNvSpPr/>
-          <p:nvPr/>
-        </p:nvSpPr>
-        <p:spPr>
-          <a:xfrm>
-            <a:off x="539730" y="1097279"/>
-            <a:ext cx="2801388" cy="5012575"/>
-          </a:xfrm>
-          <a:prstGeom prst="rect">
-            <a:avLst/>
-          </a:prstGeom>
-          <a:solidFill>
-            <a:schemeClr val="bg1"/>
-          </a:solidFill>
-          <a:ln>
-            <a:solidFill>
-              <a:schemeClr val="accent1">
-                <a:lumMod val="75000"/>
-              </a:schemeClr>
-            </a:solidFill>
-          </a:ln>
-        </p:spPr>
-        <p:style>
-          <a:lnRef idx="2">
-            <a:schemeClr val="accent1">
-              <a:shade val="50000"/>
-            </a:schemeClr>
-          </a:lnRef>
-          <a:fillRef idx="1">
-            <a:schemeClr val="accent1"/>
-          </a:fillRef>
-          <a:effectRef idx="0">
-            <a:schemeClr val="accent1"/>
-          </a:effectRef>
-          <a:fontRef idx="minor">
-            <a:schemeClr val="lt1"/>
-          </a:fontRef>
-        </p:style>
-        <p:txBody>
-          <a:bodyPr rtlCol="0" anchor="ctr"/>
-          <a:lstStyle/>
-          <a:p>
-            <a:pPr algn="ctr"/>
-            <a:endParaRPr lang="ko-KR" altLang="en-US"/>
-          </a:p>
-        </p:txBody>
-      </p:sp>
-      <p:sp>
-        <p:nvSpPr>
-          <p:cNvPr id="11" name="모서리가 둥근 직사각형 10"/>
-          <p:cNvSpPr/>
-          <p:nvPr/>
-        </p:nvSpPr>
-        <p:spPr>
-          <a:xfrm>
-            <a:off x="670784" y="4305238"/>
-            <a:ext cx="2539144" cy="415210"/>
-          </a:xfrm>
-          <a:prstGeom prst="roundRect">
-            <a:avLst>
-              <a:gd name="adj" fmla="val 50000"/>
-            </a:avLst>
-          </a:prstGeom>
-          <a:solidFill>
-            <a:schemeClr val="accent1">
-              <a:lumMod val="60000"/>
-              <a:lumOff val="40000"/>
-            </a:schemeClr>
-          </a:solidFill>
-          <a:ln>
-            <a:solidFill>
-              <a:schemeClr val="accent1">
-                <a:lumMod val="75000"/>
-              </a:schemeClr>
-            </a:solidFill>
-          </a:ln>
-        </p:spPr>
-        <p:style>
-          <a:lnRef idx="2">
-            <a:schemeClr val="accent1">
-              <a:shade val="50000"/>
-            </a:schemeClr>
-          </a:lnRef>
-          <a:fillRef idx="1">
-            <a:schemeClr val="accent1"/>
-          </a:fillRef>
-          <a:effectRef idx="0">
-            <a:schemeClr val="accent1"/>
-          </a:effectRef>
-          <a:fontRef idx="minor">
-            <a:schemeClr val="lt1"/>
-          </a:fontRef>
-        </p:style>
-        <p:txBody>
-          <a:bodyPr rtlCol="0" anchor="ctr"/>
-          <a:lstStyle/>
-          <a:p>
-            <a:pPr algn="ctr"/>
-            <a:endParaRPr lang="ko-KR" altLang="en-US">
-              <a:solidFill>
-                <a:schemeClr val="accent1">
-                  <a:lumMod val="50000"/>
-                </a:schemeClr>
-              </a:solidFill>
-            </a:endParaRPr>
-          </a:p>
-        </p:txBody>
-      </p:sp>
-      <p:sp>
-        <p:nvSpPr>
-          <p:cNvPr id="12" name="TextBox 11"/>
-          <p:cNvSpPr txBox="1"/>
-          <p:nvPr/>
-        </p:nvSpPr>
-        <p:spPr>
-          <a:xfrm>
-            <a:off x="999232" y="4325415"/>
-            <a:ext cx="1882247" cy="369332"/>
-          </a:xfrm>
-          <a:prstGeom prst="rect">
-            <a:avLst/>
-          </a:prstGeom>
-          <a:noFill/>
-          <a:ln>
-            <a:noFill/>
-          </a:ln>
-        </p:spPr>
-        <p:txBody>
-          <a:bodyPr wrap="none" rtlCol="0">
-            <a:spAutoFit/>
-          </a:bodyPr>
-          <a:lstStyle/>
-          <a:p>
-            <a:pPr algn="ctr"/>
-            <a:r>
-              <a:rPr lang="ko-KR" altLang="en-US" dirty="0" err="1" smtClean="0">
-                <a:solidFill>
-                  <a:schemeClr val="accent1">
-                    <a:lumMod val="50000"/>
-                  </a:schemeClr>
-                </a:solidFill>
-                <a:latin typeface="맑은 고딕" panose="020B0503020000020004" pitchFamily="50" charset="-127"/>
-                <a:ea typeface="맑은 고딕" panose="020B0503020000020004" pitchFamily="50" charset="-127"/>
-              </a:rPr>
-              <a:t>전시안내</a:t>
-            </a:r>
-            <a:r>
-              <a:rPr lang="ko-KR" altLang="en-US" dirty="0" smtClean="0">
-                <a:solidFill>
-                  <a:schemeClr val="accent1">
-                    <a:lumMod val="50000"/>
-                  </a:schemeClr>
-                </a:solidFill>
-                <a:latin typeface="맑은 고딕" panose="020B0503020000020004" pitchFamily="50" charset="-127"/>
-                <a:ea typeface="맑은 고딕" panose="020B0503020000020004" pitchFamily="50" charset="-127"/>
-              </a:rPr>
-              <a:t> 보기↗</a:t>
-            </a:r>
-            <a:endParaRPr lang="ko-KR" altLang="en-US" dirty="0">
-              <a:solidFill>
-                <a:schemeClr val="accent1">
-                  <a:lumMod val="50000"/>
-                </a:schemeClr>
-              </a:solidFill>
-              <a:latin typeface="맑은 고딕" panose="020B0503020000020004" pitchFamily="50" charset="-127"/>
-              <a:ea typeface="맑은 고딕" panose="020B0503020000020004" pitchFamily="50" charset="-127"/>
-            </a:endParaRPr>
-          </a:p>
-        </p:txBody>
-      </p:sp>
-      <p:sp>
-        <p:nvSpPr>
-          <p:cNvPr id="27" name="TextBox 26"/>
-          <p:cNvSpPr txBox="1"/>
-          <p:nvPr/>
-        </p:nvSpPr>
-        <p:spPr>
-          <a:xfrm>
-            <a:off x="604701" y="1211189"/>
-            <a:ext cx="2473754" cy="253916"/>
-          </a:xfrm>
-          <a:prstGeom prst="rect">
-            <a:avLst/>
-          </a:prstGeom>
-          <a:noFill/>
-        </p:spPr>
-        <p:txBody>
-          <a:bodyPr wrap="none" rtlCol="0">
-            <a:spAutoFit/>
-          </a:bodyPr>
-          <a:lstStyle/>
-          <a:p>
-            <a:r>
-              <a:rPr lang="ko-KR" altLang="en-US" sz="1050" b="1" dirty="0" err="1" smtClean="0">
-                <a:solidFill>
-                  <a:schemeClr val="accent1">
-                    <a:lumMod val="50000"/>
-                  </a:schemeClr>
-                </a:solidFill>
-                <a:latin typeface="맑은 고딕" panose="020B0503020000020004" pitchFamily="50" charset="-127"/>
-                <a:ea typeface="맑은 고딕" panose="020B0503020000020004" pitchFamily="50" charset="-127"/>
-              </a:rPr>
-              <a:t>세종특별자치시도교육청ㅣ독도전시관</a:t>
-            </a:r>
-            <a:endParaRPr lang="ko-KR" altLang="en-US" sz="1050" b="1" dirty="0">
-              <a:solidFill>
-                <a:schemeClr val="accent1">
-                  <a:lumMod val="50000"/>
-                </a:schemeClr>
-              </a:solidFill>
-              <a:latin typeface="맑은 고딕" panose="020B0503020000020004" pitchFamily="50" charset="-127"/>
-              <a:ea typeface="맑은 고딕" panose="020B0503020000020004" pitchFamily="50" charset="-127"/>
-            </a:endParaRPr>
-          </a:p>
-        </p:txBody>
-      </p:sp>
-      <p:sp>
-        <p:nvSpPr>
           <p:cNvPr id="45" name="직사각형 44"/>
           <p:cNvSpPr/>
           <p:nvPr/>
@@ -7627,7 +7399,9 @@
           </a:fontRef>
         </p:style>
         <p:txBody>
-          <a:bodyPr rtlCol="0" anchor="ctr"/>
+          <a:bodyPr rtlCol="0" anchor="ctr">
+            <a:normAutofit/>
+          </a:bodyPr>
           <a:lstStyle/>
           <a:p>
             <a:pPr algn="ctr"/>
@@ -7677,7 +7451,9 @@
           </a:fontRef>
         </p:style>
         <p:txBody>
-          <a:bodyPr rtlCol="0" anchor="ctr"/>
+          <a:bodyPr rtlCol="0" anchor="ctr">
+            <a:normAutofit/>
+          </a:bodyPr>
           <a:lstStyle/>
           <a:p>
             <a:pPr algn="ctr"/>
@@ -7911,234 +7687,6 @@
           </a:p>
         </p:txBody>
       </p:sp>
-      <p:sp>
-        <p:nvSpPr>
-          <p:cNvPr id="281" name="TextBox 280"/>
-          <p:cNvSpPr txBox="1"/>
-          <p:nvPr/>
-        </p:nvSpPr>
-        <p:spPr>
-          <a:xfrm>
-            <a:off x="1577947" y="5646516"/>
-            <a:ext cx="724815" cy="276999"/>
-          </a:xfrm>
-          <a:prstGeom prst="rect">
-            <a:avLst/>
-          </a:prstGeom>
-          <a:noFill/>
-        </p:spPr>
-        <p:txBody>
-          <a:bodyPr wrap="none" rtlCol="0">
-            <a:spAutoFit/>
-          </a:bodyPr>
-          <a:lstStyle/>
-          <a:p>
-            <a:pPr algn="ctr"/>
-            <a:r>
-              <a:rPr lang="en-US" altLang="ko-KR" sz="1200" dirty="0" smtClean="0">
-                <a:solidFill>
-                  <a:schemeClr val="accent1">
-                    <a:lumMod val="50000"/>
-                  </a:schemeClr>
-                </a:solidFill>
-                <a:latin typeface="맑은 고딕" panose="020B0503020000020004" pitchFamily="50" charset="-127"/>
-                <a:ea typeface="맑은 고딕" panose="020B0503020000020004" pitchFamily="50" charset="-127"/>
-              </a:rPr>
-              <a:t>SCROLL</a:t>
-            </a:r>
-            <a:endParaRPr lang="ko-KR" altLang="en-US" sz="1200" dirty="0">
-              <a:solidFill>
-                <a:schemeClr val="accent1">
-                  <a:lumMod val="50000"/>
-                </a:schemeClr>
-              </a:solidFill>
-              <a:latin typeface="맑은 고딕" panose="020B0503020000020004" pitchFamily="50" charset="-127"/>
-              <a:ea typeface="맑은 고딕" panose="020B0503020000020004" pitchFamily="50" charset="-127"/>
-            </a:endParaRPr>
-          </a:p>
-        </p:txBody>
-      </p:sp>
-      <p:grpSp>
-        <p:nvGrpSpPr>
-          <p:cNvPr id="296" name="그룹 295"/>
-          <p:cNvGrpSpPr/>
-          <p:nvPr/>
-        </p:nvGrpSpPr>
-        <p:grpSpPr>
-          <a:xfrm>
-            <a:off x="676488" y="1728711"/>
-            <a:ext cx="2539144" cy="2419417"/>
-            <a:chOff x="314003" y="2568633"/>
-            <a:chExt cx="2539144" cy="2053243"/>
-          </a:xfrm>
-        </p:grpSpPr>
-        <p:cxnSp>
-          <p:nvCxnSpPr>
-            <p:cNvPr id="297" name="직선 연결선 296"/>
-            <p:cNvCxnSpPr/>
-            <p:nvPr/>
-          </p:nvCxnSpPr>
-          <p:spPr>
-            <a:xfrm>
-              <a:off x="314003" y="2568633"/>
-              <a:ext cx="2539144" cy="2053243"/>
-            </a:xfrm>
-            <a:prstGeom prst="line">
-              <a:avLst/>
-            </a:prstGeom>
-            <a:ln w="12700">
-              <a:solidFill>
-                <a:schemeClr val="accent1">
-                  <a:lumMod val="75000"/>
-                </a:schemeClr>
-              </a:solidFill>
-            </a:ln>
-          </p:spPr>
-          <p:style>
-            <a:lnRef idx="1">
-              <a:schemeClr val="accent1"/>
-            </a:lnRef>
-            <a:fillRef idx="0">
-              <a:schemeClr val="accent1"/>
-            </a:fillRef>
-            <a:effectRef idx="0">
-              <a:schemeClr val="accent1"/>
-            </a:effectRef>
-            <a:fontRef idx="minor">
-              <a:schemeClr val="tx1"/>
-            </a:fontRef>
-          </p:style>
-        </p:cxnSp>
-        <p:cxnSp>
-          <p:nvCxnSpPr>
-            <p:cNvPr id="298" name="직선 연결선 297"/>
-            <p:cNvCxnSpPr/>
-            <p:nvPr/>
-          </p:nvCxnSpPr>
-          <p:spPr>
-            <a:xfrm flipH="1">
-              <a:off x="314003" y="2568633"/>
-              <a:ext cx="2539144" cy="2053243"/>
-            </a:xfrm>
-            <a:prstGeom prst="line">
-              <a:avLst/>
-            </a:prstGeom>
-            <a:ln w="12700">
-              <a:solidFill>
-                <a:schemeClr val="accent1">
-                  <a:lumMod val="75000"/>
-                </a:schemeClr>
-              </a:solidFill>
-            </a:ln>
-          </p:spPr>
-          <p:style>
-            <a:lnRef idx="1">
-              <a:schemeClr val="accent1"/>
-            </a:lnRef>
-            <a:fillRef idx="0">
-              <a:schemeClr val="accent1"/>
-            </a:fillRef>
-            <a:effectRef idx="0">
-              <a:schemeClr val="accent1"/>
-            </a:effectRef>
-            <a:fontRef idx="minor">
-              <a:schemeClr val="tx1"/>
-            </a:fontRef>
-          </p:style>
-        </p:cxnSp>
-        <p:sp>
-          <p:nvSpPr>
-            <p:cNvPr id="299" name="직사각형 298"/>
-            <p:cNvSpPr/>
-            <p:nvPr/>
-          </p:nvSpPr>
-          <p:spPr>
-            <a:xfrm>
-              <a:off x="314003" y="2568633"/>
-              <a:ext cx="2539144" cy="2053243"/>
-            </a:xfrm>
-            <a:prstGeom prst="rect">
-              <a:avLst/>
-            </a:prstGeom>
-            <a:noFill/>
-            <a:ln>
-              <a:solidFill>
-                <a:schemeClr val="accent1">
-                  <a:lumMod val="75000"/>
-                </a:schemeClr>
-              </a:solidFill>
-            </a:ln>
-          </p:spPr>
-          <p:style>
-            <a:lnRef idx="2">
-              <a:schemeClr val="accent1">
-                <a:shade val="50000"/>
-              </a:schemeClr>
-            </a:lnRef>
-            <a:fillRef idx="1">
-              <a:schemeClr val="accent1"/>
-            </a:fillRef>
-            <a:effectRef idx="0">
-              <a:schemeClr val="accent1"/>
-            </a:effectRef>
-            <a:fontRef idx="minor">
-              <a:schemeClr val="lt1"/>
-            </a:fontRef>
-          </p:style>
-          <p:txBody>
-            <a:bodyPr rtlCol="0" anchor="ctr"/>
-            <a:lstStyle/>
-            <a:p>
-              <a:pPr algn="ctr"/>
-              <a:endParaRPr lang="ko-KR" altLang="en-US">
-                <a:solidFill>
-                  <a:schemeClr val="accent1">
-                    <a:lumMod val="50000"/>
-                  </a:schemeClr>
-                </a:solidFill>
-              </a:endParaRPr>
-            </a:p>
-          </p:txBody>
-        </p:sp>
-        <p:sp>
-          <p:nvSpPr>
-            <p:cNvPr id="300" name="TextBox 299"/>
-            <p:cNvSpPr txBox="1"/>
-            <p:nvPr/>
-          </p:nvSpPr>
-          <p:spPr>
-            <a:xfrm>
-              <a:off x="1139415" y="3404646"/>
-              <a:ext cx="888320" cy="369332"/>
-            </a:xfrm>
-            <a:prstGeom prst="rect">
-              <a:avLst/>
-            </a:prstGeom>
-            <a:solidFill>
-              <a:schemeClr val="bg1"/>
-            </a:solidFill>
-          </p:spPr>
-          <p:txBody>
-            <a:bodyPr wrap="none" rtlCol="0">
-              <a:spAutoFit/>
-            </a:bodyPr>
-            <a:lstStyle/>
-            <a:p>
-              <a:pPr algn="ctr"/>
-              <a:r>
-                <a:rPr lang="en-US" altLang="ko-KR" dirty="0" smtClean="0">
-                  <a:solidFill>
-                    <a:schemeClr val="accent1">
-                      <a:lumMod val="50000"/>
-                    </a:schemeClr>
-                  </a:solidFill>
-                </a:rPr>
-                <a:t>IMAGE</a:t>
-              </a:r>
-            </a:p>
-          </p:txBody>
-        </p:sp>
-      </p:grpSp>
       <p:grpSp>
         <p:nvGrpSpPr>
           <p:cNvPr id="375" name="그룹 374"/>
@@ -8281,7 +7829,9 @@
               </a:fontRef>
             </p:style>
             <p:txBody>
-              <a:bodyPr rtlCol="0" anchor="ctr"/>
+              <a:bodyPr rtlCol="0" anchor="ctr">
+                <a:normAutofit/>
+              </a:bodyPr>
               <a:lstStyle/>
               <a:p>
                 <a:pPr algn="ctr"/>
@@ -8315,7 +7865,7 @@
             </p:spPr>
             <p:txBody>
               <a:bodyPr wrap="none" rtlCol="0">
-                <a:spAutoFit/>
+                <a:normAutofit/>
               </a:bodyPr>
               <a:lstStyle/>
               <a:p>
@@ -8462,7 +8012,9 @@
               </a:fontRef>
             </p:style>
             <p:txBody>
-              <a:bodyPr rtlCol="0" anchor="ctr"/>
+              <a:bodyPr rtlCol="0" anchor="ctr">
+                <a:normAutofit/>
+              </a:bodyPr>
               <a:lstStyle/>
               <a:p>
                 <a:pPr algn="ctr"/>
@@ -8484,8 +8036,8 @@
             </p:nvSpPr>
             <p:spPr>
               <a:xfrm>
-                <a:off x="983943" y="3075936"/>
-                <a:ext cx="1199261" cy="1038632"/>
+                <a:off x="983942" y="3075937"/>
+                <a:ext cx="1199260" cy="1038633"/>
               </a:xfrm>
               <a:prstGeom prst="rect">
                 <a:avLst/>
@@ -8496,7 +8048,7 @@
             </p:spPr>
             <p:txBody>
               <a:bodyPr wrap="none" rtlCol="0">
-                <a:spAutoFit/>
+                <a:normAutofit fontScale="92500"/>
               </a:bodyPr>
               <a:lstStyle/>
               <a:p>
@@ -8590,7 +8142,7 @@
         </p:spPr>
         <p:txBody>
           <a:bodyPr wrap="none" rtlCol="0">
-            <a:spAutoFit/>
+            <a:normAutofit/>
           </a:bodyPr>
           <a:lstStyle/>
           <a:p>
@@ -8660,7 +8212,9 @@
           </a:fontRef>
         </p:style>
         <p:txBody>
-          <a:bodyPr rtlCol="0" anchor="ctr"/>
+          <a:bodyPr rtlCol="0" anchor="ctr">
+            <a:normAutofit/>
+          </a:bodyPr>
           <a:lstStyle/>
           <a:p>
             <a:pPr algn="ctr"/>
@@ -8686,7 +8240,7 @@
         </p:spPr>
         <p:txBody>
           <a:bodyPr wrap="square" rtlCol="0">
-            <a:spAutoFit/>
+            <a:normAutofit/>
           </a:bodyPr>
           <a:lstStyle/>
           <a:p>
@@ -8716,7 +8270,7 @@
         </p:spPr>
         <p:txBody>
           <a:bodyPr wrap="square" rtlCol="0">
-            <a:spAutoFit/>
+            <a:normAutofit/>
           </a:bodyPr>
           <a:lstStyle/>
           <a:p>
@@ -8784,7 +8338,9 @@
             </a:fontRef>
           </p:style>
           <p:txBody>
-            <a:bodyPr rtlCol="0" anchor="ctr"/>
+            <a:bodyPr rtlCol="0" anchor="ctr">
+              <a:normAutofit fontScale="25000" lnSpcReduction="20000"/>
+            </a:bodyPr>
             <a:lstStyle/>
             <a:p>
               <a:pPr algn="ctr"/>
@@ -8819,7 +8375,7 @@
           </p:spPr>
           <p:txBody>
             <a:bodyPr wrap="none" rtlCol="0">
-              <a:spAutoFit/>
+              <a:normAutofit/>
             </a:bodyPr>
             <a:lstStyle/>
             <a:p>
@@ -9075,7 +8631,9 @@
           </a:fontRef>
         </p:style>
         <p:txBody>
-          <a:bodyPr rtlCol="0" anchor="ctr"/>
+          <a:bodyPr rtlCol="0" anchor="ctr">
+            <a:normAutofit/>
+          </a:bodyPr>
           <a:lstStyle/>
           <a:p>
             <a:pPr algn="ctr"/>
@@ -9101,7 +8659,7 @@
         </p:spPr>
         <p:txBody>
           <a:bodyPr wrap="square" rtlCol="0">
-            <a:spAutoFit/>
+            <a:normAutofit/>
           </a:bodyPr>
           <a:lstStyle/>
           <a:p>
@@ -9146,7 +8704,7 @@
         </p:spPr>
         <p:txBody>
           <a:bodyPr wrap="square" rtlCol="0">
-            <a:spAutoFit/>
+            <a:normAutofit/>
           </a:bodyPr>
           <a:lstStyle/>
           <a:p>
@@ -9308,7 +8866,9 @@
             </a:fontRef>
           </p:style>
           <p:txBody>
-            <a:bodyPr rtlCol="0" anchor="ctr"/>
+            <a:bodyPr rtlCol="0" anchor="ctr">
+              <a:normAutofit/>
+            </a:bodyPr>
             <a:lstStyle/>
             <a:p>
               <a:pPr algn="ctr"/>
@@ -9342,7 +8902,7 @@
           </p:spPr>
           <p:txBody>
             <a:bodyPr wrap="none" rtlCol="0">
-              <a:spAutoFit/>
+              <a:normAutofit/>
             </a:bodyPr>
             <a:lstStyle/>
             <a:p>
@@ -9503,7 +9063,9 @@
               </a:fontRef>
             </p:style>
             <p:txBody>
-              <a:bodyPr rtlCol="0" anchor="ctr"/>
+              <a:bodyPr rtlCol="0" anchor="ctr">
+                <a:normAutofit/>
+              </a:bodyPr>
               <a:lstStyle/>
               <a:p>
                 <a:pPr algn="ctr"/>
@@ -9525,7 +9087,7 @@
             </p:nvSpPr>
             <p:spPr>
               <a:xfrm>
-                <a:off x="1275800" y="3303962"/>
+                <a:off x="1275800" y="3303963"/>
                 <a:ext cx="612061" cy="586986"/>
               </a:xfrm>
               <a:prstGeom prst="rect">
@@ -9537,7 +9099,7 @@
             </p:spPr>
             <p:txBody>
               <a:bodyPr wrap="none" rtlCol="0">
-                <a:spAutoFit/>
+                <a:normAutofit fontScale="62500" lnSpcReduction="20000"/>
               </a:bodyPr>
               <a:lstStyle/>
               <a:p>
@@ -9684,7 +9246,9 @@
               </a:fontRef>
             </p:style>
             <p:txBody>
-              <a:bodyPr rtlCol="0" anchor="ctr"/>
+              <a:bodyPr rtlCol="0" anchor="ctr">
+                <a:normAutofit/>
+              </a:bodyPr>
               <a:lstStyle/>
               <a:p>
                 <a:pPr algn="ctr"/>
@@ -9706,7 +9270,7 @@
             </p:nvSpPr>
             <p:spPr>
               <a:xfrm>
-                <a:off x="1275800" y="3303962"/>
+                <a:off x="1275800" y="3303963"/>
                 <a:ext cx="612061" cy="586986"/>
               </a:xfrm>
               <a:prstGeom prst="rect">
@@ -9718,7 +9282,7 @@
             </p:spPr>
             <p:txBody>
               <a:bodyPr wrap="none" rtlCol="0">
-                <a:spAutoFit/>
+                <a:normAutofit fontScale="62500" lnSpcReduction="20000"/>
               </a:bodyPr>
               <a:lstStyle/>
               <a:p>
@@ -9740,111 +9304,579 @@
       </p:grpSp>
       <p:grpSp>
         <p:nvGrpSpPr>
-          <p:cNvPr id="360" name="그룹 359"/>
+          <p:cNvPr id="3" name="그룹 2"/>
           <p:cNvGrpSpPr/>
           <p:nvPr/>
         </p:nvGrpSpPr>
         <p:grpSpPr>
           <a:xfrm>
-            <a:off x="3092745" y="1187723"/>
-            <a:ext cx="156221" cy="125239"/>
-            <a:chOff x="3010742" y="1164143"/>
-            <a:chExt cx="295022" cy="169995"/>
+            <a:off x="539730" y="1097279"/>
+            <a:ext cx="2801388" cy="5012575"/>
+            <a:chOff x="539730" y="1097279"/>
+            <a:chExt cx="2801388" cy="5012575"/>
           </a:xfrm>
         </p:grpSpPr>
-        <p:cxnSp>
-          <p:nvCxnSpPr>
-            <p:cNvPr id="354" name="직선 연결선 353"/>
-            <p:cNvCxnSpPr/>
+        <p:sp>
+          <p:nvSpPr>
+            <p:cNvPr id="6" name="직사각형 5"/>
+            <p:cNvSpPr/>
             <p:nvPr/>
-          </p:nvCxnSpPr>
+          </p:nvSpPr>
           <p:spPr>
             <a:xfrm>
-              <a:off x="3010742" y="1164143"/>
-              <a:ext cx="295022" cy="0"/>
+              <a:off x="539730" y="1097279"/>
+              <a:ext cx="2801388" cy="5012575"/>
             </a:xfrm>
-            <a:prstGeom prst="line">
+            <a:prstGeom prst="rect">
               <a:avLst/>
             </a:prstGeom>
-            <a:ln w="28575"/>
+            <a:solidFill>
+              <a:schemeClr val="bg1"/>
+            </a:solidFill>
+            <a:ln>
+              <a:solidFill>
+                <a:schemeClr val="accent1">
+                  <a:lumMod val="75000"/>
+                </a:schemeClr>
+              </a:solidFill>
+            </a:ln>
           </p:spPr>
           <p:style>
-            <a:lnRef idx="1">
-              <a:schemeClr val="accent1"/>
+            <a:lnRef idx="2">
+              <a:schemeClr val="accent1">
+                <a:shade val="50000"/>
+              </a:schemeClr>
             </a:lnRef>
-            <a:fillRef idx="0">
+            <a:fillRef idx="1">
               <a:schemeClr val="accent1"/>
             </a:fillRef>
             <a:effectRef idx="0">
               <a:schemeClr val="accent1"/>
             </a:effectRef>
             <a:fontRef idx="minor">
-              <a:schemeClr val="tx1"/>
+              <a:schemeClr val="lt1"/>
             </a:fontRef>
           </p:style>
-        </p:cxnSp>
-        <p:cxnSp>
-          <p:nvCxnSpPr>
-            <p:cNvPr id="355" name="직선 연결선 354"/>
-            <p:cNvCxnSpPr/>
+          <p:txBody>
+            <a:bodyPr rtlCol="0" anchor="ctr">
+              <a:normAutofit/>
+            </a:bodyPr>
+            <a:lstStyle/>
+            <a:p>
+              <a:pPr algn="ctr"/>
+              <a:endParaRPr lang="ko-KR" altLang="en-US"/>
+            </a:p>
+          </p:txBody>
+        </p:sp>
+        <p:sp>
+          <p:nvSpPr>
+            <p:cNvPr id="11" name="모서리가 둥근 직사각형 10"/>
+            <p:cNvSpPr/>
             <p:nvPr/>
-          </p:nvCxnSpPr>
+          </p:nvSpPr>
           <p:spPr>
             <a:xfrm>
-              <a:off x="3010742" y="1248529"/>
-              <a:ext cx="295022" cy="0"/>
+              <a:off x="670784" y="4305238"/>
+              <a:ext cx="2539144" cy="415210"/>
             </a:xfrm>
-            <a:prstGeom prst="line">
-              <a:avLst/>
+            <a:prstGeom prst="roundRect">
+              <a:avLst>
+                <a:gd name="adj" fmla="val 50000"/>
+              </a:avLst>
             </a:prstGeom>
-            <a:ln w="28575"/>
+            <a:solidFill>
+              <a:schemeClr val="accent1">
+                <a:lumMod val="60000"/>
+                <a:lumOff val="40000"/>
+              </a:schemeClr>
+            </a:solidFill>
+            <a:ln>
+              <a:solidFill>
+                <a:schemeClr val="accent1">
+                  <a:lumMod val="75000"/>
+                </a:schemeClr>
+              </a:solidFill>
+            </a:ln>
           </p:spPr>
           <p:style>
-            <a:lnRef idx="1">
-              <a:schemeClr val="accent1"/>
+            <a:lnRef idx="2">
+              <a:schemeClr val="accent1">
+                <a:shade val="50000"/>
+              </a:schemeClr>
             </a:lnRef>
-            <a:fillRef idx="0">
+            <a:fillRef idx="1">
               <a:schemeClr val="accent1"/>
             </a:fillRef>
             <a:effectRef idx="0">
               <a:schemeClr val="accent1"/>
             </a:effectRef>
             <a:fontRef idx="minor">
-              <a:schemeClr val="tx1"/>
+              <a:schemeClr val="lt1"/>
             </a:fontRef>
           </p:style>
-        </p:cxnSp>
-        <p:cxnSp>
-          <p:nvCxnSpPr>
-            <p:cNvPr id="356" name="직선 연결선 355"/>
-            <p:cNvCxnSpPr/>
+          <p:txBody>
+            <a:bodyPr rtlCol="0" anchor="ctr">
+              <a:normAutofit fontScale="85000" lnSpcReduction="20000"/>
+            </a:bodyPr>
+            <a:lstStyle/>
+            <a:p>
+              <a:pPr algn="ctr"/>
+              <a:endParaRPr lang="ko-KR" altLang="en-US">
+                <a:solidFill>
+                  <a:schemeClr val="accent1">
+                    <a:lumMod val="50000"/>
+                  </a:schemeClr>
+                </a:solidFill>
+              </a:endParaRPr>
+            </a:p>
+          </p:txBody>
+        </p:sp>
+        <p:sp>
+          <p:nvSpPr>
+            <p:cNvPr id="12" name="TextBox 11"/>
+            <p:cNvSpPr txBox="1"/>
             <p:nvPr/>
-          </p:nvCxnSpPr>
+          </p:nvSpPr>
           <p:spPr>
             <a:xfrm>
-              <a:off x="3010742" y="1334138"/>
-              <a:ext cx="295022" cy="0"/>
+              <a:off x="999232" y="4325415"/>
+              <a:ext cx="1882247" cy="369332"/>
             </a:xfrm>
-            <a:prstGeom prst="line">
+            <a:prstGeom prst="rect">
               <a:avLst/>
             </a:prstGeom>
-            <a:ln w="28575"/>
+            <a:noFill/>
+            <a:ln>
+              <a:noFill/>
+            </a:ln>
           </p:spPr>
-          <p:style>
-            <a:lnRef idx="1">
-              <a:schemeClr val="accent1"/>
-            </a:lnRef>
-            <a:fillRef idx="0">
-              <a:schemeClr val="accent1"/>
-            </a:fillRef>
-            <a:effectRef idx="0">
-              <a:schemeClr val="accent1"/>
-            </a:effectRef>
-            <a:fontRef idx="minor">
-              <a:schemeClr val="tx1"/>
-            </a:fontRef>
-          </p:style>
-        </p:cxnSp>
+          <p:txBody>
+            <a:bodyPr wrap="none" rtlCol="0">
+              <a:normAutofit/>
+            </a:bodyPr>
+            <a:lstStyle/>
+            <a:p>
+              <a:pPr algn="ctr"/>
+              <a:r>
+                <a:rPr lang="ko-KR" altLang="en-US" dirty="0" err="1" smtClean="0">
+                  <a:solidFill>
+                    <a:schemeClr val="accent1">
+                      <a:lumMod val="50000"/>
+                    </a:schemeClr>
+                  </a:solidFill>
+                  <a:latin typeface="맑은 고딕" panose="020B0503020000020004" pitchFamily="50" charset="-127"/>
+                  <a:ea typeface="맑은 고딕" panose="020B0503020000020004" pitchFamily="50" charset="-127"/>
+                </a:rPr>
+                <a:t>전시안내</a:t>
+              </a:r>
+              <a:r>
+                <a:rPr lang="ko-KR" altLang="en-US" dirty="0" smtClean="0">
+                  <a:solidFill>
+                    <a:schemeClr val="accent1">
+                      <a:lumMod val="50000"/>
+                    </a:schemeClr>
+                  </a:solidFill>
+                  <a:latin typeface="맑은 고딕" panose="020B0503020000020004" pitchFamily="50" charset="-127"/>
+                  <a:ea typeface="맑은 고딕" panose="020B0503020000020004" pitchFamily="50" charset="-127"/>
+                </a:rPr>
+                <a:t> 보기↗</a:t>
+              </a:r>
+              <a:endParaRPr lang="ko-KR" altLang="en-US" dirty="0">
+                <a:solidFill>
+                  <a:schemeClr val="accent1">
+                    <a:lumMod val="50000"/>
+                  </a:schemeClr>
+                </a:solidFill>
+                <a:latin typeface="맑은 고딕" panose="020B0503020000020004" pitchFamily="50" charset="-127"/>
+                <a:ea typeface="맑은 고딕" panose="020B0503020000020004" pitchFamily="50" charset="-127"/>
+              </a:endParaRPr>
+            </a:p>
+          </p:txBody>
+        </p:sp>
+        <p:sp>
+          <p:nvSpPr>
+            <p:cNvPr id="27" name="TextBox 26"/>
+            <p:cNvSpPr txBox="1"/>
+            <p:nvPr/>
+          </p:nvSpPr>
+          <p:spPr>
+            <a:xfrm>
+              <a:off x="604701" y="1211189"/>
+              <a:ext cx="2473754" cy="253916"/>
+            </a:xfrm>
+            <a:prstGeom prst="rect">
+              <a:avLst/>
+            </a:prstGeom>
+            <a:noFill/>
+          </p:spPr>
+          <p:txBody>
+            <a:bodyPr wrap="none" rtlCol="0">
+              <a:normAutofit/>
+            </a:bodyPr>
+            <a:lstStyle/>
+            <a:p>
+              <a:r>
+                <a:rPr lang="ko-KR" altLang="en-US" sz="1050" b="1" dirty="0" err="1" smtClean="0">
+                  <a:solidFill>
+                    <a:schemeClr val="accent1">
+                      <a:lumMod val="50000"/>
+                    </a:schemeClr>
+                  </a:solidFill>
+                  <a:latin typeface="맑은 고딕" panose="020B0503020000020004" pitchFamily="50" charset="-127"/>
+                  <a:ea typeface="맑은 고딕" panose="020B0503020000020004" pitchFamily="50" charset="-127"/>
+                </a:rPr>
+                <a:t>세종특별자치시도교육청ㅣ독도전시관</a:t>
+              </a:r>
+              <a:endParaRPr lang="ko-KR" altLang="en-US" sz="1050" b="1" dirty="0">
+                <a:solidFill>
+                  <a:schemeClr val="accent1">
+                    <a:lumMod val="50000"/>
+                  </a:schemeClr>
+                </a:solidFill>
+                <a:latin typeface="맑은 고딕" panose="020B0503020000020004" pitchFamily="50" charset="-127"/>
+                <a:ea typeface="맑은 고딕" panose="020B0503020000020004" pitchFamily="50" charset="-127"/>
+              </a:endParaRPr>
+            </a:p>
+          </p:txBody>
+        </p:sp>
+        <p:sp>
+          <p:nvSpPr>
+            <p:cNvPr id="281" name="TextBox 280"/>
+            <p:cNvSpPr txBox="1"/>
+            <p:nvPr/>
+          </p:nvSpPr>
+          <p:spPr>
+            <a:xfrm>
+              <a:off x="1577947" y="5646516"/>
+              <a:ext cx="724815" cy="276999"/>
+            </a:xfrm>
+            <a:prstGeom prst="rect">
+              <a:avLst/>
+            </a:prstGeom>
+            <a:noFill/>
+          </p:spPr>
+          <p:txBody>
+            <a:bodyPr wrap="none" rtlCol="0">
+              <a:normAutofit/>
+            </a:bodyPr>
+            <a:lstStyle/>
+            <a:p>
+              <a:pPr algn="ctr"/>
+              <a:r>
+                <a:rPr lang="en-US" altLang="ko-KR" sz="1200" dirty="0" smtClean="0">
+                  <a:solidFill>
+                    <a:schemeClr val="accent1">
+                      <a:lumMod val="50000"/>
+                    </a:schemeClr>
+                  </a:solidFill>
+                  <a:latin typeface="맑은 고딕" panose="020B0503020000020004" pitchFamily="50" charset="-127"/>
+                  <a:ea typeface="맑은 고딕" panose="020B0503020000020004" pitchFamily="50" charset="-127"/>
+                </a:rPr>
+                <a:t>SCROLL</a:t>
+              </a:r>
+              <a:endParaRPr lang="ko-KR" altLang="en-US" sz="1200" dirty="0">
+                <a:solidFill>
+                  <a:schemeClr val="accent1">
+                    <a:lumMod val="50000"/>
+                  </a:schemeClr>
+                </a:solidFill>
+                <a:latin typeface="맑은 고딕" panose="020B0503020000020004" pitchFamily="50" charset="-127"/>
+                <a:ea typeface="맑은 고딕" panose="020B0503020000020004" pitchFamily="50" charset="-127"/>
+              </a:endParaRPr>
+            </a:p>
+          </p:txBody>
+        </p:sp>
+        <p:grpSp>
+          <p:nvGrpSpPr>
+            <p:cNvPr id="296" name="그룹 295"/>
+            <p:cNvGrpSpPr/>
+            <p:nvPr/>
+          </p:nvGrpSpPr>
+          <p:grpSpPr>
+            <a:xfrm>
+              <a:off x="676488" y="1728711"/>
+              <a:ext cx="2539144" cy="2419417"/>
+              <a:chOff x="314003" y="2568633"/>
+              <a:chExt cx="2539144" cy="2053243"/>
+            </a:xfrm>
+          </p:grpSpPr>
+          <p:cxnSp>
+            <p:nvCxnSpPr>
+              <p:cNvPr id="297" name="직선 연결선 296"/>
+              <p:cNvCxnSpPr/>
+              <p:nvPr/>
+            </p:nvCxnSpPr>
+            <p:spPr>
+              <a:xfrm>
+                <a:off x="314003" y="2568633"/>
+                <a:ext cx="2539144" cy="2053243"/>
+              </a:xfrm>
+              <a:prstGeom prst="line">
+                <a:avLst/>
+              </a:prstGeom>
+              <a:ln w="12700">
+                <a:solidFill>
+                  <a:schemeClr val="accent1">
+                    <a:lumMod val="75000"/>
+                  </a:schemeClr>
+                </a:solidFill>
+              </a:ln>
+            </p:spPr>
+            <p:style>
+              <a:lnRef idx="1">
+                <a:schemeClr val="accent1"/>
+              </a:lnRef>
+              <a:fillRef idx="0">
+                <a:schemeClr val="accent1"/>
+              </a:fillRef>
+              <a:effectRef idx="0">
+                <a:schemeClr val="accent1"/>
+              </a:effectRef>
+              <a:fontRef idx="minor">
+                <a:schemeClr val="tx1"/>
+              </a:fontRef>
+            </p:style>
+          </p:cxnSp>
+          <p:cxnSp>
+            <p:nvCxnSpPr>
+              <p:cNvPr id="298" name="직선 연결선 297"/>
+              <p:cNvCxnSpPr/>
+              <p:nvPr/>
+            </p:nvCxnSpPr>
+            <p:spPr>
+              <a:xfrm flipH="1">
+                <a:off x="314003" y="2568633"/>
+                <a:ext cx="2539144" cy="2053243"/>
+              </a:xfrm>
+              <a:prstGeom prst="line">
+                <a:avLst/>
+              </a:prstGeom>
+              <a:ln w="12700">
+                <a:solidFill>
+                  <a:schemeClr val="accent1">
+                    <a:lumMod val="75000"/>
+                  </a:schemeClr>
+                </a:solidFill>
+              </a:ln>
+            </p:spPr>
+            <p:style>
+              <a:lnRef idx="1">
+                <a:schemeClr val="accent1"/>
+              </a:lnRef>
+              <a:fillRef idx="0">
+                <a:schemeClr val="accent1"/>
+              </a:fillRef>
+              <a:effectRef idx="0">
+                <a:schemeClr val="accent1"/>
+              </a:effectRef>
+              <a:fontRef idx="minor">
+                <a:schemeClr val="tx1"/>
+              </a:fontRef>
+            </p:style>
+          </p:cxnSp>
+          <p:sp>
+            <p:nvSpPr>
+              <p:cNvPr id="299" name="직사각형 298"/>
+              <p:cNvSpPr/>
+              <p:nvPr/>
+            </p:nvSpPr>
+            <p:spPr>
+              <a:xfrm>
+                <a:off x="314003" y="2568633"/>
+                <a:ext cx="2539144" cy="2053243"/>
+              </a:xfrm>
+              <a:prstGeom prst="rect">
+                <a:avLst/>
+              </a:prstGeom>
+              <a:noFill/>
+              <a:ln>
+                <a:solidFill>
+                  <a:schemeClr val="accent1">
+                    <a:lumMod val="75000"/>
+                  </a:schemeClr>
+                </a:solidFill>
+              </a:ln>
+            </p:spPr>
+            <p:style>
+              <a:lnRef idx="2">
+                <a:schemeClr val="accent1">
+                  <a:shade val="50000"/>
+                </a:schemeClr>
+              </a:lnRef>
+              <a:fillRef idx="1">
+                <a:schemeClr val="accent1"/>
+              </a:fillRef>
+              <a:effectRef idx="0">
+                <a:schemeClr val="accent1"/>
+              </a:effectRef>
+              <a:fontRef idx="minor">
+                <a:schemeClr val="lt1"/>
+              </a:fontRef>
+            </p:style>
+            <p:txBody>
+              <a:bodyPr rtlCol="0" anchor="ctr">
+                <a:normAutofit/>
+              </a:bodyPr>
+              <a:lstStyle/>
+              <a:p>
+                <a:pPr algn="ctr"/>
+                <a:endParaRPr lang="ko-KR" altLang="en-US">
+                  <a:solidFill>
+                    <a:schemeClr val="accent1">
+                      <a:lumMod val="50000"/>
+                    </a:schemeClr>
+                  </a:solidFill>
+                </a:endParaRPr>
+              </a:p>
+            </p:txBody>
+          </p:sp>
+          <p:sp>
+            <p:nvSpPr>
+              <p:cNvPr id="300" name="TextBox 299"/>
+              <p:cNvSpPr txBox="1"/>
+              <p:nvPr/>
+            </p:nvSpPr>
+            <p:spPr>
+              <a:xfrm>
+                <a:off x="1139415" y="3404646"/>
+                <a:ext cx="888320" cy="369332"/>
+              </a:xfrm>
+              <a:prstGeom prst="rect">
+                <a:avLst/>
+              </a:prstGeom>
+              <a:solidFill>
+                <a:schemeClr val="bg1"/>
+              </a:solidFill>
+            </p:spPr>
+            <p:txBody>
+              <a:bodyPr wrap="none" rtlCol="0">
+                <a:normAutofit/>
+              </a:bodyPr>
+              <a:lstStyle/>
+              <a:p>
+                <a:pPr algn="ctr"/>
+                <a:r>
+                  <a:rPr lang="en-US" altLang="ko-KR" dirty="0" smtClean="0">
+                    <a:solidFill>
+                      <a:schemeClr val="accent1">
+                        <a:lumMod val="50000"/>
+                      </a:schemeClr>
+                    </a:solidFill>
+                  </a:rPr>
+                  <a:t>IMAGE</a:t>
+                </a:r>
+              </a:p>
+            </p:txBody>
+          </p:sp>
+        </p:grpSp>
+        <p:grpSp>
+          <p:nvGrpSpPr>
+            <p:cNvPr id="360" name="그룹 359"/>
+            <p:cNvGrpSpPr/>
+            <p:nvPr/>
+          </p:nvGrpSpPr>
+          <p:grpSpPr>
+            <a:xfrm>
+              <a:off x="3092745" y="1187723"/>
+              <a:ext cx="156221" cy="125239"/>
+              <a:chOff x="3010742" y="1164143"/>
+              <a:chExt cx="295022" cy="169995"/>
+            </a:xfrm>
+          </p:grpSpPr>
+          <p:cxnSp>
+            <p:nvCxnSpPr>
+              <p:cNvPr id="354" name="직선 연결선 353"/>
+              <p:cNvCxnSpPr/>
+              <p:nvPr/>
+            </p:nvCxnSpPr>
+            <p:spPr>
+              <a:xfrm>
+                <a:off x="3010742" y="1164143"/>
+                <a:ext cx="295022" cy="0"/>
+              </a:xfrm>
+              <a:prstGeom prst="line">
+                <a:avLst/>
+              </a:prstGeom>
+              <a:ln w="28575"/>
+            </p:spPr>
+            <p:style>
+              <a:lnRef idx="1">
+                <a:schemeClr val="accent1"/>
+              </a:lnRef>
+              <a:fillRef idx="0">
+                <a:schemeClr val="accent1"/>
+              </a:fillRef>
+              <a:effectRef idx="0">
+                <a:schemeClr val="accent1"/>
+              </a:effectRef>
+              <a:fontRef idx="minor">
+                <a:schemeClr val="tx1"/>
+              </a:fontRef>
+            </p:style>
+          </p:cxnSp>
+          <p:cxnSp>
+            <p:nvCxnSpPr>
+              <p:cNvPr id="355" name="직선 연결선 354"/>
+              <p:cNvCxnSpPr/>
+              <p:nvPr/>
+            </p:nvCxnSpPr>
+            <p:spPr>
+              <a:xfrm>
+                <a:off x="3010742" y="1248529"/>
+                <a:ext cx="295022" cy="0"/>
+              </a:xfrm>
+              <a:prstGeom prst="line">
+                <a:avLst/>
+              </a:prstGeom>
+              <a:ln w="28575"/>
+            </p:spPr>
+            <p:style>
+              <a:lnRef idx="1">
+                <a:schemeClr val="accent1"/>
+              </a:lnRef>
+              <a:fillRef idx="0">
+                <a:schemeClr val="accent1"/>
+              </a:fillRef>
+              <a:effectRef idx="0">
+                <a:schemeClr val="accent1"/>
+              </a:effectRef>
+              <a:fontRef idx="minor">
+                <a:schemeClr val="tx1"/>
+              </a:fontRef>
+            </p:style>
+          </p:cxnSp>
+          <p:cxnSp>
+            <p:nvCxnSpPr>
+              <p:cNvPr id="356" name="직선 연결선 355"/>
+              <p:cNvCxnSpPr/>
+              <p:nvPr/>
+            </p:nvCxnSpPr>
+            <p:spPr>
+              <a:xfrm>
+                <a:off x="3010742" y="1334138"/>
+                <a:ext cx="295022" cy="0"/>
+              </a:xfrm>
+              <a:prstGeom prst="line">
+                <a:avLst/>
+              </a:prstGeom>
+              <a:ln w="28575"/>
+            </p:spPr>
+            <p:style>
+              <a:lnRef idx="1">
+                <a:schemeClr val="accent1"/>
+              </a:lnRef>
+              <a:fillRef idx="0">
+                <a:schemeClr val="accent1"/>
+              </a:fillRef>
+              <a:effectRef idx="0">
+                <a:schemeClr val="accent1"/>
+              </a:effectRef>
+              <a:fontRef idx="minor">
+                <a:schemeClr val="tx1"/>
+              </a:fontRef>
+            </p:style>
+          </p:cxnSp>
+        </p:grpSp>
       </p:grpSp>
       <p:grpSp>
         <p:nvGrpSpPr>
@@ -10111,7 +10143,9 @@
             </a:fontRef>
           </p:style>
           <p:txBody>
-            <a:bodyPr rtlCol="0" anchor="ctr"/>
+            <a:bodyPr rtlCol="0" anchor="ctr">
+              <a:normAutofit fontScale="25000" lnSpcReduction="20000"/>
+            </a:bodyPr>
             <a:lstStyle/>
             <a:p>
               <a:pPr algn="ctr"/>
@@ -10160,7 +10194,9 @@
             </a:fontRef>
           </p:style>
           <p:txBody>
-            <a:bodyPr rtlCol="0" anchor="ctr"/>
+            <a:bodyPr rtlCol="0" anchor="ctr">
+              <a:normAutofit fontScale="25000" lnSpcReduction="20000"/>
+            </a:bodyPr>
             <a:lstStyle/>
             <a:p>
               <a:pPr algn="ctr"/>
@@ -10209,7 +10245,9 @@
             </a:fontRef>
           </p:style>
           <p:txBody>
-            <a:bodyPr rtlCol="0" anchor="ctr"/>
+            <a:bodyPr rtlCol="0" anchor="ctr">
+              <a:normAutofit fontScale="25000" lnSpcReduction="20000"/>
+            </a:bodyPr>
             <a:lstStyle/>
             <a:p>
               <a:pPr algn="ctr"/>
@@ -10258,7 +10296,9 @@
             </a:fontRef>
           </p:style>
           <p:txBody>
-            <a:bodyPr rtlCol="0" anchor="ctr"/>
+            <a:bodyPr rtlCol="0" anchor="ctr">
+              <a:normAutofit fontScale="25000" lnSpcReduction="20000"/>
+            </a:bodyPr>
             <a:lstStyle/>
             <a:p>
               <a:pPr algn="ctr"/>
@@ -10308,7 +10348,9 @@
           </a:fontRef>
         </p:style>
         <p:txBody>
-          <a:bodyPr rtlCol="0" anchor="ctr"/>
+          <a:bodyPr rtlCol="0" anchor="ctr">
+            <a:normAutofit/>
+          </a:bodyPr>
           <a:lstStyle/>
           <a:p>
             <a:pPr algn="ctr"/>
@@ -10397,56 +10439,6 @@
       </p:sp>
       <p:sp>
         <p:nvSpPr>
-          <p:cNvPr id="6" name="직사각형 5"/>
-          <p:cNvSpPr/>
-          <p:nvPr/>
-        </p:nvSpPr>
-        <p:spPr>
-          <a:xfrm>
-            <a:off x="539730" y="1097279"/>
-            <a:ext cx="2801388" cy="5012575"/>
-          </a:xfrm>
-          <a:prstGeom prst="rect">
-            <a:avLst/>
-          </a:prstGeom>
-          <a:solidFill>
-            <a:schemeClr val="bg1"/>
-          </a:solidFill>
-          <a:ln>
-            <a:solidFill>
-              <a:schemeClr val="accent1">
-                <a:lumMod val="75000"/>
-              </a:schemeClr>
-            </a:solidFill>
-          </a:ln>
-        </p:spPr>
-        <p:style>
-          <a:lnRef idx="2">
-            <a:schemeClr val="accent1">
-              <a:shade val="50000"/>
-            </a:schemeClr>
-          </a:lnRef>
-          <a:fillRef idx="1">
-            <a:schemeClr val="accent1"/>
-          </a:fillRef>
-          <a:effectRef idx="0">
-            <a:schemeClr val="accent1"/>
-          </a:effectRef>
-          <a:fontRef idx="minor">
-            <a:schemeClr val="lt1"/>
-          </a:fontRef>
-        </p:style>
-        <p:txBody>
-          <a:bodyPr rtlCol="0" anchor="ctr"/>
-          <a:lstStyle/>
-          <a:p>
-            <a:pPr algn="ctr"/>
-            <a:endParaRPr lang="ko-KR" altLang="en-US"/>
-          </a:p>
-        </p:txBody>
-      </p:sp>
-      <p:sp>
-        <p:nvSpPr>
           <p:cNvPr id="45" name="직사각형 44"/>
           <p:cNvSpPr/>
           <p:nvPr/>
@@ -11790,56 +11782,6 @@
       </p:sp>
       <p:sp>
         <p:nvSpPr>
-          <p:cNvPr id="75" name="직사각형 74"/>
-          <p:cNvSpPr/>
-          <p:nvPr/>
-        </p:nvSpPr>
-        <p:spPr>
-          <a:xfrm>
-            <a:off x="3663670" y="1097279"/>
-            <a:ext cx="2801388" cy="5012575"/>
-          </a:xfrm>
-          <a:prstGeom prst="rect">
-            <a:avLst/>
-          </a:prstGeom>
-          <a:solidFill>
-            <a:schemeClr val="bg1"/>
-          </a:solidFill>
-          <a:ln>
-            <a:solidFill>
-              <a:schemeClr val="accent1">
-                <a:lumMod val="75000"/>
-              </a:schemeClr>
-            </a:solidFill>
-          </a:ln>
-        </p:spPr>
-        <p:style>
-          <a:lnRef idx="2">
-            <a:schemeClr val="accent1">
-              <a:shade val="50000"/>
-            </a:schemeClr>
-          </a:lnRef>
-          <a:fillRef idx="1">
-            <a:schemeClr val="accent1"/>
-          </a:fillRef>
-          <a:effectRef idx="0">
-            <a:schemeClr val="accent1"/>
-          </a:effectRef>
-          <a:fontRef idx="minor">
-            <a:schemeClr val="lt1"/>
-          </a:fontRef>
-        </p:style>
-        <p:txBody>
-          <a:bodyPr rtlCol="0" anchor="ctr"/>
-          <a:lstStyle/>
-          <a:p>
-            <a:pPr algn="ctr"/>
-            <a:endParaRPr lang="ko-KR" altLang="en-US"/>
-          </a:p>
-        </p:txBody>
-      </p:sp>
-      <p:sp>
-        <p:nvSpPr>
           <p:cNvPr id="274" name="직사각형 273"/>
           <p:cNvSpPr/>
           <p:nvPr/>
@@ -12064,368 +12006,6 @@
           </a:p>
         </p:txBody>
       </p:sp>
-      <p:grpSp>
-        <p:nvGrpSpPr>
-          <p:cNvPr id="3" name="그룹 2"/>
-          <p:cNvGrpSpPr/>
-          <p:nvPr/>
-        </p:nvGrpSpPr>
-        <p:grpSpPr>
-          <a:xfrm>
-            <a:off x="670782" y="1423341"/>
-            <a:ext cx="2539144" cy="1211794"/>
-            <a:chOff x="670782" y="1423341"/>
-            <a:chExt cx="2539144" cy="1211794"/>
-          </a:xfrm>
-        </p:grpSpPr>
-        <p:sp>
-          <p:nvSpPr>
-            <p:cNvPr id="107" name="직사각형 106"/>
-            <p:cNvSpPr/>
-            <p:nvPr/>
-          </p:nvSpPr>
-          <p:spPr>
-            <a:xfrm>
-              <a:off x="670782" y="1423341"/>
-              <a:ext cx="2539144" cy="1211794"/>
-            </a:xfrm>
-            <a:prstGeom prst="rect">
-              <a:avLst/>
-            </a:prstGeom>
-            <a:solidFill>
-              <a:schemeClr val="accent1">
-                <a:lumMod val="40000"/>
-                <a:lumOff val="60000"/>
-              </a:schemeClr>
-            </a:solidFill>
-            <a:ln>
-              <a:solidFill>
-                <a:schemeClr val="accent1">
-                  <a:lumMod val="75000"/>
-                </a:schemeClr>
-              </a:solidFill>
-            </a:ln>
-          </p:spPr>
-          <p:style>
-            <a:lnRef idx="2">
-              <a:schemeClr val="accent1">
-                <a:shade val="50000"/>
-              </a:schemeClr>
-            </a:lnRef>
-            <a:fillRef idx="1">
-              <a:schemeClr val="accent1"/>
-            </a:fillRef>
-            <a:effectRef idx="0">
-              <a:schemeClr val="accent1"/>
-            </a:effectRef>
-            <a:fontRef idx="minor">
-              <a:schemeClr val="lt1"/>
-            </a:fontRef>
-          </p:style>
-          <p:txBody>
-            <a:bodyPr rtlCol="0" anchor="ctr"/>
-            <a:lstStyle/>
-            <a:p>
-              <a:pPr algn="ctr"/>
-              <a:endParaRPr lang="ko-KR" altLang="en-US" dirty="0"/>
-            </a:p>
-          </p:txBody>
-        </p:sp>
-        <p:grpSp>
-          <p:nvGrpSpPr>
-            <p:cNvPr id="2" name="그룹 1"/>
-            <p:cNvGrpSpPr/>
-            <p:nvPr/>
-          </p:nvGrpSpPr>
-          <p:grpSpPr>
-            <a:xfrm>
-              <a:off x="2222725" y="1630059"/>
-              <a:ext cx="837865" cy="798358"/>
-              <a:chOff x="2245597" y="4074428"/>
-              <a:chExt cx="837865" cy="798358"/>
-            </a:xfrm>
-          </p:grpSpPr>
-          <p:sp>
-            <p:nvSpPr>
-              <p:cNvPr id="299" name="직사각형 298"/>
-              <p:cNvSpPr/>
-              <p:nvPr/>
-            </p:nvSpPr>
-            <p:spPr>
-              <a:xfrm>
-                <a:off x="2245597" y="4074428"/>
-                <a:ext cx="837865" cy="798358"/>
-              </a:xfrm>
-              <a:prstGeom prst="rect">
-                <a:avLst/>
-              </a:prstGeom>
-              <a:noFill/>
-              <a:ln>
-                <a:solidFill>
-                  <a:schemeClr val="accent1">
-                    <a:lumMod val="75000"/>
-                  </a:schemeClr>
-                </a:solidFill>
-              </a:ln>
-            </p:spPr>
-            <p:style>
-              <a:lnRef idx="2">
-                <a:schemeClr val="accent1">
-                  <a:shade val="50000"/>
-                </a:schemeClr>
-              </a:lnRef>
-              <a:fillRef idx="1">
-                <a:schemeClr val="accent1"/>
-              </a:fillRef>
-              <a:effectRef idx="0">
-                <a:schemeClr val="accent1"/>
-              </a:effectRef>
-              <a:fontRef idx="minor">
-                <a:schemeClr val="lt1"/>
-              </a:fontRef>
-            </p:style>
-            <p:txBody>
-              <a:bodyPr rtlCol="0" anchor="ctr"/>
-              <a:lstStyle/>
-              <a:p>
-                <a:pPr algn="ctr"/>
-                <a:endParaRPr lang="ko-KR" altLang="en-US">
-                  <a:solidFill>
-                    <a:schemeClr val="accent1">
-                      <a:lumMod val="50000"/>
-                    </a:schemeClr>
-                  </a:solidFill>
-                </a:endParaRPr>
-              </a:p>
-            </p:txBody>
-          </p:sp>
-          <p:cxnSp>
-            <p:nvCxnSpPr>
-              <p:cNvPr id="297" name="직선 연결선 296"/>
-              <p:cNvCxnSpPr/>
-              <p:nvPr/>
-            </p:nvCxnSpPr>
-            <p:spPr>
-              <a:xfrm>
-                <a:off x="2245597" y="4074428"/>
-                <a:ext cx="837865" cy="798358"/>
-              </a:xfrm>
-              <a:prstGeom prst="line">
-                <a:avLst/>
-              </a:prstGeom>
-              <a:noFill/>
-              <a:ln w="12700">
-                <a:solidFill>
-                  <a:schemeClr val="accent1">
-                    <a:lumMod val="75000"/>
-                  </a:schemeClr>
-                </a:solidFill>
-              </a:ln>
-            </p:spPr>
-            <p:style>
-              <a:lnRef idx="1">
-                <a:schemeClr val="accent1"/>
-              </a:lnRef>
-              <a:fillRef idx="0">
-                <a:schemeClr val="accent1"/>
-              </a:fillRef>
-              <a:effectRef idx="0">
-                <a:schemeClr val="accent1"/>
-              </a:effectRef>
-              <a:fontRef idx="minor">
-                <a:schemeClr val="tx1"/>
-              </a:fontRef>
-            </p:style>
-          </p:cxnSp>
-          <p:cxnSp>
-            <p:nvCxnSpPr>
-              <p:cNvPr id="298" name="직선 연결선 297"/>
-              <p:cNvCxnSpPr/>
-              <p:nvPr/>
-            </p:nvCxnSpPr>
-            <p:spPr>
-              <a:xfrm flipH="1">
-                <a:off x="2245597" y="4074428"/>
-                <a:ext cx="837865" cy="798358"/>
-              </a:xfrm>
-              <a:prstGeom prst="line">
-                <a:avLst/>
-              </a:prstGeom>
-              <a:noFill/>
-              <a:ln w="12700">
-                <a:solidFill>
-                  <a:schemeClr val="accent1">
-                    <a:lumMod val="75000"/>
-                  </a:schemeClr>
-                </a:solidFill>
-              </a:ln>
-            </p:spPr>
-            <p:style>
-              <a:lnRef idx="1">
-                <a:schemeClr val="accent1"/>
-              </a:lnRef>
-              <a:fillRef idx="0">
-                <a:schemeClr val="accent1"/>
-              </a:fillRef>
-              <a:effectRef idx="0">
-                <a:schemeClr val="accent1"/>
-              </a:effectRef>
-              <a:fontRef idx="minor">
-                <a:schemeClr val="tx1"/>
-              </a:fontRef>
-            </p:style>
-          </p:cxnSp>
-          <p:sp>
-            <p:nvSpPr>
-              <p:cNvPr id="300" name="TextBox 299"/>
-              <p:cNvSpPr txBox="1"/>
-              <p:nvPr/>
-            </p:nvSpPr>
-            <p:spPr>
-              <a:xfrm>
-                <a:off x="2430169" y="4351994"/>
-                <a:ext cx="466794" cy="230832"/>
-              </a:xfrm>
-              <a:prstGeom prst="rect">
-                <a:avLst/>
-              </a:prstGeom>
-              <a:solidFill>
-                <a:schemeClr val="accent1">
-                  <a:lumMod val="40000"/>
-                  <a:lumOff val="60000"/>
-                </a:schemeClr>
-              </a:solidFill>
-            </p:spPr>
-            <p:txBody>
-              <a:bodyPr wrap="none" rtlCol="0">
-                <a:spAutoFit/>
-              </a:bodyPr>
-              <a:lstStyle/>
-              <a:p>
-                <a:pPr algn="ctr"/>
-                <a:r>
-                  <a:rPr lang="en-US" altLang="ko-KR" sz="900" dirty="0" smtClean="0">
-                    <a:solidFill>
-                      <a:schemeClr val="accent1">
-                        <a:lumMod val="50000"/>
-                      </a:schemeClr>
-                    </a:solidFill>
-                  </a:rPr>
-                  <a:t>ICON</a:t>
-                </a:r>
-              </a:p>
-            </p:txBody>
-          </p:sp>
-        </p:grpSp>
-      </p:grpSp>
-      <p:grpSp>
-        <p:nvGrpSpPr>
-          <p:cNvPr id="360" name="그룹 359"/>
-          <p:cNvGrpSpPr/>
-          <p:nvPr/>
-        </p:nvGrpSpPr>
-        <p:grpSpPr>
-          <a:xfrm>
-            <a:off x="3092745" y="1187723"/>
-            <a:ext cx="156221" cy="125239"/>
-            <a:chOff x="3010742" y="1164143"/>
-            <a:chExt cx="295022" cy="169995"/>
-          </a:xfrm>
-        </p:grpSpPr>
-        <p:cxnSp>
-          <p:nvCxnSpPr>
-            <p:cNvPr id="354" name="직선 연결선 353"/>
-            <p:cNvCxnSpPr/>
-            <p:nvPr/>
-          </p:nvCxnSpPr>
-          <p:spPr>
-            <a:xfrm>
-              <a:off x="3010742" y="1164143"/>
-              <a:ext cx="295022" cy="0"/>
-            </a:xfrm>
-            <a:prstGeom prst="line">
-              <a:avLst/>
-            </a:prstGeom>
-            <a:ln w="28575"/>
-          </p:spPr>
-          <p:style>
-            <a:lnRef idx="1">
-              <a:schemeClr val="accent1"/>
-            </a:lnRef>
-            <a:fillRef idx="0">
-              <a:schemeClr val="accent1"/>
-            </a:fillRef>
-            <a:effectRef idx="0">
-              <a:schemeClr val="accent1"/>
-            </a:effectRef>
-            <a:fontRef idx="minor">
-              <a:schemeClr val="tx1"/>
-            </a:fontRef>
-          </p:style>
-        </p:cxnSp>
-        <p:cxnSp>
-          <p:nvCxnSpPr>
-            <p:cNvPr id="355" name="직선 연결선 354"/>
-            <p:cNvCxnSpPr/>
-            <p:nvPr/>
-          </p:nvCxnSpPr>
-          <p:spPr>
-            <a:xfrm>
-              <a:off x="3010742" y="1248529"/>
-              <a:ext cx="295022" cy="0"/>
-            </a:xfrm>
-            <a:prstGeom prst="line">
-              <a:avLst/>
-            </a:prstGeom>
-            <a:ln w="28575"/>
-          </p:spPr>
-          <p:style>
-            <a:lnRef idx="1">
-              <a:schemeClr val="accent1"/>
-            </a:lnRef>
-            <a:fillRef idx="0">
-              <a:schemeClr val="accent1"/>
-            </a:fillRef>
-            <a:effectRef idx="0">
-              <a:schemeClr val="accent1"/>
-            </a:effectRef>
-            <a:fontRef idx="minor">
-              <a:schemeClr val="tx1"/>
-            </a:fontRef>
-          </p:style>
-        </p:cxnSp>
-        <p:cxnSp>
-          <p:nvCxnSpPr>
-            <p:cNvPr id="356" name="직선 연결선 355"/>
-            <p:cNvCxnSpPr/>
-            <p:nvPr/>
-          </p:nvCxnSpPr>
-          <p:spPr>
-            <a:xfrm>
-              <a:off x="3010742" y="1334138"/>
-              <a:ext cx="295022" cy="0"/>
-            </a:xfrm>
-            <a:prstGeom prst="line">
-              <a:avLst/>
-            </a:prstGeom>
-            <a:ln w="28575"/>
-          </p:spPr>
-          <p:style>
-            <a:lnRef idx="1">
-              <a:schemeClr val="accent1"/>
-            </a:lnRef>
-            <a:fillRef idx="0">
-              <a:schemeClr val="accent1"/>
-            </a:fillRef>
-            <a:effectRef idx="0">
-              <a:schemeClr val="accent1"/>
-            </a:effectRef>
-            <a:fontRef idx="minor">
-              <a:schemeClr val="tx1"/>
-            </a:fontRef>
-          </p:style>
-        </p:cxnSp>
-      </p:grpSp>
       <p:grpSp>
         <p:nvGrpSpPr>
           <p:cNvPr id="361" name="그룹 360"/>
@@ -12536,37 +12116,34 @@
       </p:grpSp>
       <p:grpSp>
         <p:nvGrpSpPr>
-          <p:cNvPr id="135" name="그룹 134"/>
+          <p:cNvPr id="9" name="그룹 8"/>
           <p:cNvGrpSpPr/>
           <p:nvPr/>
         </p:nvGrpSpPr>
         <p:grpSpPr>
           <a:xfrm>
-            <a:off x="670782" y="2637313"/>
-            <a:ext cx="2539144" cy="1211794"/>
-            <a:chOff x="670782" y="1423341"/>
-            <a:chExt cx="2539144" cy="1211794"/>
+            <a:off x="539730" y="1097279"/>
+            <a:ext cx="2801388" cy="5012575"/>
+            <a:chOff x="539730" y="1097279"/>
+            <a:chExt cx="2801388" cy="5012575"/>
           </a:xfrm>
         </p:grpSpPr>
         <p:sp>
           <p:nvSpPr>
-            <p:cNvPr id="136" name="직사각형 135"/>
+            <p:cNvPr id="6" name="직사각형 5"/>
             <p:cNvSpPr/>
             <p:nvPr/>
           </p:nvSpPr>
           <p:spPr>
             <a:xfrm>
-              <a:off x="670782" y="1423341"/>
-              <a:ext cx="2539144" cy="1211794"/>
+              <a:off x="539730" y="1097279"/>
+              <a:ext cx="2801388" cy="5012575"/>
             </a:xfrm>
             <a:prstGeom prst="rect">
               <a:avLst/>
             </a:prstGeom>
             <a:solidFill>
-              <a:schemeClr val="accent1">
-                <a:lumMod val="40000"/>
-                <a:lumOff val="60000"/>
-              </a:schemeClr>
+              <a:schemeClr val="bg1"/>
             </a:solidFill>
             <a:ln>
               <a:solidFill>
@@ -12597,100 +12174,39 @@
             <a:lstStyle/>
             <a:p>
               <a:pPr algn="ctr"/>
-              <a:endParaRPr lang="ko-KR" altLang="en-US" dirty="0"/>
+              <a:endParaRPr lang="ko-KR" altLang="en-US"/>
             </a:p>
           </p:txBody>
         </p:sp>
         <p:grpSp>
           <p:nvGrpSpPr>
-            <p:cNvPr id="137" name="그룹 136"/>
+            <p:cNvPr id="360" name="그룹 359"/>
             <p:cNvGrpSpPr/>
             <p:nvPr/>
           </p:nvGrpSpPr>
           <p:grpSpPr>
             <a:xfrm>
-              <a:off x="2222725" y="1630059"/>
-              <a:ext cx="837865" cy="798358"/>
-              <a:chOff x="2245597" y="4074428"/>
-              <a:chExt cx="837865" cy="798358"/>
+              <a:off x="3092745" y="1187723"/>
+              <a:ext cx="156221" cy="125239"/>
+              <a:chOff x="3010742" y="1164143"/>
+              <a:chExt cx="295022" cy="169995"/>
             </a:xfrm>
           </p:grpSpPr>
-          <p:sp>
-            <p:nvSpPr>
-              <p:cNvPr id="138" name="직사각형 137"/>
-              <p:cNvSpPr/>
-              <p:nvPr/>
-            </p:nvSpPr>
-            <p:spPr>
-              <a:xfrm>
-                <a:off x="2245597" y="4074428"/>
-                <a:ext cx="837865" cy="798358"/>
-              </a:xfrm>
-              <a:prstGeom prst="rect">
-                <a:avLst/>
-              </a:prstGeom>
-              <a:noFill/>
-              <a:ln>
-                <a:solidFill>
-                  <a:schemeClr val="accent1">
-                    <a:lumMod val="75000"/>
-                  </a:schemeClr>
-                </a:solidFill>
-              </a:ln>
-            </p:spPr>
-            <p:style>
-              <a:lnRef idx="2">
-                <a:schemeClr val="accent1">
-                  <a:shade val="50000"/>
-                </a:schemeClr>
-              </a:lnRef>
-              <a:fillRef idx="1">
-                <a:schemeClr val="accent1"/>
-              </a:fillRef>
-              <a:effectRef idx="0">
-                <a:schemeClr val="accent1"/>
-              </a:effectRef>
-              <a:fontRef idx="minor">
-                <a:schemeClr val="lt1"/>
-              </a:fontRef>
-            </p:style>
-            <p:txBody>
-              <a:bodyPr rtlCol="0" anchor="ctr"/>
-              <a:lstStyle/>
-              <a:p>
-                <a:pPr algn="ctr"/>
-                <a:endParaRPr lang="ko-KR" altLang="en-US">
-                  <a:solidFill>
-                    <a:schemeClr val="accent1">
-                      <a:lumMod val="50000"/>
-                    </a:schemeClr>
-                  </a:solidFill>
-                </a:endParaRPr>
-              </a:p>
-            </p:txBody>
-          </p:sp>
           <p:cxnSp>
             <p:nvCxnSpPr>
-              <p:cNvPr id="139" name="직선 연결선 138"/>
+              <p:cNvPr id="354" name="직선 연결선 353"/>
               <p:cNvCxnSpPr/>
               <p:nvPr/>
             </p:nvCxnSpPr>
             <p:spPr>
               <a:xfrm>
-                <a:off x="2245597" y="4074428"/>
-                <a:ext cx="837865" cy="798358"/>
+                <a:off x="3010742" y="1164143"/>
+                <a:ext cx="295022" cy="0"/>
               </a:xfrm>
               <a:prstGeom prst="line">
                 <a:avLst/>
               </a:prstGeom>
-              <a:noFill/>
-              <a:ln w="12700">
-                <a:solidFill>
-                  <a:schemeClr val="accent1">
-                    <a:lumMod val="75000"/>
-                  </a:schemeClr>
-                </a:solidFill>
-              </a:ln>
+              <a:ln w="28575"/>
             </p:spPr>
             <p:style>
               <a:lnRef idx="1">
@@ -12709,26 +12225,19 @@
           </p:cxnSp>
           <p:cxnSp>
             <p:nvCxnSpPr>
-              <p:cNvPr id="140" name="직선 연결선 139"/>
+              <p:cNvPr id="355" name="직선 연결선 354"/>
               <p:cNvCxnSpPr/>
               <p:nvPr/>
             </p:nvCxnSpPr>
             <p:spPr>
-              <a:xfrm flipH="1">
-                <a:off x="2245597" y="4074428"/>
-                <a:ext cx="837865" cy="798358"/>
+              <a:xfrm>
+                <a:off x="3010742" y="1248529"/>
+                <a:ext cx="295022" cy="0"/>
               </a:xfrm>
               <a:prstGeom prst="line">
                 <a:avLst/>
               </a:prstGeom>
-              <a:noFill/>
-              <a:ln w="12700">
-                <a:solidFill>
-                  <a:schemeClr val="accent1">
-                    <a:lumMod val="75000"/>
-                  </a:schemeClr>
-                </a:solidFill>
-              </a:ln>
+              <a:ln w="28575"/>
             </p:spPr>
             <p:style>
               <a:lnRef idx="1">
@@ -12745,954 +12254,1482 @@
               </a:fontRef>
             </p:style>
           </p:cxnSp>
+          <p:cxnSp>
+            <p:nvCxnSpPr>
+              <p:cNvPr id="356" name="직선 연결선 355"/>
+              <p:cNvCxnSpPr/>
+              <p:nvPr/>
+            </p:nvCxnSpPr>
+            <p:spPr>
+              <a:xfrm>
+                <a:off x="3010742" y="1334138"/>
+                <a:ext cx="295022" cy="0"/>
+              </a:xfrm>
+              <a:prstGeom prst="line">
+                <a:avLst/>
+              </a:prstGeom>
+              <a:ln w="28575"/>
+            </p:spPr>
+            <p:style>
+              <a:lnRef idx="1">
+                <a:schemeClr val="accent1"/>
+              </a:lnRef>
+              <a:fillRef idx="0">
+                <a:schemeClr val="accent1"/>
+              </a:fillRef>
+              <a:effectRef idx="0">
+                <a:schemeClr val="accent1"/>
+              </a:effectRef>
+              <a:fontRef idx="minor">
+                <a:schemeClr val="tx1"/>
+              </a:fontRef>
+            </p:style>
+          </p:cxnSp>
+        </p:grpSp>
+        <p:grpSp>
+          <p:nvGrpSpPr>
+            <p:cNvPr id="7" name="그룹 6"/>
+            <p:cNvGrpSpPr/>
+            <p:nvPr/>
+          </p:nvGrpSpPr>
+          <p:grpSpPr>
+            <a:xfrm>
+              <a:off x="670782" y="1423341"/>
+              <a:ext cx="2539144" cy="1730406"/>
+              <a:chOff x="670782" y="1423341"/>
+              <a:chExt cx="2539144" cy="2425766"/>
+            </a:xfrm>
+          </p:grpSpPr>
+          <p:grpSp>
+            <p:nvGrpSpPr>
+              <p:cNvPr id="3" name="그룹 2"/>
+              <p:cNvGrpSpPr/>
+              <p:nvPr/>
+            </p:nvGrpSpPr>
+            <p:grpSpPr>
+              <a:xfrm>
+                <a:off x="670782" y="1423341"/>
+                <a:ext cx="2539144" cy="1211794"/>
+                <a:chOff x="670782" y="1423341"/>
+                <a:chExt cx="2539144" cy="1211794"/>
+              </a:xfrm>
+            </p:grpSpPr>
+            <p:sp>
+              <p:nvSpPr>
+                <p:cNvPr id="107" name="직사각형 106"/>
+                <p:cNvSpPr/>
+                <p:nvPr/>
+              </p:nvSpPr>
+              <p:spPr>
+                <a:xfrm>
+                  <a:off x="670782" y="1423341"/>
+                  <a:ext cx="2539144" cy="1211794"/>
+                </a:xfrm>
+                <a:prstGeom prst="rect">
+                  <a:avLst/>
+                </a:prstGeom>
+                <a:solidFill>
+                  <a:schemeClr val="accent1">
+                    <a:lumMod val="40000"/>
+                    <a:lumOff val="60000"/>
+                  </a:schemeClr>
+                </a:solidFill>
+                <a:ln>
+                  <a:solidFill>
+                    <a:schemeClr val="accent1">
+                      <a:lumMod val="75000"/>
+                    </a:schemeClr>
+                  </a:solidFill>
+                </a:ln>
+              </p:spPr>
+              <p:style>
+                <a:lnRef idx="2">
+                  <a:schemeClr val="accent1">
+                    <a:shade val="50000"/>
+                  </a:schemeClr>
+                </a:lnRef>
+                <a:fillRef idx="1">
+                  <a:schemeClr val="accent1"/>
+                </a:fillRef>
+                <a:effectRef idx="0">
+                  <a:schemeClr val="accent1"/>
+                </a:effectRef>
+                <a:fontRef idx="minor">
+                  <a:schemeClr val="lt1"/>
+                </a:fontRef>
+              </p:style>
+              <p:txBody>
+                <a:bodyPr rtlCol="0" anchor="ctr"/>
+                <a:lstStyle/>
+                <a:p>
+                  <a:pPr algn="ctr"/>
+                  <a:endParaRPr lang="ko-KR" altLang="en-US" dirty="0"/>
+                </a:p>
+              </p:txBody>
+            </p:sp>
+            <p:grpSp>
+              <p:nvGrpSpPr>
+                <p:cNvPr id="2" name="그룹 1"/>
+                <p:cNvGrpSpPr/>
+                <p:nvPr/>
+              </p:nvGrpSpPr>
+              <p:grpSpPr>
+                <a:xfrm>
+                  <a:off x="2222725" y="1630059"/>
+                  <a:ext cx="837865" cy="798358"/>
+                  <a:chOff x="2245597" y="4074428"/>
+                  <a:chExt cx="837865" cy="798358"/>
+                </a:xfrm>
+              </p:grpSpPr>
+              <p:sp>
+                <p:nvSpPr>
+                  <p:cNvPr id="299" name="직사각형 298"/>
+                  <p:cNvSpPr/>
+                  <p:nvPr/>
+                </p:nvSpPr>
+                <p:spPr>
+                  <a:xfrm>
+                    <a:off x="2245597" y="4074428"/>
+                    <a:ext cx="837865" cy="798358"/>
+                  </a:xfrm>
+                  <a:prstGeom prst="rect">
+                    <a:avLst/>
+                  </a:prstGeom>
+                  <a:noFill/>
+                  <a:ln>
+                    <a:solidFill>
+                      <a:schemeClr val="accent1">
+                        <a:lumMod val="75000"/>
+                      </a:schemeClr>
+                    </a:solidFill>
+                  </a:ln>
+                </p:spPr>
+                <p:style>
+                  <a:lnRef idx="2">
+                    <a:schemeClr val="accent1">
+                      <a:shade val="50000"/>
+                    </a:schemeClr>
+                  </a:lnRef>
+                  <a:fillRef idx="1">
+                    <a:schemeClr val="accent1"/>
+                  </a:fillRef>
+                  <a:effectRef idx="0">
+                    <a:schemeClr val="accent1"/>
+                  </a:effectRef>
+                  <a:fontRef idx="minor">
+                    <a:schemeClr val="lt1"/>
+                  </a:fontRef>
+                </p:style>
+                <p:txBody>
+                  <a:bodyPr rtlCol="0" anchor="ctr"/>
+                  <a:lstStyle/>
+                  <a:p>
+                    <a:pPr algn="ctr"/>
+                    <a:endParaRPr lang="ko-KR" altLang="en-US">
+                      <a:solidFill>
+                        <a:schemeClr val="accent1">
+                          <a:lumMod val="50000"/>
+                        </a:schemeClr>
+                      </a:solidFill>
+                    </a:endParaRPr>
+                  </a:p>
+                </p:txBody>
+              </p:sp>
+              <p:cxnSp>
+                <p:nvCxnSpPr>
+                  <p:cNvPr id="297" name="직선 연결선 296"/>
+                  <p:cNvCxnSpPr/>
+                  <p:nvPr/>
+                </p:nvCxnSpPr>
+                <p:spPr>
+                  <a:xfrm>
+                    <a:off x="2245597" y="4074428"/>
+                    <a:ext cx="837865" cy="798358"/>
+                  </a:xfrm>
+                  <a:prstGeom prst="line">
+                    <a:avLst/>
+                  </a:prstGeom>
+                  <a:noFill/>
+                  <a:ln w="12700">
+                    <a:solidFill>
+                      <a:schemeClr val="accent1">
+                        <a:lumMod val="75000"/>
+                      </a:schemeClr>
+                    </a:solidFill>
+                  </a:ln>
+                </p:spPr>
+                <p:style>
+                  <a:lnRef idx="1">
+                    <a:schemeClr val="accent1"/>
+                  </a:lnRef>
+                  <a:fillRef idx="0">
+                    <a:schemeClr val="accent1"/>
+                  </a:fillRef>
+                  <a:effectRef idx="0">
+                    <a:schemeClr val="accent1"/>
+                  </a:effectRef>
+                  <a:fontRef idx="minor">
+                    <a:schemeClr val="tx1"/>
+                  </a:fontRef>
+                </p:style>
+              </p:cxnSp>
+              <p:cxnSp>
+                <p:nvCxnSpPr>
+                  <p:cNvPr id="298" name="직선 연결선 297"/>
+                  <p:cNvCxnSpPr/>
+                  <p:nvPr/>
+                </p:nvCxnSpPr>
+                <p:spPr>
+                  <a:xfrm flipH="1">
+                    <a:off x="2245597" y="4074428"/>
+                    <a:ext cx="837865" cy="798358"/>
+                  </a:xfrm>
+                  <a:prstGeom prst="line">
+                    <a:avLst/>
+                  </a:prstGeom>
+                  <a:noFill/>
+                  <a:ln w="12700">
+                    <a:solidFill>
+                      <a:schemeClr val="accent1">
+                        <a:lumMod val="75000"/>
+                      </a:schemeClr>
+                    </a:solidFill>
+                  </a:ln>
+                </p:spPr>
+                <p:style>
+                  <a:lnRef idx="1">
+                    <a:schemeClr val="accent1"/>
+                  </a:lnRef>
+                  <a:fillRef idx="0">
+                    <a:schemeClr val="accent1"/>
+                  </a:fillRef>
+                  <a:effectRef idx="0">
+                    <a:schemeClr val="accent1"/>
+                  </a:effectRef>
+                  <a:fontRef idx="minor">
+                    <a:schemeClr val="tx1"/>
+                  </a:fontRef>
+                </p:style>
+              </p:cxnSp>
+              <p:sp>
+                <p:nvSpPr>
+                  <p:cNvPr id="300" name="TextBox 299"/>
+                  <p:cNvSpPr txBox="1"/>
+                  <p:nvPr/>
+                </p:nvSpPr>
+                <p:spPr>
+                  <a:xfrm>
+                    <a:off x="2430169" y="4351994"/>
+                    <a:ext cx="466794" cy="230832"/>
+                  </a:xfrm>
+                  <a:prstGeom prst="rect">
+                    <a:avLst/>
+                  </a:prstGeom>
+                  <a:solidFill>
+                    <a:schemeClr val="accent1">
+                      <a:lumMod val="40000"/>
+                      <a:lumOff val="60000"/>
+                    </a:schemeClr>
+                  </a:solidFill>
+                </p:spPr>
+                <p:txBody>
+                  <a:bodyPr wrap="none" rtlCol="0">
+                    <a:spAutoFit/>
+                  </a:bodyPr>
+                  <a:lstStyle/>
+                  <a:p>
+                    <a:pPr algn="ctr"/>
+                    <a:r>
+                      <a:rPr lang="en-US" altLang="ko-KR" sz="900" dirty="0" smtClean="0">
+                        <a:solidFill>
+                          <a:schemeClr val="accent1">
+                            <a:lumMod val="50000"/>
+                          </a:schemeClr>
+                        </a:solidFill>
+                      </a:rPr>
+                      <a:t>ICON</a:t>
+                    </a:r>
+                  </a:p>
+                </p:txBody>
+              </p:sp>
+            </p:grpSp>
+          </p:grpSp>
+          <p:grpSp>
+            <p:nvGrpSpPr>
+              <p:cNvPr id="135" name="그룹 134"/>
+              <p:cNvGrpSpPr/>
+              <p:nvPr/>
+            </p:nvGrpSpPr>
+            <p:grpSpPr>
+              <a:xfrm>
+                <a:off x="670782" y="2637313"/>
+                <a:ext cx="2539144" cy="1211794"/>
+                <a:chOff x="670782" y="1423341"/>
+                <a:chExt cx="2539144" cy="1211794"/>
+              </a:xfrm>
+            </p:grpSpPr>
+            <p:sp>
+              <p:nvSpPr>
+                <p:cNvPr id="136" name="직사각형 135"/>
+                <p:cNvSpPr/>
+                <p:nvPr/>
+              </p:nvSpPr>
+              <p:spPr>
+                <a:xfrm>
+                  <a:off x="670782" y="1423341"/>
+                  <a:ext cx="2539144" cy="1211794"/>
+                </a:xfrm>
+                <a:prstGeom prst="rect">
+                  <a:avLst/>
+                </a:prstGeom>
+                <a:solidFill>
+                  <a:schemeClr val="accent1">
+                    <a:lumMod val="40000"/>
+                    <a:lumOff val="60000"/>
+                  </a:schemeClr>
+                </a:solidFill>
+                <a:ln>
+                  <a:solidFill>
+                    <a:schemeClr val="accent1">
+                      <a:lumMod val="75000"/>
+                    </a:schemeClr>
+                  </a:solidFill>
+                </a:ln>
+              </p:spPr>
+              <p:style>
+                <a:lnRef idx="2">
+                  <a:schemeClr val="accent1">
+                    <a:shade val="50000"/>
+                  </a:schemeClr>
+                </a:lnRef>
+                <a:fillRef idx="1">
+                  <a:schemeClr val="accent1"/>
+                </a:fillRef>
+                <a:effectRef idx="0">
+                  <a:schemeClr val="accent1"/>
+                </a:effectRef>
+                <a:fontRef idx="minor">
+                  <a:schemeClr val="lt1"/>
+                </a:fontRef>
+              </p:style>
+              <p:txBody>
+                <a:bodyPr rtlCol="0" anchor="ctr"/>
+                <a:lstStyle/>
+                <a:p>
+                  <a:pPr algn="ctr"/>
+                  <a:endParaRPr lang="ko-KR" altLang="en-US" dirty="0"/>
+                </a:p>
+              </p:txBody>
+            </p:sp>
+            <p:grpSp>
+              <p:nvGrpSpPr>
+                <p:cNvPr id="137" name="그룹 136"/>
+                <p:cNvGrpSpPr/>
+                <p:nvPr/>
+              </p:nvGrpSpPr>
+              <p:grpSpPr>
+                <a:xfrm>
+                  <a:off x="2222725" y="1630059"/>
+                  <a:ext cx="837865" cy="798358"/>
+                  <a:chOff x="2245597" y="4074428"/>
+                  <a:chExt cx="837865" cy="798358"/>
+                </a:xfrm>
+              </p:grpSpPr>
+              <p:sp>
+                <p:nvSpPr>
+                  <p:cNvPr id="138" name="직사각형 137"/>
+                  <p:cNvSpPr/>
+                  <p:nvPr/>
+                </p:nvSpPr>
+                <p:spPr>
+                  <a:xfrm>
+                    <a:off x="2245597" y="4074428"/>
+                    <a:ext cx="837865" cy="798358"/>
+                  </a:xfrm>
+                  <a:prstGeom prst="rect">
+                    <a:avLst/>
+                  </a:prstGeom>
+                  <a:noFill/>
+                  <a:ln>
+                    <a:solidFill>
+                      <a:schemeClr val="accent1">
+                        <a:lumMod val="75000"/>
+                      </a:schemeClr>
+                    </a:solidFill>
+                  </a:ln>
+                </p:spPr>
+                <p:style>
+                  <a:lnRef idx="2">
+                    <a:schemeClr val="accent1">
+                      <a:shade val="50000"/>
+                    </a:schemeClr>
+                  </a:lnRef>
+                  <a:fillRef idx="1">
+                    <a:schemeClr val="accent1"/>
+                  </a:fillRef>
+                  <a:effectRef idx="0">
+                    <a:schemeClr val="accent1"/>
+                  </a:effectRef>
+                  <a:fontRef idx="minor">
+                    <a:schemeClr val="lt1"/>
+                  </a:fontRef>
+                </p:style>
+                <p:txBody>
+                  <a:bodyPr rtlCol="0" anchor="ctr"/>
+                  <a:lstStyle/>
+                  <a:p>
+                    <a:pPr algn="ctr"/>
+                    <a:endParaRPr lang="ko-KR" altLang="en-US">
+                      <a:solidFill>
+                        <a:schemeClr val="accent1">
+                          <a:lumMod val="50000"/>
+                        </a:schemeClr>
+                      </a:solidFill>
+                    </a:endParaRPr>
+                  </a:p>
+                </p:txBody>
+              </p:sp>
+              <p:cxnSp>
+                <p:nvCxnSpPr>
+                  <p:cNvPr id="139" name="직선 연결선 138"/>
+                  <p:cNvCxnSpPr/>
+                  <p:nvPr/>
+                </p:nvCxnSpPr>
+                <p:spPr>
+                  <a:xfrm>
+                    <a:off x="2245597" y="4074428"/>
+                    <a:ext cx="837865" cy="798358"/>
+                  </a:xfrm>
+                  <a:prstGeom prst="line">
+                    <a:avLst/>
+                  </a:prstGeom>
+                  <a:noFill/>
+                  <a:ln w="12700">
+                    <a:solidFill>
+                      <a:schemeClr val="accent1">
+                        <a:lumMod val="75000"/>
+                      </a:schemeClr>
+                    </a:solidFill>
+                  </a:ln>
+                </p:spPr>
+                <p:style>
+                  <a:lnRef idx="1">
+                    <a:schemeClr val="accent1"/>
+                  </a:lnRef>
+                  <a:fillRef idx="0">
+                    <a:schemeClr val="accent1"/>
+                  </a:fillRef>
+                  <a:effectRef idx="0">
+                    <a:schemeClr val="accent1"/>
+                  </a:effectRef>
+                  <a:fontRef idx="minor">
+                    <a:schemeClr val="tx1"/>
+                  </a:fontRef>
+                </p:style>
+              </p:cxnSp>
+              <p:cxnSp>
+                <p:nvCxnSpPr>
+                  <p:cNvPr id="140" name="직선 연결선 139"/>
+                  <p:cNvCxnSpPr/>
+                  <p:nvPr/>
+                </p:nvCxnSpPr>
+                <p:spPr>
+                  <a:xfrm flipH="1">
+                    <a:off x="2245597" y="4074428"/>
+                    <a:ext cx="837865" cy="798358"/>
+                  </a:xfrm>
+                  <a:prstGeom prst="line">
+                    <a:avLst/>
+                  </a:prstGeom>
+                  <a:noFill/>
+                  <a:ln w="12700">
+                    <a:solidFill>
+                      <a:schemeClr val="accent1">
+                        <a:lumMod val="75000"/>
+                      </a:schemeClr>
+                    </a:solidFill>
+                  </a:ln>
+                </p:spPr>
+                <p:style>
+                  <a:lnRef idx="1">
+                    <a:schemeClr val="accent1"/>
+                  </a:lnRef>
+                  <a:fillRef idx="0">
+                    <a:schemeClr val="accent1"/>
+                  </a:fillRef>
+                  <a:effectRef idx="0">
+                    <a:schemeClr val="accent1"/>
+                  </a:effectRef>
+                  <a:fontRef idx="minor">
+                    <a:schemeClr val="tx1"/>
+                  </a:fontRef>
+                </p:style>
+              </p:cxnSp>
+              <p:sp>
+                <p:nvSpPr>
+                  <p:cNvPr id="141" name="TextBox 140"/>
+                  <p:cNvSpPr txBox="1"/>
+                  <p:nvPr/>
+                </p:nvSpPr>
+                <p:spPr>
+                  <a:xfrm>
+                    <a:off x="2430169" y="4351994"/>
+                    <a:ext cx="466794" cy="230832"/>
+                  </a:xfrm>
+                  <a:prstGeom prst="rect">
+                    <a:avLst/>
+                  </a:prstGeom>
+                  <a:solidFill>
+                    <a:schemeClr val="accent1">
+                      <a:lumMod val="40000"/>
+                      <a:lumOff val="60000"/>
+                    </a:schemeClr>
+                  </a:solidFill>
+                </p:spPr>
+                <p:txBody>
+                  <a:bodyPr wrap="none" rtlCol="0">
+                    <a:spAutoFit/>
+                  </a:bodyPr>
+                  <a:lstStyle/>
+                  <a:p>
+                    <a:pPr algn="ctr"/>
+                    <a:r>
+                      <a:rPr lang="en-US" altLang="ko-KR" sz="900" dirty="0" smtClean="0">
+                        <a:solidFill>
+                          <a:schemeClr val="accent1">
+                            <a:lumMod val="50000"/>
+                          </a:schemeClr>
+                        </a:solidFill>
+                      </a:rPr>
+                      <a:t>ICON</a:t>
+                    </a:r>
+                  </a:p>
+                </p:txBody>
+              </p:sp>
+            </p:grpSp>
+          </p:grpSp>
           <p:sp>
             <p:nvSpPr>
-              <p:cNvPr id="141" name="TextBox 140"/>
+              <p:cNvPr id="148" name="TextBox 147"/>
               <p:cNvSpPr txBox="1"/>
               <p:nvPr/>
             </p:nvSpPr>
             <p:spPr>
               <a:xfrm>
-                <a:off x="2430169" y="4351994"/>
-                <a:ext cx="466794" cy="230832"/>
+                <a:off x="691311" y="1468906"/>
+                <a:ext cx="1469663" cy="261610"/>
+              </a:xfrm>
+              <a:prstGeom prst="rect">
+                <a:avLst/>
+              </a:prstGeom>
+              <a:noFill/>
+            </p:spPr>
+            <p:txBody>
+              <a:bodyPr wrap="square" rtlCol="0">
+                <a:spAutoFit/>
+              </a:bodyPr>
+              <a:lstStyle/>
+              <a:p>
+                <a:r>
+                  <a:rPr lang="ko-KR" altLang="en-US" sz="1100" b="1" dirty="0" err="1" smtClean="0">
+                    <a:solidFill>
+                      <a:schemeClr val="accent1">
+                        <a:lumMod val="75000"/>
+                      </a:schemeClr>
+                    </a:solidFill>
+                  </a:rPr>
+                  <a:t>체험존</a:t>
+                </a:r>
+                <a:r>
+                  <a:rPr lang="ko-KR" altLang="en-US" sz="1100" b="1" dirty="0" smtClean="0">
+                    <a:solidFill>
+                      <a:schemeClr val="accent1">
+                        <a:lumMod val="75000"/>
+                      </a:schemeClr>
+                    </a:solidFill>
+                  </a:rPr>
+                  <a:t> 안내</a:t>
+                </a:r>
+                <a:endParaRPr lang="ko-KR" altLang="en-US" sz="1100" b="1" dirty="0">
+                  <a:solidFill>
+                    <a:schemeClr val="accent1">
+                      <a:lumMod val="75000"/>
+                    </a:schemeClr>
+                  </a:solidFill>
+                </a:endParaRPr>
+              </a:p>
+            </p:txBody>
+          </p:sp>
+          <p:sp>
+            <p:nvSpPr>
+              <p:cNvPr id="149" name="TextBox 148"/>
+              <p:cNvSpPr txBox="1"/>
+              <p:nvPr/>
+            </p:nvSpPr>
+            <p:spPr>
+              <a:xfrm>
+                <a:off x="691311" y="1740929"/>
+                <a:ext cx="1529485" cy="461665"/>
+              </a:xfrm>
+              <a:prstGeom prst="rect">
+                <a:avLst/>
+              </a:prstGeom>
+              <a:noFill/>
+            </p:spPr>
+            <p:txBody>
+              <a:bodyPr wrap="square" rtlCol="0">
+                <a:spAutoFit/>
+              </a:bodyPr>
+              <a:lstStyle/>
+              <a:p>
+                <a:r>
+                  <a:rPr lang="ko-KR" altLang="en-US" sz="800" dirty="0" smtClean="0">
+                    <a:solidFill>
+                      <a:schemeClr val="accent1">
+                        <a:lumMod val="75000"/>
+                      </a:schemeClr>
+                    </a:solidFill>
+                  </a:rPr>
+                  <a:t>독도체험관은 대한민국 동쪽 끝</a:t>
+                </a:r>
+                <a:r>
+                  <a:rPr lang="en-US" altLang="ko-KR" sz="800" dirty="0" smtClean="0">
+                    <a:solidFill>
+                      <a:schemeClr val="accent1">
+                        <a:lumMod val="75000"/>
+                      </a:schemeClr>
+                    </a:solidFill>
+                  </a:rPr>
+                  <a:t>, </a:t>
+                </a:r>
+                <a:r>
+                  <a:rPr lang="ko-KR" altLang="en-US" sz="800" dirty="0" smtClean="0">
+                    <a:solidFill>
+                      <a:schemeClr val="accent1">
+                        <a:lumMod val="75000"/>
+                      </a:schemeClr>
+                    </a:solidFill>
+                  </a:rPr>
+                  <a:t>우리의 섬 독도를 만나는 체험 공간입니다</a:t>
+                </a:r>
+                <a:r>
+                  <a:rPr lang="en-US" altLang="ko-KR" sz="800" dirty="0" smtClean="0">
+                    <a:solidFill>
+                      <a:schemeClr val="accent1">
+                        <a:lumMod val="75000"/>
+                      </a:schemeClr>
+                    </a:solidFill>
+                  </a:rPr>
+                  <a:t>.</a:t>
+                </a:r>
+                <a:endParaRPr lang="ko-KR" altLang="en-US" sz="800" dirty="0">
+                  <a:solidFill>
+                    <a:schemeClr val="accent1">
+                      <a:lumMod val="75000"/>
+                    </a:schemeClr>
+                  </a:solidFill>
+                </a:endParaRPr>
+              </a:p>
+            </p:txBody>
+          </p:sp>
+          <p:sp>
+            <p:nvSpPr>
+              <p:cNvPr id="150" name="TextBox 149"/>
+              <p:cNvSpPr txBox="1"/>
+              <p:nvPr/>
+            </p:nvSpPr>
+            <p:spPr>
+              <a:xfrm>
+                <a:off x="691311" y="2682807"/>
+                <a:ext cx="1469663" cy="261610"/>
+              </a:xfrm>
+              <a:prstGeom prst="rect">
+                <a:avLst/>
+              </a:prstGeom>
+              <a:noFill/>
+            </p:spPr>
+            <p:txBody>
+              <a:bodyPr wrap="square" rtlCol="0">
+                <a:spAutoFit/>
+              </a:bodyPr>
+              <a:lstStyle/>
+              <a:p>
+                <a:r>
+                  <a:rPr lang="ko-KR" altLang="en-US" sz="1100" b="1" dirty="0" smtClean="0">
+                    <a:solidFill>
+                      <a:schemeClr val="accent1">
+                        <a:lumMod val="75000"/>
+                      </a:schemeClr>
+                    </a:solidFill>
+                  </a:rPr>
+                  <a:t>영상관 안내</a:t>
+                </a:r>
+                <a:endParaRPr lang="ko-KR" altLang="en-US" sz="1100" b="1" dirty="0">
+                  <a:solidFill>
+                    <a:schemeClr val="accent1">
+                      <a:lumMod val="75000"/>
+                    </a:schemeClr>
+                  </a:solidFill>
+                </a:endParaRPr>
+              </a:p>
+            </p:txBody>
+          </p:sp>
+          <p:sp>
+            <p:nvSpPr>
+              <p:cNvPr id="151" name="TextBox 150"/>
+              <p:cNvSpPr txBox="1"/>
+              <p:nvPr/>
+            </p:nvSpPr>
+            <p:spPr>
+              <a:xfrm>
+                <a:off x="691311" y="2954830"/>
+                <a:ext cx="1529485" cy="584775"/>
+              </a:xfrm>
+              <a:prstGeom prst="rect">
+                <a:avLst/>
+              </a:prstGeom>
+              <a:noFill/>
+            </p:spPr>
+            <p:txBody>
+              <a:bodyPr wrap="square" rtlCol="0">
+                <a:spAutoFit/>
+              </a:bodyPr>
+              <a:lstStyle/>
+              <a:p>
+                <a:r>
+                  <a:rPr lang="ko-KR" altLang="en-US" sz="800" dirty="0" smtClean="0">
+                    <a:solidFill>
+                      <a:schemeClr val="accent1">
+                        <a:lumMod val="75000"/>
+                      </a:schemeClr>
+                    </a:solidFill>
+                  </a:rPr>
+                  <a:t>가상현실</a:t>
+                </a:r>
+                <a:r>
+                  <a:rPr lang="en-US" altLang="ko-KR" sz="800" dirty="0" smtClean="0">
+                    <a:solidFill>
+                      <a:schemeClr val="accent1">
+                        <a:lumMod val="75000"/>
+                      </a:schemeClr>
+                    </a:solidFill>
+                  </a:rPr>
+                  <a:t>(VR)</a:t>
+                </a:r>
+                <a:r>
+                  <a:rPr lang="ko-KR" altLang="en-US" sz="800" dirty="0" smtClean="0">
+                    <a:solidFill>
+                      <a:schemeClr val="accent1">
+                        <a:lumMod val="75000"/>
+                      </a:schemeClr>
+                    </a:solidFill>
+                  </a:rPr>
+                  <a:t>과</a:t>
+                </a:r>
+                <a:r>
+                  <a:rPr lang="en-US" altLang="ko-KR" sz="800" dirty="0" smtClean="0">
+                    <a:solidFill>
+                      <a:schemeClr val="accent1">
+                        <a:lumMod val="75000"/>
+                      </a:schemeClr>
+                    </a:solidFill>
+                  </a:rPr>
+                  <a:t> </a:t>
+                </a:r>
+                <a:r>
+                  <a:rPr lang="ko-KR" altLang="en-US" sz="800" dirty="0" smtClean="0">
+                    <a:solidFill>
+                      <a:schemeClr val="accent1">
+                        <a:lumMod val="75000"/>
+                      </a:schemeClr>
+                    </a:solidFill>
+                  </a:rPr>
+                  <a:t>같은 최신 기법을 활용하여 </a:t>
+                </a:r>
+                <a:r>
+                  <a:rPr lang="ko-KR" altLang="en-US" sz="800" dirty="0" err="1" smtClean="0">
+                    <a:solidFill>
+                      <a:schemeClr val="accent1">
+                        <a:lumMod val="75000"/>
+                      </a:schemeClr>
+                    </a:solidFill>
+                  </a:rPr>
+                  <a:t>실감형</a:t>
+                </a:r>
+                <a:r>
+                  <a:rPr lang="ko-KR" altLang="en-US" sz="800" dirty="0" smtClean="0">
+                    <a:solidFill>
+                      <a:schemeClr val="accent1">
+                        <a:lumMod val="75000"/>
+                      </a:schemeClr>
+                    </a:solidFill>
+                  </a:rPr>
+                  <a:t> 콘텐츠 등을 적용한 독도 상영관 입니다</a:t>
+                </a:r>
+                <a:r>
+                  <a:rPr lang="en-US" altLang="ko-KR" sz="800" dirty="0" smtClean="0">
+                    <a:solidFill>
+                      <a:schemeClr val="accent1">
+                        <a:lumMod val="75000"/>
+                      </a:schemeClr>
+                    </a:solidFill>
+                  </a:rPr>
+                  <a:t>.</a:t>
+                </a:r>
+                <a:endParaRPr lang="ko-KR" altLang="en-US" sz="800" dirty="0">
+                  <a:solidFill>
+                    <a:schemeClr val="accent1">
+                      <a:lumMod val="75000"/>
+                    </a:schemeClr>
+                  </a:solidFill>
+                </a:endParaRPr>
+              </a:p>
+            </p:txBody>
+          </p:sp>
+        </p:grpSp>
+        <p:grpSp>
+          <p:nvGrpSpPr>
+            <p:cNvPr id="5" name="그룹 4"/>
+            <p:cNvGrpSpPr/>
+            <p:nvPr/>
+          </p:nvGrpSpPr>
+          <p:grpSpPr>
+            <a:xfrm>
+              <a:off x="539730" y="3228392"/>
+              <a:ext cx="2793867" cy="2841271"/>
+              <a:chOff x="3663670" y="1423354"/>
+              <a:chExt cx="2793867" cy="4709488"/>
+            </a:xfrm>
+          </p:grpSpPr>
+          <p:grpSp>
+            <p:nvGrpSpPr>
+              <p:cNvPr id="142" name="그룹 141"/>
+              <p:cNvGrpSpPr/>
+              <p:nvPr/>
+            </p:nvGrpSpPr>
+            <p:grpSpPr>
+              <a:xfrm>
+                <a:off x="3789182" y="1423354"/>
+                <a:ext cx="2539144" cy="2004530"/>
+                <a:chOff x="314003" y="2568633"/>
+                <a:chExt cx="2539144" cy="2053243"/>
+              </a:xfrm>
+            </p:grpSpPr>
+            <p:cxnSp>
+              <p:nvCxnSpPr>
+                <p:cNvPr id="143" name="직선 연결선 142"/>
+                <p:cNvCxnSpPr/>
+                <p:nvPr/>
+              </p:nvCxnSpPr>
+              <p:spPr>
+                <a:xfrm>
+                  <a:off x="314003" y="2568633"/>
+                  <a:ext cx="2539144" cy="2053243"/>
+                </a:xfrm>
+                <a:prstGeom prst="line">
+                  <a:avLst/>
+                </a:prstGeom>
+                <a:ln w="12700">
+                  <a:solidFill>
+                    <a:schemeClr val="accent1">
+                      <a:lumMod val="75000"/>
+                    </a:schemeClr>
+                  </a:solidFill>
+                </a:ln>
+              </p:spPr>
+              <p:style>
+                <a:lnRef idx="1">
+                  <a:schemeClr val="accent1"/>
+                </a:lnRef>
+                <a:fillRef idx="0">
+                  <a:schemeClr val="accent1"/>
+                </a:fillRef>
+                <a:effectRef idx="0">
+                  <a:schemeClr val="accent1"/>
+                </a:effectRef>
+                <a:fontRef idx="minor">
+                  <a:schemeClr val="tx1"/>
+                </a:fontRef>
+              </p:style>
+            </p:cxnSp>
+            <p:cxnSp>
+              <p:nvCxnSpPr>
+                <p:cNvPr id="144" name="직선 연결선 143"/>
+                <p:cNvCxnSpPr/>
+                <p:nvPr/>
+              </p:nvCxnSpPr>
+              <p:spPr>
+                <a:xfrm flipH="1">
+                  <a:off x="314003" y="2568633"/>
+                  <a:ext cx="2539144" cy="2053243"/>
+                </a:xfrm>
+                <a:prstGeom prst="line">
+                  <a:avLst/>
+                </a:prstGeom>
+                <a:ln w="12700">
+                  <a:solidFill>
+                    <a:schemeClr val="accent1">
+                      <a:lumMod val="75000"/>
+                    </a:schemeClr>
+                  </a:solidFill>
+                </a:ln>
+              </p:spPr>
+              <p:style>
+                <a:lnRef idx="1">
+                  <a:schemeClr val="accent1"/>
+                </a:lnRef>
+                <a:fillRef idx="0">
+                  <a:schemeClr val="accent1"/>
+                </a:fillRef>
+                <a:effectRef idx="0">
+                  <a:schemeClr val="accent1"/>
+                </a:effectRef>
+                <a:fontRef idx="minor">
+                  <a:schemeClr val="tx1"/>
+                </a:fontRef>
+              </p:style>
+            </p:cxnSp>
+            <p:sp>
+              <p:nvSpPr>
+                <p:cNvPr id="145" name="직사각형 144"/>
+                <p:cNvSpPr/>
+                <p:nvPr/>
+              </p:nvSpPr>
+              <p:spPr>
+                <a:xfrm>
+                  <a:off x="314003" y="2568633"/>
+                  <a:ext cx="2539144" cy="2053243"/>
+                </a:xfrm>
+                <a:prstGeom prst="rect">
+                  <a:avLst/>
+                </a:prstGeom>
+                <a:noFill/>
+                <a:ln>
+                  <a:solidFill>
+                    <a:schemeClr val="accent1">
+                      <a:lumMod val="75000"/>
+                    </a:schemeClr>
+                  </a:solidFill>
+                </a:ln>
+              </p:spPr>
+              <p:style>
+                <a:lnRef idx="2">
+                  <a:schemeClr val="accent1">
+                    <a:shade val="50000"/>
+                  </a:schemeClr>
+                </a:lnRef>
+                <a:fillRef idx="1">
+                  <a:schemeClr val="accent1"/>
+                </a:fillRef>
+                <a:effectRef idx="0">
+                  <a:schemeClr val="accent1"/>
+                </a:effectRef>
+                <a:fontRef idx="minor">
+                  <a:schemeClr val="lt1"/>
+                </a:fontRef>
+              </p:style>
+              <p:txBody>
+                <a:bodyPr rtlCol="0" anchor="ctr"/>
+                <a:lstStyle/>
+                <a:p>
+                  <a:pPr algn="ctr"/>
+                  <a:endParaRPr lang="ko-KR" altLang="en-US">
+                    <a:solidFill>
+                      <a:schemeClr val="accent1">
+                        <a:lumMod val="50000"/>
+                      </a:schemeClr>
+                    </a:solidFill>
+                  </a:endParaRPr>
+                </a:p>
+              </p:txBody>
+            </p:sp>
+            <p:sp>
+              <p:nvSpPr>
+                <p:cNvPr id="146" name="TextBox 145"/>
+                <p:cNvSpPr txBox="1"/>
+                <p:nvPr/>
+              </p:nvSpPr>
+              <p:spPr>
+                <a:xfrm>
+                  <a:off x="1178249" y="3416850"/>
+                  <a:ext cx="810158" cy="346781"/>
+                </a:xfrm>
+                <a:prstGeom prst="rect">
+                  <a:avLst/>
+                </a:prstGeom>
+                <a:solidFill>
+                  <a:schemeClr val="bg1"/>
+                </a:solidFill>
+              </p:spPr>
+              <p:txBody>
+                <a:bodyPr wrap="none" rtlCol="0">
+                  <a:spAutoFit/>
+                </a:bodyPr>
+                <a:lstStyle/>
+                <a:p>
+                  <a:pPr algn="ctr"/>
+                  <a:r>
+                    <a:rPr lang="en-US" altLang="ko-KR" sz="1600" dirty="0" smtClean="0">
+                      <a:solidFill>
+                        <a:schemeClr val="accent1">
+                          <a:lumMod val="50000"/>
+                        </a:schemeClr>
+                      </a:solidFill>
+                    </a:rPr>
+                    <a:t>IMAGE</a:t>
+                  </a:r>
+                </a:p>
+              </p:txBody>
+            </p:sp>
+          </p:grpSp>
+          <p:sp>
+            <p:nvSpPr>
+              <p:cNvPr id="152" name="TextBox 151"/>
+              <p:cNvSpPr txBox="1"/>
+              <p:nvPr/>
+            </p:nvSpPr>
+            <p:spPr>
+              <a:xfrm>
+                <a:off x="3817763" y="5711969"/>
+                <a:ext cx="688141" cy="420873"/>
               </a:xfrm>
               <a:prstGeom prst="rect">
                 <a:avLst/>
               </a:prstGeom>
               <a:solidFill>
                 <a:schemeClr val="accent1">
-                  <a:lumMod val="40000"/>
-                  <a:lumOff val="60000"/>
+                  <a:lumMod val="20000"/>
+                  <a:lumOff val="80000"/>
                 </a:schemeClr>
               </a:solidFill>
+              <a:ln>
+                <a:solidFill>
+                  <a:schemeClr val="accent1">
+                    <a:lumMod val="60000"/>
+                    <a:lumOff val="40000"/>
+                  </a:schemeClr>
+                </a:solidFill>
+                <a:prstDash val="solid"/>
+              </a:ln>
             </p:spPr>
             <p:txBody>
-              <a:bodyPr wrap="none" rtlCol="0">
+              <a:bodyPr wrap="square" rtlCol="0">
                 <a:spAutoFit/>
               </a:bodyPr>
               <a:lstStyle/>
               <a:p>
                 <a:pPr algn="ctr"/>
                 <a:r>
-                  <a:rPr lang="en-US" altLang="ko-KR" sz="900" dirty="0" smtClean="0">
+                  <a:rPr lang="en-US" altLang="ko-KR" sz="1050" dirty="0" smtClean="0">
+                    <a:solidFill>
+                      <a:schemeClr val="accent1">
+                        <a:lumMod val="75000"/>
+                      </a:schemeClr>
+                    </a:solidFill>
+                  </a:rPr>
+                  <a:t>ICON</a:t>
+                </a:r>
+                <a:endParaRPr lang="ko-KR" altLang="en-US" sz="1050" dirty="0">
+                  <a:solidFill>
+                    <a:schemeClr val="accent1">
+                      <a:lumMod val="75000"/>
+                    </a:schemeClr>
+                  </a:solidFill>
+                </a:endParaRPr>
+              </a:p>
+            </p:txBody>
+          </p:sp>
+          <p:grpSp>
+            <p:nvGrpSpPr>
+              <p:cNvPr id="158" name="그룹 157"/>
+              <p:cNvGrpSpPr/>
+              <p:nvPr/>
+            </p:nvGrpSpPr>
+            <p:grpSpPr>
+              <a:xfrm>
+                <a:off x="3789182" y="3539605"/>
+                <a:ext cx="2539144" cy="1232795"/>
+                <a:chOff x="314003" y="2568633"/>
+                <a:chExt cx="2539144" cy="2053243"/>
+              </a:xfrm>
+            </p:grpSpPr>
+            <p:cxnSp>
+              <p:nvCxnSpPr>
+                <p:cNvPr id="159" name="직선 연결선 158"/>
+                <p:cNvCxnSpPr/>
+                <p:nvPr/>
+              </p:nvCxnSpPr>
+              <p:spPr>
+                <a:xfrm>
+                  <a:off x="314003" y="2568633"/>
+                  <a:ext cx="2539144" cy="2053243"/>
+                </a:xfrm>
+                <a:prstGeom prst="line">
+                  <a:avLst/>
+                </a:prstGeom>
+                <a:ln w="12700">
+                  <a:solidFill>
+                    <a:schemeClr val="accent1">
+                      <a:lumMod val="75000"/>
+                    </a:schemeClr>
+                  </a:solidFill>
+                </a:ln>
+              </p:spPr>
+              <p:style>
+                <a:lnRef idx="1">
+                  <a:schemeClr val="accent1"/>
+                </a:lnRef>
+                <a:fillRef idx="0">
+                  <a:schemeClr val="accent1"/>
+                </a:fillRef>
+                <a:effectRef idx="0">
+                  <a:schemeClr val="accent1"/>
+                </a:effectRef>
+                <a:fontRef idx="minor">
+                  <a:schemeClr val="tx1"/>
+                </a:fontRef>
+              </p:style>
+            </p:cxnSp>
+            <p:cxnSp>
+              <p:nvCxnSpPr>
+                <p:cNvPr id="160" name="직선 연결선 159"/>
+                <p:cNvCxnSpPr/>
+                <p:nvPr/>
+              </p:nvCxnSpPr>
+              <p:spPr>
+                <a:xfrm flipH="1">
+                  <a:off x="314003" y="2568633"/>
+                  <a:ext cx="2539144" cy="2053243"/>
+                </a:xfrm>
+                <a:prstGeom prst="line">
+                  <a:avLst/>
+                </a:prstGeom>
+                <a:ln w="12700">
+                  <a:solidFill>
+                    <a:schemeClr val="accent1">
+                      <a:lumMod val="75000"/>
+                    </a:schemeClr>
+                  </a:solidFill>
+                </a:ln>
+              </p:spPr>
+              <p:style>
+                <a:lnRef idx="1">
+                  <a:schemeClr val="accent1"/>
+                </a:lnRef>
+                <a:fillRef idx="0">
+                  <a:schemeClr val="accent1"/>
+                </a:fillRef>
+                <a:effectRef idx="0">
+                  <a:schemeClr val="accent1"/>
+                </a:effectRef>
+                <a:fontRef idx="minor">
+                  <a:schemeClr val="tx1"/>
+                </a:fontRef>
+              </p:style>
+            </p:cxnSp>
+            <p:sp>
+              <p:nvSpPr>
+                <p:cNvPr id="161" name="직사각형 160"/>
+                <p:cNvSpPr/>
+                <p:nvPr/>
+              </p:nvSpPr>
+              <p:spPr>
+                <a:xfrm>
+                  <a:off x="314003" y="2568633"/>
+                  <a:ext cx="2539144" cy="2053243"/>
+                </a:xfrm>
+                <a:prstGeom prst="rect">
+                  <a:avLst/>
+                </a:prstGeom>
+                <a:noFill/>
+                <a:ln>
+                  <a:solidFill>
+                    <a:schemeClr val="accent1">
+                      <a:lumMod val="75000"/>
+                    </a:schemeClr>
+                  </a:solidFill>
+                </a:ln>
+              </p:spPr>
+              <p:style>
+                <a:lnRef idx="2">
+                  <a:schemeClr val="accent1">
+                    <a:shade val="50000"/>
+                  </a:schemeClr>
+                </a:lnRef>
+                <a:fillRef idx="1">
+                  <a:schemeClr val="accent1"/>
+                </a:fillRef>
+                <a:effectRef idx="0">
+                  <a:schemeClr val="accent1"/>
+                </a:effectRef>
+                <a:fontRef idx="minor">
+                  <a:schemeClr val="lt1"/>
+                </a:fontRef>
+              </p:style>
+              <p:txBody>
+                <a:bodyPr rtlCol="0" anchor="ctr"/>
+                <a:lstStyle/>
+                <a:p>
+                  <a:pPr algn="ctr"/>
+                  <a:endParaRPr lang="ko-KR" altLang="en-US">
                     <a:solidFill>
                       <a:schemeClr val="accent1">
                         <a:lumMod val="50000"/>
                       </a:schemeClr>
                     </a:solidFill>
+                  </a:endParaRPr>
+                </a:p>
+              </p:txBody>
+            </p:sp>
+            <p:sp>
+              <p:nvSpPr>
+                <p:cNvPr id="162" name="TextBox 161"/>
+                <p:cNvSpPr txBox="1"/>
+                <p:nvPr/>
+              </p:nvSpPr>
+              <p:spPr>
+                <a:xfrm>
+                  <a:off x="782466" y="3269892"/>
+                  <a:ext cx="1601721" cy="679729"/>
+                </a:xfrm>
+                <a:prstGeom prst="rect">
+                  <a:avLst/>
+                </a:prstGeom>
+                <a:solidFill>
+                  <a:schemeClr val="bg1"/>
+                </a:solidFill>
+              </p:spPr>
+              <p:txBody>
+                <a:bodyPr wrap="none" rtlCol="0">
+                  <a:spAutoFit/>
+                </a:bodyPr>
+                <a:lstStyle/>
+                <a:p>
+                  <a:pPr algn="ctr"/>
+                  <a:r>
+                    <a:rPr lang="ko-KR" altLang="en-US" sz="1000" dirty="0" smtClean="0">
+                      <a:solidFill>
+                        <a:schemeClr val="accent1">
+                          <a:lumMod val="50000"/>
+                        </a:schemeClr>
+                      </a:solidFill>
+                    </a:rPr>
+                    <a:t>한국의 아름다운 섬 독도</a:t>
+                  </a:r>
+                  <a:endParaRPr lang="en-US" altLang="ko-KR" sz="1000" dirty="0" smtClean="0">
+                    <a:solidFill>
+                      <a:schemeClr val="accent1">
+                        <a:lumMod val="50000"/>
+                      </a:schemeClr>
+                    </a:solidFill>
+                  </a:endParaRPr>
+                </a:p>
+              </p:txBody>
+            </p:sp>
+          </p:grpSp>
+          <p:sp>
+            <p:nvSpPr>
+              <p:cNvPr id="8" name="직사각형 7"/>
+              <p:cNvSpPr/>
+              <p:nvPr/>
+            </p:nvSpPr>
+            <p:spPr>
+              <a:xfrm>
+                <a:off x="3663670" y="4873502"/>
+                <a:ext cx="2793867" cy="215444"/>
+              </a:xfrm>
+              <a:prstGeom prst="rect">
+                <a:avLst/>
+              </a:prstGeom>
+            </p:spPr>
+            <p:txBody>
+              <a:bodyPr wrap="square">
+                <a:spAutoFit/>
+              </a:bodyPr>
+              <a:lstStyle/>
+              <a:p>
+                <a:pPr algn="ctr"/>
+                <a:r>
+                  <a:rPr lang="ko-KR" altLang="en-US" sz="800" b="0" i="0" u="none" strike="noStrike" dirty="0" smtClean="0">
+                    <a:solidFill>
+                      <a:schemeClr val="accent1">
+                        <a:lumMod val="75000"/>
+                      </a:schemeClr>
+                    </a:solidFill>
+                    <a:effectLst/>
+                    <a:latin typeface="Noto Sans KR"/>
                   </a:rPr>
-                  <a:t>ICON</a:t>
+                  <a:t>이용약관 </a:t>
                 </a:r>
+                <a:r>
+                  <a:rPr lang="en-US" altLang="ko-KR" sz="800" b="0" i="0" u="none" strike="noStrike" dirty="0" smtClean="0">
+                    <a:solidFill>
+                      <a:schemeClr val="accent1">
+                        <a:lumMod val="75000"/>
+                      </a:schemeClr>
+                    </a:solidFill>
+                    <a:effectLst/>
+                    <a:latin typeface="Noto Sans KR"/>
+                  </a:rPr>
+                  <a:t>/ </a:t>
+                </a:r>
+                <a:r>
+                  <a:rPr lang="ko-KR" altLang="en-US" sz="800" b="0" i="0" u="none" strike="noStrike" dirty="0" smtClean="0">
+                    <a:solidFill>
+                      <a:schemeClr val="accent1">
+                        <a:lumMod val="75000"/>
+                      </a:schemeClr>
+                    </a:solidFill>
+                    <a:effectLst/>
+                    <a:latin typeface="Noto Sans KR"/>
+                  </a:rPr>
+                  <a:t>개인정보취급방침 </a:t>
+                </a:r>
+                <a:r>
+                  <a:rPr lang="en-US" altLang="ko-KR" sz="800" b="0" i="0" u="none" strike="noStrike" dirty="0" smtClean="0">
+                    <a:solidFill>
+                      <a:schemeClr val="accent1">
+                        <a:lumMod val="75000"/>
+                      </a:schemeClr>
+                    </a:solidFill>
+                    <a:effectLst/>
+                    <a:latin typeface="Noto Sans KR"/>
+                  </a:rPr>
+                  <a:t>/ </a:t>
+                </a:r>
+                <a:r>
+                  <a:rPr lang="ko-KR" altLang="en-US" sz="800" b="0" i="0" u="none" strike="noStrike" dirty="0" err="1" smtClean="0">
+                    <a:solidFill>
+                      <a:schemeClr val="accent1">
+                        <a:lumMod val="75000"/>
+                      </a:schemeClr>
+                    </a:solidFill>
+                    <a:effectLst/>
+                    <a:latin typeface="Noto Sans KR"/>
+                  </a:rPr>
+                  <a:t>이메일주소무단수집거부</a:t>
+                </a:r>
+                <a:endParaRPr lang="ko-KR" altLang="en-US" sz="800" b="0" i="0" dirty="0">
+                  <a:solidFill>
+                    <a:schemeClr val="accent1">
+                      <a:lumMod val="75000"/>
+                    </a:schemeClr>
+                  </a:solidFill>
+                  <a:effectLst/>
+                  <a:latin typeface="Noto Sans KR"/>
+                </a:endParaRPr>
               </a:p>
             </p:txBody>
           </p:sp>
+          <p:grpSp>
+            <p:nvGrpSpPr>
+              <p:cNvPr id="13" name="그룹 12"/>
+              <p:cNvGrpSpPr/>
+              <p:nvPr/>
+            </p:nvGrpSpPr>
+            <p:grpSpPr>
+              <a:xfrm>
+                <a:off x="3881545" y="5216135"/>
+                <a:ext cx="2353923" cy="382385"/>
+                <a:chOff x="3789182" y="5190048"/>
+                <a:chExt cx="2534150" cy="382385"/>
+              </a:xfrm>
+            </p:grpSpPr>
+            <p:cxnSp>
+              <p:nvCxnSpPr>
+                <p:cNvPr id="10" name="직선 연결선 9"/>
+                <p:cNvCxnSpPr/>
+                <p:nvPr/>
+              </p:nvCxnSpPr>
+              <p:spPr>
+                <a:xfrm>
+                  <a:off x="3789182" y="5190048"/>
+                  <a:ext cx="2534150" cy="0"/>
+                </a:xfrm>
+                <a:prstGeom prst="line">
+                  <a:avLst/>
+                </a:prstGeom>
+                <a:ln w="28575"/>
+              </p:spPr>
+              <p:style>
+                <a:lnRef idx="1">
+                  <a:schemeClr val="accent1"/>
+                </a:lnRef>
+                <a:fillRef idx="0">
+                  <a:schemeClr val="accent1"/>
+                </a:fillRef>
+                <a:effectRef idx="0">
+                  <a:schemeClr val="accent1"/>
+                </a:effectRef>
+                <a:fontRef idx="minor">
+                  <a:schemeClr val="tx1"/>
+                </a:fontRef>
+              </p:style>
+            </p:cxnSp>
+            <p:cxnSp>
+              <p:nvCxnSpPr>
+                <p:cNvPr id="167" name="직선 연결선 166"/>
+                <p:cNvCxnSpPr/>
+                <p:nvPr/>
+              </p:nvCxnSpPr>
+              <p:spPr>
+                <a:xfrm>
+                  <a:off x="3789182" y="5381241"/>
+                  <a:ext cx="2534150" cy="0"/>
+                </a:xfrm>
+                <a:prstGeom prst="line">
+                  <a:avLst/>
+                </a:prstGeom>
+                <a:ln w="28575"/>
+              </p:spPr>
+              <p:style>
+                <a:lnRef idx="1">
+                  <a:schemeClr val="accent1"/>
+                </a:lnRef>
+                <a:fillRef idx="0">
+                  <a:schemeClr val="accent1"/>
+                </a:fillRef>
+                <a:effectRef idx="0">
+                  <a:schemeClr val="accent1"/>
+                </a:effectRef>
+                <a:fontRef idx="minor">
+                  <a:schemeClr val="tx1"/>
+                </a:fontRef>
+              </p:style>
+            </p:cxnSp>
+            <p:cxnSp>
+              <p:nvCxnSpPr>
+                <p:cNvPr id="168" name="직선 연결선 167"/>
+                <p:cNvCxnSpPr/>
+                <p:nvPr/>
+              </p:nvCxnSpPr>
+              <p:spPr>
+                <a:xfrm>
+                  <a:off x="3789182" y="5572433"/>
+                  <a:ext cx="2534150" cy="0"/>
+                </a:xfrm>
+                <a:prstGeom prst="line">
+                  <a:avLst/>
+                </a:prstGeom>
+                <a:ln w="28575"/>
+              </p:spPr>
+              <p:style>
+                <a:lnRef idx="1">
+                  <a:schemeClr val="accent1"/>
+                </a:lnRef>
+                <a:fillRef idx="0">
+                  <a:schemeClr val="accent1"/>
+                </a:fillRef>
+                <a:effectRef idx="0">
+                  <a:schemeClr val="accent1"/>
+                </a:effectRef>
+                <a:fontRef idx="minor">
+                  <a:schemeClr val="tx1"/>
+                </a:fontRef>
+              </p:style>
+            </p:cxnSp>
+          </p:grpSp>
         </p:grpSp>
-      </p:grpSp>
-      <p:grpSp>
-        <p:nvGrpSpPr>
-          <p:cNvPr id="142" name="그룹 141"/>
-          <p:cNvGrpSpPr/>
-          <p:nvPr/>
-        </p:nvGrpSpPr>
-        <p:grpSpPr>
-          <a:xfrm>
-            <a:off x="3789182" y="1423354"/>
-            <a:ext cx="2539144" cy="2004530"/>
-            <a:chOff x="314003" y="2568633"/>
-            <a:chExt cx="2539144" cy="2053243"/>
-          </a:xfrm>
-        </p:grpSpPr>
-        <p:cxnSp>
-          <p:nvCxnSpPr>
-            <p:cNvPr id="143" name="직선 연결선 142"/>
-            <p:cNvCxnSpPr/>
-            <p:nvPr/>
-          </p:nvCxnSpPr>
-          <p:spPr>
-            <a:xfrm>
-              <a:off x="314003" y="2568633"/>
-              <a:ext cx="2539144" cy="2053243"/>
-            </a:xfrm>
-            <a:prstGeom prst="line">
-              <a:avLst/>
-            </a:prstGeom>
-            <a:ln w="12700">
-              <a:solidFill>
-                <a:schemeClr val="accent1">
-                  <a:lumMod val="75000"/>
-                </a:schemeClr>
-              </a:solidFill>
-            </a:ln>
-          </p:spPr>
-          <p:style>
-            <a:lnRef idx="1">
-              <a:schemeClr val="accent1"/>
-            </a:lnRef>
-            <a:fillRef idx="0">
-              <a:schemeClr val="accent1"/>
-            </a:fillRef>
-            <a:effectRef idx="0">
-              <a:schemeClr val="accent1"/>
-            </a:effectRef>
-            <a:fontRef idx="minor">
-              <a:schemeClr val="tx1"/>
-            </a:fontRef>
-          </p:style>
-        </p:cxnSp>
-        <p:cxnSp>
-          <p:nvCxnSpPr>
-            <p:cNvPr id="144" name="직선 연결선 143"/>
-            <p:cNvCxnSpPr/>
-            <p:nvPr/>
-          </p:nvCxnSpPr>
-          <p:spPr>
-            <a:xfrm flipH="1">
-              <a:off x="314003" y="2568633"/>
-              <a:ext cx="2539144" cy="2053243"/>
-            </a:xfrm>
-            <a:prstGeom prst="line">
-              <a:avLst/>
-            </a:prstGeom>
-            <a:ln w="12700">
-              <a:solidFill>
-                <a:schemeClr val="accent1">
-                  <a:lumMod val="75000"/>
-                </a:schemeClr>
-              </a:solidFill>
-            </a:ln>
-          </p:spPr>
-          <p:style>
-            <a:lnRef idx="1">
-              <a:schemeClr val="accent1"/>
-            </a:lnRef>
-            <a:fillRef idx="0">
-              <a:schemeClr val="accent1"/>
-            </a:fillRef>
-            <a:effectRef idx="0">
-              <a:schemeClr val="accent1"/>
-            </a:effectRef>
-            <a:fontRef idx="minor">
-              <a:schemeClr val="tx1"/>
-            </a:fontRef>
-          </p:style>
-        </p:cxnSp>
-        <p:sp>
-          <p:nvSpPr>
-            <p:cNvPr id="145" name="직사각형 144"/>
-            <p:cNvSpPr/>
-            <p:nvPr/>
-          </p:nvSpPr>
-          <p:spPr>
-            <a:xfrm>
-              <a:off x="314003" y="2568633"/>
-              <a:ext cx="2539144" cy="2053243"/>
-            </a:xfrm>
-            <a:prstGeom prst="rect">
-              <a:avLst/>
-            </a:prstGeom>
-            <a:noFill/>
-            <a:ln>
-              <a:solidFill>
-                <a:schemeClr val="accent1">
-                  <a:lumMod val="75000"/>
-                </a:schemeClr>
-              </a:solidFill>
-            </a:ln>
-          </p:spPr>
-          <p:style>
-            <a:lnRef idx="2">
-              <a:schemeClr val="accent1">
-                <a:shade val="50000"/>
-              </a:schemeClr>
-            </a:lnRef>
-            <a:fillRef idx="1">
-              <a:schemeClr val="accent1"/>
-            </a:fillRef>
-            <a:effectRef idx="0">
-              <a:schemeClr val="accent1"/>
-            </a:effectRef>
-            <a:fontRef idx="minor">
-              <a:schemeClr val="lt1"/>
-            </a:fontRef>
-          </p:style>
-          <p:txBody>
-            <a:bodyPr rtlCol="0" anchor="ctr"/>
-            <a:lstStyle/>
-            <a:p>
-              <a:pPr algn="ctr"/>
-              <a:endParaRPr lang="ko-KR" altLang="en-US">
-                <a:solidFill>
-                  <a:schemeClr val="accent1">
-                    <a:lumMod val="50000"/>
-                  </a:schemeClr>
-                </a:solidFill>
-              </a:endParaRPr>
-            </a:p>
-          </p:txBody>
-        </p:sp>
-        <p:sp>
-          <p:nvSpPr>
-            <p:cNvPr id="146" name="TextBox 145"/>
-            <p:cNvSpPr txBox="1"/>
-            <p:nvPr/>
-          </p:nvSpPr>
-          <p:spPr>
-            <a:xfrm>
-              <a:off x="1178249" y="3416850"/>
-              <a:ext cx="810158" cy="346781"/>
-            </a:xfrm>
-            <a:prstGeom prst="rect">
-              <a:avLst/>
-            </a:prstGeom>
-            <a:solidFill>
-              <a:schemeClr val="bg1"/>
-            </a:solidFill>
-          </p:spPr>
-          <p:txBody>
-            <a:bodyPr wrap="none" rtlCol="0">
-              <a:spAutoFit/>
-            </a:bodyPr>
-            <a:lstStyle/>
-            <a:p>
-              <a:pPr algn="ctr"/>
-              <a:r>
-                <a:rPr lang="en-US" altLang="ko-KR" sz="1600" dirty="0" smtClean="0">
-                  <a:solidFill>
-                    <a:schemeClr val="accent1">
-                      <a:lumMod val="50000"/>
-                    </a:schemeClr>
-                  </a:solidFill>
-                </a:rPr>
-                <a:t>IMAGE</a:t>
-              </a:r>
-            </a:p>
-          </p:txBody>
-        </p:sp>
-      </p:grpSp>
-      <p:sp>
-        <p:nvSpPr>
-          <p:cNvPr id="148" name="TextBox 147"/>
-          <p:cNvSpPr txBox="1"/>
-          <p:nvPr/>
-        </p:nvSpPr>
-        <p:spPr>
-          <a:xfrm>
-            <a:off x="691311" y="1468906"/>
-            <a:ext cx="1469663" cy="261610"/>
-          </a:xfrm>
-          <a:prstGeom prst="rect">
-            <a:avLst/>
-          </a:prstGeom>
-          <a:noFill/>
-        </p:spPr>
-        <p:txBody>
-          <a:bodyPr wrap="square" rtlCol="0">
-            <a:spAutoFit/>
-          </a:bodyPr>
-          <a:lstStyle/>
-          <a:p>
-            <a:r>
-              <a:rPr lang="ko-KR" altLang="en-US" sz="1100" b="1" dirty="0" err="1" smtClean="0">
-                <a:solidFill>
-                  <a:schemeClr val="accent1">
-                    <a:lumMod val="75000"/>
-                  </a:schemeClr>
-                </a:solidFill>
-              </a:rPr>
-              <a:t>체험존</a:t>
-            </a:r>
-            <a:r>
-              <a:rPr lang="ko-KR" altLang="en-US" sz="1100" b="1" dirty="0" smtClean="0">
-                <a:solidFill>
-                  <a:schemeClr val="accent1">
-                    <a:lumMod val="75000"/>
-                  </a:schemeClr>
-                </a:solidFill>
-              </a:rPr>
-              <a:t> 안내</a:t>
-            </a:r>
-            <a:endParaRPr lang="ko-KR" altLang="en-US" sz="1100" b="1" dirty="0">
-              <a:solidFill>
-                <a:schemeClr val="accent1">
-                  <a:lumMod val="75000"/>
-                </a:schemeClr>
-              </a:solidFill>
-            </a:endParaRPr>
-          </a:p>
-        </p:txBody>
-      </p:sp>
-      <p:sp>
-        <p:nvSpPr>
-          <p:cNvPr id="149" name="TextBox 148"/>
-          <p:cNvSpPr txBox="1"/>
-          <p:nvPr/>
-        </p:nvSpPr>
-        <p:spPr>
-          <a:xfrm>
-            <a:off x="691311" y="1740929"/>
-            <a:ext cx="1529485" cy="461665"/>
-          </a:xfrm>
-          <a:prstGeom prst="rect">
-            <a:avLst/>
-          </a:prstGeom>
-          <a:noFill/>
-        </p:spPr>
-        <p:txBody>
-          <a:bodyPr wrap="square" rtlCol="0">
-            <a:spAutoFit/>
-          </a:bodyPr>
-          <a:lstStyle/>
-          <a:p>
-            <a:r>
-              <a:rPr lang="ko-KR" altLang="en-US" sz="800" dirty="0" smtClean="0">
-                <a:solidFill>
-                  <a:schemeClr val="accent1">
-                    <a:lumMod val="75000"/>
-                  </a:schemeClr>
-                </a:solidFill>
-              </a:rPr>
-              <a:t>독도체험관은 대한민국 동쪽 끝</a:t>
-            </a:r>
-            <a:r>
-              <a:rPr lang="en-US" altLang="ko-KR" sz="800" dirty="0" smtClean="0">
-                <a:solidFill>
-                  <a:schemeClr val="accent1">
-                    <a:lumMod val="75000"/>
-                  </a:schemeClr>
-                </a:solidFill>
-              </a:rPr>
-              <a:t>, </a:t>
-            </a:r>
-            <a:r>
-              <a:rPr lang="ko-KR" altLang="en-US" sz="800" dirty="0" smtClean="0">
-                <a:solidFill>
-                  <a:schemeClr val="accent1">
-                    <a:lumMod val="75000"/>
-                  </a:schemeClr>
-                </a:solidFill>
-              </a:rPr>
-              <a:t>우리의 섬 독도를 만나는 체험 공간입니다</a:t>
-            </a:r>
-            <a:r>
-              <a:rPr lang="en-US" altLang="ko-KR" sz="800" dirty="0" smtClean="0">
-                <a:solidFill>
-                  <a:schemeClr val="accent1">
-                    <a:lumMod val="75000"/>
-                  </a:schemeClr>
-                </a:solidFill>
-              </a:rPr>
-              <a:t>.</a:t>
-            </a:r>
-            <a:endParaRPr lang="ko-KR" altLang="en-US" sz="800" dirty="0">
-              <a:solidFill>
-                <a:schemeClr val="accent1">
-                  <a:lumMod val="75000"/>
-                </a:schemeClr>
-              </a:solidFill>
-            </a:endParaRPr>
-          </a:p>
-        </p:txBody>
-      </p:sp>
-      <p:sp>
-        <p:nvSpPr>
-          <p:cNvPr id="150" name="TextBox 149"/>
-          <p:cNvSpPr txBox="1"/>
-          <p:nvPr/>
-        </p:nvSpPr>
-        <p:spPr>
-          <a:xfrm>
-            <a:off x="691311" y="2682807"/>
-            <a:ext cx="1469663" cy="261610"/>
-          </a:xfrm>
-          <a:prstGeom prst="rect">
-            <a:avLst/>
-          </a:prstGeom>
-          <a:noFill/>
-        </p:spPr>
-        <p:txBody>
-          <a:bodyPr wrap="square" rtlCol="0">
-            <a:spAutoFit/>
-          </a:bodyPr>
-          <a:lstStyle/>
-          <a:p>
-            <a:r>
-              <a:rPr lang="ko-KR" altLang="en-US" sz="1100" b="1" dirty="0" smtClean="0">
-                <a:solidFill>
-                  <a:schemeClr val="accent1">
-                    <a:lumMod val="75000"/>
-                  </a:schemeClr>
-                </a:solidFill>
-              </a:rPr>
-              <a:t>영상관 안내</a:t>
-            </a:r>
-            <a:endParaRPr lang="ko-KR" altLang="en-US" sz="1100" b="1" dirty="0">
-              <a:solidFill>
-                <a:schemeClr val="accent1">
-                  <a:lumMod val="75000"/>
-                </a:schemeClr>
-              </a:solidFill>
-            </a:endParaRPr>
-          </a:p>
-        </p:txBody>
-      </p:sp>
-      <p:sp>
-        <p:nvSpPr>
-          <p:cNvPr id="151" name="TextBox 150"/>
-          <p:cNvSpPr txBox="1"/>
-          <p:nvPr/>
-        </p:nvSpPr>
-        <p:spPr>
-          <a:xfrm>
-            <a:off x="691311" y="2954830"/>
-            <a:ext cx="1529485" cy="584775"/>
-          </a:xfrm>
-          <a:prstGeom prst="rect">
-            <a:avLst/>
-          </a:prstGeom>
-          <a:noFill/>
-        </p:spPr>
-        <p:txBody>
-          <a:bodyPr wrap="square" rtlCol="0">
-            <a:spAutoFit/>
-          </a:bodyPr>
-          <a:lstStyle/>
-          <a:p>
-            <a:r>
-              <a:rPr lang="ko-KR" altLang="en-US" sz="800" dirty="0" smtClean="0">
-                <a:solidFill>
-                  <a:schemeClr val="accent1">
-                    <a:lumMod val="75000"/>
-                  </a:schemeClr>
-                </a:solidFill>
-              </a:rPr>
-              <a:t>가상현실</a:t>
-            </a:r>
-            <a:r>
-              <a:rPr lang="en-US" altLang="ko-KR" sz="800" dirty="0" smtClean="0">
-                <a:solidFill>
-                  <a:schemeClr val="accent1">
-                    <a:lumMod val="75000"/>
-                  </a:schemeClr>
-                </a:solidFill>
-              </a:rPr>
-              <a:t>(VR)</a:t>
-            </a:r>
-            <a:r>
-              <a:rPr lang="ko-KR" altLang="en-US" sz="800" dirty="0" smtClean="0">
-                <a:solidFill>
-                  <a:schemeClr val="accent1">
-                    <a:lumMod val="75000"/>
-                  </a:schemeClr>
-                </a:solidFill>
-              </a:rPr>
-              <a:t>과</a:t>
-            </a:r>
-            <a:r>
-              <a:rPr lang="en-US" altLang="ko-KR" sz="800" dirty="0" smtClean="0">
-                <a:solidFill>
-                  <a:schemeClr val="accent1">
-                    <a:lumMod val="75000"/>
-                  </a:schemeClr>
-                </a:solidFill>
-              </a:rPr>
-              <a:t> </a:t>
-            </a:r>
-            <a:r>
-              <a:rPr lang="ko-KR" altLang="en-US" sz="800" dirty="0" smtClean="0">
-                <a:solidFill>
-                  <a:schemeClr val="accent1">
-                    <a:lumMod val="75000"/>
-                  </a:schemeClr>
-                </a:solidFill>
-              </a:rPr>
-              <a:t>같은 최신 기법을 활용하여 </a:t>
-            </a:r>
-            <a:r>
-              <a:rPr lang="ko-KR" altLang="en-US" sz="800" dirty="0" err="1" smtClean="0">
-                <a:solidFill>
-                  <a:schemeClr val="accent1">
-                    <a:lumMod val="75000"/>
-                  </a:schemeClr>
-                </a:solidFill>
-              </a:rPr>
-              <a:t>실감형</a:t>
-            </a:r>
-            <a:r>
-              <a:rPr lang="ko-KR" altLang="en-US" sz="800" dirty="0" smtClean="0">
-                <a:solidFill>
-                  <a:schemeClr val="accent1">
-                    <a:lumMod val="75000"/>
-                  </a:schemeClr>
-                </a:solidFill>
-              </a:rPr>
-              <a:t> 콘텐츠 등을 적용한 독도 상영관 입니다</a:t>
-            </a:r>
-            <a:r>
-              <a:rPr lang="en-US" altLang="ko-KR" sz="800" dirty="0" smtClean="0">
-                <a:solidFill>
-                  <a:schemeClr val="accent1">
-                    <a:lumMod val="75000"/>
-                  </a:schemeClr>
-                </a:solidFill>
-              </a:rPr>
-              <a:t>.</a:t>
-            </a:r>
-            <a:endParaRPr lang="ko-KR" altLang="en-US" sz="800" dirty="0">
-              <a:solidFill>
-                <a:schemeClr val="accent1">
-                  <a:lumMod val="75000"/>
-                </a:schemeClr>
-              </a:solidFill>
-            </a:endParaRPr>
-          </a:p>
-        </p:txBody>
-      </p:sp>
-      <p:sp>
-        <p:nvSpPr>
-          <p:cNvPr id="152" name="TextBox 151"/>
-          <p:cNvSpPr txBox="1"/>
-          <p:nvPr/>
-        </p:nvSpPr>
-        <p:spPr>
-          <a:xfrm>
-            <a:off x="3817763" y="5711968"/>
-            <a:ext cx="688141" cy="261610"/>
-          </a:xfrm>
-          <a:prstGeom prst="rect">
-            <a:avLst/>
-          </a:prstGeom>
-          <a:solidFill>
-            <a:schemeClr val="accent1">
-              <a:lumMod val="20000"/>
-              <a:lumOff val="80000"/>
-            </a:schemeClr>
-          </a:solidFill>
-          <a:ln>
-            <a:solidFill>
-              <a:schemeClr val="accent1">
-                <a:lumMod val="60000"/>
-                <a:lumOff val="40000"/>
-              </a:schemeClr>
-            </a:solidFill>
-            <a:prstDash val="solid"/>
-          </a:ln>
-        </p:spPr>
-        <p:txBody>
-          <a:bodyPr wrap="square" rtlCol="0">
-            <a:spAutoFit/>
-          </a:bodyPr>
-          <a:lstStyle/>
-          <a:p>
-            <a:pPr algn="ctr"/>
-            <a:r>
-              <a:rPr lang="en-US" altLang="ko-KR" sz="1100" dirty="0" smtClean="0">
-                <a:solidFill>
-                  <a:schemeClr val="accent1">
-                    <a:lumMod val="75000"/>
-                  </a:schemeClr>
-                </a:solidFill>
-              </a:rPr>
-              <a:t>ICON</a:t>
-            </a:r>
-            <a:endParaRPr lang="ko-KR" altLang="en-US" sz="1100" dirty="0">
-              <a:solidFill>
-                <a:schemeClr val="accent1">
-                  <a:lumMod val="75000"/>
-                </a:schemeClr>
-              </a:solidFill>
-            </a:endParaRPr>
-          </a:p>
-        </p:txBody>
-      </p:sp>
-      <p:grpSp>
-        <p:nvGrpSpPr>
-          <p:cNvPr id="158" name="그룹 157"/>
-          <p:cNvGrpSpPr/>
-          <p:nvPr/>
-        </p:nvGrpSpPr>
-        <p:grpSpPr>
-          <a:xfrm>
-            <a:off x="3789182" y="3539605"/>
-            <a:ext cx="2539144" cy="1232795"/>
-            <a:chOff x="314003" y="2568633"/>
-            <a:chExt cx="2539144" cy="2053243"/>
-          </a:xfrm>
-        </p:grpSpPr>
-        <p:cxnSp>
-          <p:nvCxnSpPr>
-            <p:cNvPr id="159" name="직선 연결선 158"/>
-            <p:cNvCxnSpPr/>
-            <p:nvPr/>
-          </p:nvCxnSpPr>
-          <p:spPr>
-            <a:xfrm>
-              <a:off x="314003" y="2568633"/>
-              <a:ext cx="2539144" cy="2053243"/>
-            </a:xfrm>
-            <a:prstGeom prst="line">
-              <a:avLst/>
-            </a:prstGeom>
-            <a:ln w="12700">
-              <a:solidFill>
-                <a:schemeClr val="accent1">
-                  <a:lumMod val="75000"/>
-                </a:schemeClr>
-              </a:solidFill>
-            </a:ln>
-          </p:spPr>
-          <p:style>
-            <a:lnRef idx="1">
-              <a:schemeClr val="accent1"/>
-            </a:lnRef>
-            <a:fillRef idx="0">
-              <a:schemeClr val="accent1"/>
-            </a:fillRef>
-            <a:effectRef idx="0">
-              <a:schemeClr val="accent1"/>
-            </a:effectRef>
-            <a:fontRef idx="minor">
-              <a:schemeClr val="tx1"/>
-            </a:fontRef>
-          </p:style>
-        </p:cxnSp>
-        <p:cxnSp>
-          <p:nvCxnSpPr>
-            <p:cNvPr id="160" name="직선 연결선 159"/>
-            <p:cNvCxnSpPr/>
-            <p:nvPr/>
-          </p:nvCxnSpPr>
-          <p:spPr>
-            <a:xfrm flipH="1">
-              <a:off x="314003" y="2568633"/>
-              <a:ext cx="2539144" cy="2053243"/>
-            </a:xfrm>
-            <a:prstGeom prst="line">
-              <a:avLst/>
-            </a:prstGeom>
-            <a:ln w="12700">
-              <a:solidFill>
-                <a:schemeClr val="accent1">
-                  <a:lumMod val="75000"/>
-                </a:schemeClr>
-              </a:solidFill>
-            </a:ln>
-          </p:spPr>
-          <p:style>
-            <a:lnRef idx="1">
-              <a:schemeClr val="accent1"/>
-            </a:lnRef>
-            <a:fillRef idx="0">
-              <a:schemeClr val="accent1"/>
-            </a:fillRef>
-            <a:effectRef idx="0">
-              <a:schemeClr val="accent1"/>
-            </a:effectRef>
-            <a:fontRef idx="minor">
-              <a:schemeClr val="tx1"/>
-            </a:fontRef>
-          </p:style>
-        </p:cxnSp>
-        <p:sp>
-          <p:nvSpPr>
-            <p:cNvPr id="161" name="직사각형 160"/>
-            <p:cNvSpPr/>
-            <p:nvPr/>
-          </p:nvSpPr>
-          <p:spPr>
-            <a:xfrm>
-              <a:off x="314003" y="2568633"/>
-              <a:ext cx="2539144" cy="2053243"/>
-            </a:xfrm>
-            <a:prstGeom prst="rect">
-              <a:avLst/>
-            </a:prstGeom>
-            <a:noFill/>
-            <a:ln>
-              <a:solidFill>
-                <a:schemeClr val="accent1">
-                  <a:lumMod val="75000"/>
-                </a:schemeClr>
-              </a:solidFill>
-            </a:ln>
-          </p:spPr>
-          <p:style>
-            <a:lnRef idx="2">
-              <a:schemeClr val="accent1">
-                <a:shade val="50000"/>
-              </a:schemeClr>
-            </a:lnRef>
-            <a:fillRef idx="1">
-              <a:schemeClr val="accent1"/>
-            </a:fillRef>
-            <a:effectRef idx="0">
-              <a:schemeClr val="accent1"/>
-            </a:effectRef>
-            <a:fontRef idx="minor">
-              <a:schemeClr val="lt1"/>
-            </a:fontRef>
-          </p:style>
-          <p:txBody>
-            <a:bodyPr rtlCol="0" anchor="ctr"/>
-            <a:lstStyle/>
-            <a:p>
-              <a:pPr algn="ctr"/>
-              <a:endParaRPr lang="ko-KR" altLang="en-US">
-                <a:solidFill>
-                  <a:schemeClr val="accent1">
-                    <a:lumMod val="50000"/>
-                  </a:schemeClr>
-                </a:solidFill>
-              </a:endParaRPr>
-            </a:p>
-          </p:txBody>
-        </p:sp>
-        <p:sp>
-          <p:nvSpPr>
-            <p:cNvPr id="162" name="TextBox 161"/>
-            <p:cNvSpPr txBox="1"/>
-            <p:nvPr/>
-          </p:nvSpPr>
-          <p:spPr>
-            <a:xfrm>
-              <a:off x="686655" y="2726059"/>
-              <a:ext cx="1744388" cy="435716"/>
-            </a:xfrm>
-            <a:prstGeom prst="rect">
-              <a:avLst/>
-            </a:prstGeom>
-            <a:solidFill>
-              <a:schemeClr val="bg1"/>
-            </a:solidFill>
-          </p:spPr>
-          <p:txBody>
-            <a:bodyPr wrap="none" rtlCol="0">
-              <a:spAutoFit/>
-            </a:bodyPr>
-            <a:lstStyle/>
-            <a:p>
-              <a:pPr algn="ctr"/>
-              <a:r>
-                <a:rPr lang="ko-KR" altLang="en-US" sz="1100" dirty="0" smtClean="0">
-                  <a:solidFill>
-                    <a:schemeClr val="accent1">
-                      <a:lumMod val="50000"/>
-                    </a:schemeClr>
-                  </a:solidFill>
-                </a:rPr>
-                <a:t>한국의 아름다운 섬 독도</a:t>
-              </a:r>
-              <a:endParaRPr lang="en-US" altLang="ko-KR" sz="1100" dirty="0" smtClean="0">
-                <a:solidFill>
-                  <a:schemeClr val="accent1">
-                    <a:lumMod val="50000"/>
-                  </a:schemeClr>
-                </a:solidFill>
-              </a:endParaRPr>
-            </a:p>
-          </p:txBody>
-        </p:sp>
-      </p:grpSp>
-      <p:sp>
-        <p:nvSpPr>
-          <p:cNvPr id="8" name="직사각형 7"/>
-          <p:cNvSpPr/>
-          <p:nvPr/>
-        </p:nvSpPr>
-        <p:spPr>
-          <a:xfrm>
-            <a:off x="3663670" y="4873502"/>
-            <a:ext cx="2793867" cy="215444"/>
-          </a:xfrm>
-          <a:prstGeom prst="rect">
-            <a:avLst/>
-          </a:prstGeom>
-        </p:spPr>
-        <p:txBody>
-          <a:bodyPr wrap="square">
-            <a:spAutoFit/>
-          </a:bodyPr>
-          <a:lstStyle/>
-          <a:p>
-            <a:pPr algn="ctr"/>
-            <a:r>
-              <a:rPr lang="ko-KR" altLang="en-US" sz="800" b="0" i="0" u="none" strike="noStrike" dirty="0" smtClean="0">
-                <a:solidFill>
-                  <a:schemeClr val="accent1">
-                    <a:lumMod val="75000"/>
-                  </a:schemeClr>
-                </a:solidFill>
-                <a:effectLst/>
-                <a:latin typeface="Noto Sans KR"/>
-              </a:rPr>
-              <a:t>이용약관 </a:t>
-            </a:r>
-            <a:r>
-              <a:rPr lang="en-US" altLang="ko-KR" sz="800" b="0" i="0" u="none" strike="noStrike" dirty="0" smtClean="0">
-                <a:solidFill>
-                  <a:schemeClr val="accent1">
-                    <a:lumMod val="75000"/>
-                  </a:schemeClr>
-                </a:solidFill>
-                <a:effectLst/>
-                <a:latin typeface="Noto Sans KR"/>
-              </a:rPr>
-              <a:t>/ </a:t>
-            </a:r>
-            <a:r>
-              <a:rPr lang="ko-KR" altLang="en-US" sz="800" b="0" i="0" u="none" strike="noStrike" dirty="0" smtClean="0">
-                <a:solidFill>
-                  <a:schemeClr val="accent1">
-                    <a:lumMod val="75000"/>
-                  </a:schemeClr>
-                </a:solidFill>
-                <a:effectLst/>
-                <a:latin typeface="Noto Sans KR"/>
-              </a:rPr>
-              <a:t>개인정보취급방침 </a:t>
-            </a:r>
-            <a:r>
-              <a:rPr lang="en-US" altLang="ko-KR" sz="800" b="0" i="0" u="none" strike="noStrike" dirty="0" smtClean="0">
-                <a:solidFill>
-                  <a:schemeClr val="accent1">
-                    <a:lumMod val="75000"/>
-                  </a:schemeClr>
-                </a:solidFill>
-                <a:effectLst/>
-                <a:latin typeface="Noto Sans KR"/>
-              </a:rPr>
-              <a:t>/ </a:t>
-            </a:r>
-            <a:r>
-              <a:rPr lang="ko-KR" altLang="en-US" sz="800" b="0" i="0" u="none" strike="noStrike" dirty="0" err="1" smtClean="0">
-                <a:solidFill>
-                  <a:schemeClr val="accent1">
-                    <a:lumMod val="75000"/>
-                  </a:schemeClr>
-                </a:solidFill>
-                <a:effectLst/>
-                <a:latin typeface="Noto Sans KR"/>
-              </a:rPr>
-              <a:t>이메일주소무단수집거부</a:t>
-            </a:r>
-            <a:endParaRPr lang="ko-KR" altLang="en-US" sz="800" b="0" i="0" dirty="0">
-              <a:solidFill>
-                <a:schemeClr val="accent1">
-                  <a:lumMod val="75000"/>
-                </a:schemeClr>
-              </a:solidFill>
-              <a:effectLst/>
-              <a:latin typeface="Noto Sans KR"/>
-            </a:endParaRPr>
-          </a:p>
-        </p:txBody>
-      </p:sp>
-      <p:grpSp>
-        <p:nvGrpSpPr>
-          <p:cNvPr id="13" name="그룹 12"/>
-          <p:cNvGrpSpPr/>
-          <p:nvPr/>
-        </p:nvGrpSpPr>
-        <p:grpSpPr>
-          <a:xfrm>
-            <a:off x="3881545" y="5216135"/>
-            <a:ext cx="2353923" cy="382385"/>
-            <a:chOff x="3789182" y="5190048"/>
-            <a:chExt cx="2534150" cy="382385"/>
-          </a:xfrm>
-        </p:grpSpPr>
-        <p:cxnSp>
-          <p:nvCxnSpPr>
-            <p:cNvPr id="10" name="직선 연결선 9"/>
-            <p:cNvCxnSpPr/>
-            <p:nvPr/>
-          </p:nvCxnSpPr>
-          <p:spPr>
-            <a:xfrm>
-              <a:off x="3789182" y="5190048"/>
-              <a:ext cx="2534150" cy="0"/>
-            </a:xfrm>
-            <a:prstGeom prst="line">
-              <a:avLst/>
-            </a:prstGeom>
-            <a:ln w="28575"/>
-          </p:spPr>
-          <p:style>
-            <a:lnRef idx="1">
-              <a:schemeClr val="accent1"/>
-            </a:lnRef>
-            <a:fillRef idx="0">
-              <a:schemeClr val="accent1"/>
-            </a:fillRef>
-            <a:effectRef idx="0">
-              <a:schemeClr val="accent1"/>
-            </a:effectRef>
-            <a:fontRef idx="minor">
-              <a:schemeClr val="tx1"/>
-            </a:fontRef>
-          </p:style>
-        </p:cxnSp>
-        <p:cxnSp>
-          <p:nvCxnSpPr>
-            <p:cNvPr id="167" name="직선 연결선 166"/>
-            <p:cNvCxnSpPr/>
-            <p:nvPr/>
-          </p:nvCxnSpPr>
-          <p:spPr>
-            <a:xfrm>
-              <a:off x="3789182" y="5381241"/>
-              <a:ext cx="2534150" cy="0"/>
-            </a:xfrm>
-            <a:prstGeom prst="line">
-              <a:avLst/>
-            </a:prstGeom>
-            <a:ln w="28575"/>
-          </p:spPr>
-          <p:style>
-            <a:lnRef idx="1">
-              <a:schemeClr val="accent1"/>
-            </a:lnRef>
-            <a:fillRef idx="0">
-              <a:schemeClr val="accent1"/>
-            </a:fillRef>
-            <a:effectRef idx="0">
-              <a:schemeClr val="accent1"/>
-            </a:effectRef>
-            <a:fontRef idx="minor">
-              <a:schemeClr val="tx1"/>
-            </a:fontRef>
-          </p:style>
-        </p:cxnSp>
-        <p:cxnSp>
-          <p:nvCxnSpPr>
-            <p:cNvPr id="168" name="직선 연결선 167"/>
-            <p:cNvCxnSpPr/>
-            <p:nvPr/>
-          </p:nvCxnSpPr>
-          <p:spPr>
-            <a:xfrm>
-              <a:off x="3789182" y="5572433"/>
-              <a:ext cx="2534150" cy="0"/>
-            </a:xfrm>
-            <a:prstGeom prst="line">
-              <a:avLst/>
-            </a:prstGeom>
-            <a:ln w="28575"/>
-          </p:spPr>
-          <p:style>
-            <a:lnRef idx="1">
-              <a:schemeClr val="accent1"/>
-            </a:lnRef>
-            <a:fillRef idx="0">
-              <a:schemeClr val="accent1"/>
-            </a:fillRef>
-            <a:effectRef idx="0">
-              <a:schemeClr val="accent1"/>
-            </a:effectRef>
-            <a:fontRef idx="minor">
-              <a:schemeClr val="tx1"/>
-            </a:fontRef>
-          </p:style>
-        </p:cxnSp>
       </p:grpSp>
     </p:spTree>
     <p:extLst>
@@ -13726,102 +13763,6 @@
       </p:grpSpPr>
       <p:sp>
         <p:nvSpPr>
-          <p:cNvPr id="6" name="직사각형 5"/>
-          <p:cNvSpPr/>
-          <p:nvPr/>
-        </p:nvSpPr>
-        <p:spPr>
-          <a:xfrm>
-            <a:off x="539730" y="1097279"/>
-            <a:ext cx="2801388" cy="5012575"/>
-          </a:xfrm>
-          <a:prstGeom prst="rect">
-            <a:avLst/>
-          </a:prstGeom>
-          <a:solidFill>
-            <a:schemeClr val="bg1"/>
-          </a:solidFill>
-          <a:ln>
-            <a:solidFill>
-              <a:schemeClr val="accent1">
-                <a:lumMod val="75000"/>
-              </a:schemeClr>
-            </a:solidFill>
-          </a:ln>
-        </p:spPr>
-        <p:style>
-          <a:lnRef idx="2">
-            <a:schemeClr val="accent1">
-              <a:shade val="50000"/>
-            </a:schemeClr>
-          </a:lnRef>
-          <a:fillRef idx="1">
-            <a:schemeClr val="accent1"/>
-          </a:fillRef>
-          <a:effectRef idx="0">
-            <a:schemeClr val="accent1"/>
-          </a:effectRef>
-          <a:fontRef idx="minor">
-            <a:schemeClr val="lt1"/>
-          </a:fontRef>
-        </p:style>
-        <p:txBody>
-          <a:bodyPr rtlCol="0" anchor="ctr"/>
-          <a:lstStyle/>
-          <a:p>
-            <a:pPr algn="ctr"/>
-            <a:endParaRPr lang="ko-KR" altLang="en-US"/>
-          </a:p>
-        </p:txBody>
-      </p:sp>
-      <p:sp>
-        <p:nvSpPr>
-          <p:cNvPr id="27" name="TextBox 26"/>
-          <p:cNvSpPr txBox="1"/>
-          <p:nvPr/>
-        </p:nvSpPr>
-        <p:spPr>
-          <a:xfrm>
-            <a:off x="604701" y="1211189"/>
-            <a:ext cx="2473754" cy="253916"/>
-          </a:xfrm>
-          <a:prstGeom prst="rect">
-            <a:avLst/>
-          </a:prstGeom>
-          <a:noFill/>
-        </p:spPr>
-        <p:txBody>
-          <a:bodyPr wrap="none" rtlCol="0">
-            <a:spAutoFit/>
-          </a:bodyPr>
-          <a:lstStyle/>
-          <a:p>
-            <a:r>
-              <a:rPr lang="ko-KR" altLang="en-US" sz="1050" b="1" dirty="0" err="1" smtClean="0">
-                <a:solidFill>
-                  <a:schemeClr val="accent1">
-                    <a:lumMod val="50000"/>
-                  </a:schemeClr>
-                </a:solidFill>
-                <a:latin typeface="맑은 고딕" panose="020B0503020000020004" pitchFamily="50" charset="-127"/>
-                <a:ea typeface="맑은 고딕" panose="020B0503020000020004" pitchFamily="50" charset="-127"/>
-              </a:rPr>
-              <a:t>세종특별자치시도교육청ㅣ독도전시관</a:t>
-            </a:r>
-            <a:endParaRPr lang="ko-KR" altLang="en-US" sz="1050" b="1" dirty="0">
-              <a:solidFill>
-                <a:schemeClr val="accent1">
-                  <a:lumMod val="50000"/>
-                </a:schemeClr>
-              </a:solidFill>
-              <a:latin typeface="맑은 고딕" panose="020B0503020000020004" pitchFamily="50" charset="-127"/>
-              <a:ea typeface="맑은 고딕" panose="020B0503020000020004" pitchFamily="50" charset="-127"/>
-            </a:endParaRPr>
-          </a:p>
-        </p:txBody>
-      </p:sp>
-      <p:sp>
-        <p:nvSpPr>
           <p:cNvPr id="45" name="직사각형 44"/>
           <p:cNvSpPr/>
           <p:nvPr/>
@@ -15511,302 +15452,6 @@
           </a:p>
         </p:txBody>
       </p:sp>
-      <p:grpSp>
-        <p:nvGrpSpPr>
-          <p:cNvPr id="296" name="그룹 295"/>
-          <p:cNvGrpSpPr/>
-          <p:nvPr/>
-        </p:nvGrpSpPr>
-        <p:grpSpPr>
-          <a:xfrm>
-            <a:off x="676488" y="1728711"/>
-            <a:ext cx="2539144" cy="2723343"/>
-            <a:chOff x="314003" y="2568633"/>
-            <a:chExt cx="2539144" cy="2053243"/>
-          </a:xfrm>
-        </p:grpSpPr>
-        <p:cxnSp>
-          <p:nvCxnSpPr>
-            <p:cNvPr id="297" name="직선 연결선 296"/>
-            <p:cNvCxnSpPr/>
-            <p:nvPr/>
-          </p:nvCxnSpPr>
-          <p:spPr>
-            <a:xfrm>
-              <a:off x="314003" y="2568633"/>
-              <a:ext cx="2539144" cy="2053243"/>
-            </a:xfrm>
-            <a:prstGeom prst="line">
-              <a:avLst/>
-            </a:prstGeom>
-            <a:ln w="12700">
-              <a:solidFill>
-                <a:schemeClr val="accent1">
-                  <a:lumMod val="75000"/>
-                </a:schemeClr>
-              </a:solidFill>
-            </a:ln>
-          </p:spPr>
-          <p:style>
-            <a:lnRef idx="1">
-              <a:schemeClr val="accent1"/>
-            </a:lnRef>
-            <a:fillRef idx="0">
-              <a:schemeClr val="accent1"/>
-            </a:fillRef>
-            <a:effectRef idx="0">
-              <a:schemeClr val="accent1"/>
-            </a:effectRef>
-            <a:fontRef idx="minor">
-              <a:schemeClr val="tx1"/>
-            </a:fontRef>
-          </p:style>
-        </p:cxnSp>
-        <p:cxnSp>
-          <p:nvCxnSpPr>
-            <p:cNvPr id="298" name="직선 연결선 297"/>
-            <p:cNvCxnSpPr/>
-            <p:nvPr/>
-          </p:nvCxnSpPr>
-          <p:spPr>
-            <a:xfrm flipH="1">
-              <a:off x="314003" y="2568633"/>
-              <a:ext cx="2539144" cy="2053243"/>
-            </a:xfrm>
-            <a:prstGeom prst="line">
-              <a:avLst/>
-            </a:prstGeom>
-            <a:ln w="12700">
-              <a:solidFill>
-                <a:schemeClr val="accent1">
-                  <a:lumMod val="75000"/>
-                </a:schemeClr>
-              </a:solidFill>
-            </a:ln>
-          </p:spPr>
-          <p:style>
-            <a:lnRef idx="1">
-              <a:schemeClr val="accent1"/>
-            </a:lnRef>
-            <a:fillRef idx="0">
-              <a:schemeClr val="accent1"/>
-            </a:fillRef>
-            <a:effectRef idx="0">
-              <a:schemeClr val="accent1"/>
-            </a:effectRef>
-            <a:fontRef idx="minor">
-              <a:schemeClr val="tx1"/>
-            </a:fontRef>
-          </p:style>
-        </p:cxnSp>
-        <p:sp>
-          <p:nvSpPr>
-            <p:cNvPr id="299" name="직사각형 298"/>
-            <p:cNvSpPr/>
-            <p:nvPr/>
-          </p:nvSpPr>
-          <p:spPr>
-            <a:xfrm>
-              <a:off x="314003" y="2568633"/>
-              <a:ext cx="2539144" cy="2053243"/>
-            </a:xfrm>
-            <a:prstGeom prst="rect">
-              <a:avLst/>
-            </a:prstGeom>
-            <a:noFill/>
-            <a:ln>
-              <a:solidFill>
-                <a:schemeClr val="accent1">
-                  <a:lumMod val="75000"/>
-                </a:schemeClr>
-              </a:solidFill>
-            </a:ln>
-          </p:spPr>
-          <p:style>
-            <a:lnRef idx="2">
-              <a:schemeClr val="accent1">
-                <a:shade val="50000"/>
-              </a:schemeClr>
-            </a:lnRef>
-            <a:fillRef idx="1">
-              <a:schemeClr val="accent1"/>
-            </a:fillRef>
-            <a:effectRef idx="0">
-              <a:schemeClr val="accent1"/>
-            </a:effectRef>
-            <a:fontRef idx="minor">
-              <a:schemeClr val="lt1"/>
-            </a:fontRef>
-          </p:style>
-          <p:txBody>
-            <a:bodyPr rtlCol="0" anchor="ctr"/>
-            <a:lstStyle/>
-            <a:p>
-              <a:pPr algn="ctr"/>
-              <a:endParaRPr lang="ko-KR" altLang="en-US">
-                <a:solidFill>
-                  <a:schemeClr val="accent1">
-                    <a:lumMod val="50000"/>
-                  </a:schemeClr>
-                </a:solidFill>
-              </a:endParaRPr>
-            </a:p>
-          </p:txBody>
-        </p:sp>
-        <p:sp>
-          <p:nvSpPr>
-            <p:cNvPr id="300" name="TextBox 299"/>
-            <p:cNvSpPr txBox="1"/>
-            <p:nvPr/>
-          </p:nvSpPr>
-          <p:spPr>
-            <a:xfrm>
-              <a:off x="1144994" y="3404646"/>
-              <a:ext cx="877163" cy="313434"/>
-            </a:xfrm>
-            <a:prstGeom prst="rect">
-              <a:avLst/>
-            </a:prstGeom>
-            <a:solidFill>
-              <a:schemeClr val="bg1"/>
-            </a:solidFill>
-          </p:spPr>
-          <p:txBody>
-            <a:bodyPr wrap="none" rtlCol="0">
-              <a:spAutoFit/>
-            </a:bodyPr>
-            <a:lstStyle/>
-            <a:p>
-              <a:pPr algn="ctr"/>
-              <a:r>
-                <a:rPr lang="ko-KR" altLang="en-US" dirty="0" smtClean="0">
-                  <a:solidFill>
-                    <a:schemeClr val="accent1">
-                      <a:lumMod val="50000"/>
-                    </a:schemeClr>
-                  </a:solidFill>
-                </a:rPr>
-                <a:t>인사말</a:t>
-              </a:r>
-              <a:endParaRPr lang="en-US" altLang="ko-KR" dirty="0" smtClean="0">
-                <a:solidFill>
-                  <a:schemeClr val="accent1">
-                    <a:lumMod val="50000"/>
-                  </a:schemeClr>
-                </a:solidFill>
-              </a:endParaRPr>
-            </a:p>
-          </p:txBody>
-        </p:sp>
-      </p:grpSp>
-      <p:grpSp>
-        <p:nvGrpSpPr>
-          <p:cNvPr id="360" name="그룹 359"/>
-          <p:cNvGrpSpPr/>
-          <p:nvPr/>
-        </p:nvGrpSpPr>
-        <p:grpSpPr>
-          <a:xfrm>
-            <a:off x="3092745" y="1187723"/>
-            <a:ext cx="156221" cy="125239"/>
-            <a:chOff x="3010742" y="1164143"/>
-            <a:chExt cx="295022" cy="169995"/>
-          </a:xfrm>
-        </p:grpSpPr>
-        <p:cxnSp>
-          <p:nvCxnSpPr>
-            <p:cNvPr id="354" name="직선 연결선 353"/>
-            <p:cNvCxnSpPr/>
-            <p:nvPr/>
-          </p:nvCxnSpPr>
-          <p:spPr>
-            <a:xfrm>
-              <a:off x="3010742" y="1164143"/>
-              <a:ext cx="295022" cy="0"/>
-            </a:xfrm>
-            <a:prstGeom prst="line">
-              <a:avLst/>
-            </a:prstGeom>
-            <a:ln w="28575"/>
-          </p:spPr>
-          <p:style>
-            <a:lnRef idx="1">
-              <a:schemeClr val="accent1"/>
-            </a:lnRef>
-            <a:fillRef idx="0">
-              <a:schemeClr val="accent1"/>
-            </a:fillRef>
-            <a:effectRef idx="0">
-              <a:schemeClr val="accent1"/>
-            </a:effectRef>
-            <a:fontRef idx="minor">
-              <a:schemeClr val="tx1"/>
-            </a:fontRef>
-          </p:style>
-        </p:cxnSp>
-        <p:cxnSp>
-          <p:nvCxnSpPr>
-            <p:cNvPr id="355" name="직선 연결선 354"/>
-            <p:cNvCxnSpPr/>
-            <p:nvPr/>
-          </p:nvCxnSpPr>
-          <p:spPr>
-            <a:xfrm>
-              <a:off x="3010742" y="1248529"/>
-              <a:ext cx="295022" cy="0"/>
-            </a:xfrm>
-            <a:prstGeom prst="line">
-              <a:avLst/>
-            </a:prstGeom>
-            <a:ln w="28575"/>
-          </p:spPr>
-          <p:style>
-            <a:lnRef idx="1">
-              <a:schemeClr val="accent1"/>
-            </a:lnRef>
-            <a:fillRef idx="0">
-              <a:schemeClr val="accent1"/>
-            </a:fillRef>
-            <a:effectRef idx="0">
-              <a:schemeClr val="accent1"/>
-            </a:effectRef>
-            <a:fontRef idx="minor">
-              <a:schemeClr val="tx1"/>
-            </a:fontRef>
-          </p:style>
-        </p:cxnSp>
-        <p:cxnSp>
-          <p:nvCxnSpPr>
-            <p:cNvPr id="356" name="직선 연결선 355"/>
-            <p:cNvCxnSpPr/>
-            <p:nvPr/>
-          </p:nvCxnSpPr>
-          <p:spPr>
-            <a:xfrm>
-              <a:off x="3010742" y="1334138"/>
-              <a:ext cx="295022" cy="0"/>
-            </a:xfrm>
-            <a:prstGeom prst="line">
-              <a:avLst/>
-            </a:prstGeom>
-            <a:ln w="28575"/>
-          </p:spPr>
-          <p:style>
-            <a:lnRef idx="1">
-              <a:schemeClr val="accent1"/>
-            </a:lnRef>
-            <a:fillRef idx="0">
-              <a:schemeClr val="accent1"/>
-            </a:fillRef>
-            <a:effectRef idx="0">
-              <a:schemeClr val="accent1"/>
-            </a:effectRef>
-            <a:fontRef idx="minor">
-              <a:schemeClr val="tx1"/>
-            </a:fontRef>
-          </p:style>
-        </p:cxnSp>
-      </p:grpSp>
       <p:grpSp>
         <p:nvGrpSpPr>
           <p:cNvPr id="361" name="그룹 360"/>
@@ -16119,459 +15764,6 @@
           </a:p>
         </p:txBody>
       </p:sp>
-      <p:grpSp>
-        <p:nvGrpSpPr>
-          <p:cNvPr id="2" name="그룹 1"/>
-          <p:cNvGrpSpPr/>
-          <p:nvPr/>
-        </p:nvGrpSpPr>
-        <p:grpSpPr>
-          <a:xfrm>
-            <a:off x="670852" y="4593535"/>
-            <a:ext cx="2539144" cy="415210"/>
-            <a:chOff x="670784" y="4305238"/>
-            <a:chExt cx="2539144" cy="415210"/>
-          </a:xfrm>
-        </p:grpSpPr>
-        <p:sp>
-          <p:nvSpPr>
-            <p:cNvPr id="11" name="모서리가 둥근 직사각형 10"/>
-            <p:cNvSpPr/>
-            <p:nvPr/>
-          </p:nvSpPr>
-          <p:spPr>
-            <a:xfrm>
-              <a:off x="670784" y="4305238"/>
-              <a:ext cx="2539144" cy="415210"/>
-            </a:xfrm>
-            <a:prstGeom prst="roundRect">
-              <a:avLst>
-                <a:gd name="adj" fmla="val 50000"/>
-              </a:avLst>
-            </a:prstGeom>
-            <a:solidFill>
-              <a:schemeClr val="accent1">
-                <a:lumMod val="60000"/>
-                <a:lumOff val="40000"/>
-              </a:schemeClr>
-            </a:solidFill>
-            <a:ln>
-              <a:solidFill>
-                <a:schemeClr val="accent1">
-                  <a:lumMod val="75000"/>
-                </a:schemeClr>
-              </a:solidFill>
-            </a:ln>
-          </p:spPr>
-          <p:style>
-            <a:lnRef idx="2">
-              <a:schemeClr val="accent1">
-                <a:shade val="50000"/>
-              </a:schemeClr>
-            </a:lnRef>
-            <a:fillRef idx="1">
-              <a:schemeClr val="accent1"/>
-            </a:fillRef>
-            <a:effectRef idx="0">
-              <a:schemeClr val="accent1"/>
-            </a:effectRef>
-            <a:fontRef idx="minor">
-              <a:schemeClr val="lt1"/>
-            </a:fontRef>
-          </p:style>
-          <p:txBody>
-            <a:bodyPr rtlCol="0" anchor="ctr"/>
-            <a:lstStyle/>
-            <a:p>
-              <a:pPr algn="ctr"/>
-              <a:endParaRPr lang="ko-KR" altLang="en-US">
-                <a:solidFill>
-                  <a:schemeClr val="accent1">
-                    <a:lumMod val="50000"/>
-                  </a:schemeClr>
-                </a:solidFill>
-              </a:endParaRPr>
-            </a:p>
-          </p:txBody>
-        </p:sp>
-        <p:sp>
-          <p:nvSpPr>
-            <p:cNvPr id="12" name="TextBox 11"/>
-            <p:cNvSpPr txBox="1"/>
-            <p:nvPr/>
-          </p:nvSpPr>
-          <p:spPr>
-            <a:xfrm>
-              <a:off x="855596" y="4382192"/>
-              <a:ext cx="607859" cy="261610"/>
-            </a:xfrm>
-            <a:prstGeom prst="rect">
-              <a:avLst/>
-            </a:prstGeom>
-            <a:noFill/>
-            <a:ln>
-              <a:noFill/>
-            </a:ln>
-          </p:spPr>
-          <p:txBody>
-            <a:bodyPr wrap="none" rtlCol="0">
-              <a:spAutoFit/>
-            </a:bodyPr>
-            <a:lstStyle/>
-            <a:p>
-              <a:pPr algn="ctr"/>
-              <a:r>
-                <a:rPr lang="ko-KR" altLang="en-US" sz="1050" dirty="0" smtClean="0">
-                  <a:solidFill>
-                    <a:schemeClr val="accent1">
-                      <a:lumMod val="50000"/>
-                    </a:schemeClr>
-                  </a:solidFill>
-                  <a:latin typeface="맑은 고딕" panose="020B0503020000020004" pitchFamily="50" charset="-127"/>
-                  <a:ea typeface="맑은 고딕" panose="020B0503020000020004" pitchFamily="50" charset="-127"/>
-                </a:rPr>
-                <a:t>인사말</a:t>
-              </a:r>
-              <a:endParaRPr lang="ko-KR" altLang="en-US" sz="1050" dirty="0">
-                <a:solidFill>
-                  <a:schemeClr val="accent1">
-                    <a:lumMod val="50000"/>
-                  </a:schemeClr>
-                </a:solidFill>
-                <a:latin typeface="맑은 고딕" panose="020B0503020000020004" pitchFamily="50" charset="-127"/>
-                <a:ea typeface="맑은 고딕" panose="020B0503020000020004" pitchFamily="50" charset="-127"/>
-              </a:endParaRPr>
-            </a:p>
-          </p:txBody>
-        </p:sp>
-        <p:sp>
-          <p:nvSpPr>
-            <p:cNvPr id="109" name="TextBox 108"/>
-            <p:cNvSpPr txBox="1"/>
-            <p:nvPr/>
-          </p:nvSpPr>
-          <p:spPr>
-            <a:xfrm>
-              <a:off x="1493051" y="4382192"/>
-              <a:ext cx="906017" cy="253916"/>
-            </a:xfrm>
-            <a:prstGeom prst="rect">
-              <a:avLst/>
-            </a:prstGeom>
-            <a:noFill/>
-            <a:ln>
-              <a:noFill/>
-            </a:ln>
-          </p:spPr>
-          <p:txBody>
-            <a:bodyPr wrap="none" rtlCol="0">
-              <a:spAutoFit/>
-            </a:bodyPr>
-            <a:lstStyle/>
-            <a:p>
-              <a:pPr algn="ctr"/>
-              <a:r>
-                <a:rPr lang="ko-KR" altLang="en-US" sz="1050" dirty="0" smtClean="0">
-                  <a:solidFill>
-                    <a:schemeClr val="accent1">
-                      <a:lumMod val="50000"/>
-                    </a:schemeClr>
-                  </a:solidFill>
-                  <a:latin typeface="맑은 고딕" panose="020B0503020000020004" pitchFamily="50" charset="-127"/>
-                  <a:ea typeface="맑은 고딕" panose="020B0503020000020004" pitchFamily="50" charset="-127"/>
-                </a:rPr>
-                <a:t>전시관 연혁</a:t>
-              </a:r>
-              <a:endParaRPr lang="ko-KR" altLang="en-US" sz="1050" dirty="0">
-                <a:solidFill>
-                  <a:schemeClr val="accent1">
-                    <a:lumMod val="50000"/>
-                  </a:schemeClr>
-                </a:solidFill>
-                <a:latin typeface="맑은 고딕" panose="020B0503020000020004" pitchFamily="50" charset="-127"/>
-                <a:ea typeface="맑은 고딕" panose="020B0503020000020004" pitchFamily="50" charset="-127"/>
-              </a:endParaRPr>
-            </a:p>
-          </p:txBody>
-        </p:sp>
-        <p:sp>
-          <p:nvSpPr>
-            <p:cNvPr id="110" name="TextBox 109"/>
-            <p:cNvSpPr txBox="1"/>
-            <p:nvPr/>
-          </p:nvSpPr>
-          <p:spPr>
-            <a:xfrm>
-              <a:off x="2370234" y="4382192"/>
-              <a:ext cx="771365" cy="253916"/>
-            </a:xfrm>
-            <a:prstGeom prst="rect">
-              <a:avLst/>
-            </a:prstGeom>
-            <a:noFill/>
-            <a:ln>
-              <a:noFill/>
-            </a:ln>
-          </p:spPr>
-          <p:txBody>
-            <a:bodyPr wrap="none" rtlCol="0">
-              <a:spAutoFit/>
-            </a:bodyPr>
-            <a:lstStyle/>
-            <a:p>
-              <a:pPr algn="ctr"/>
-              <a:r>
-                <a:rPr lang="ko-KR" altLang="en-US" sz="1050" dirty="0" smtClean="0">
-                  <a:solidFill>
-                    <a:schemeClr val="accent1">
-                      <a:lumMod val="50000"/>
-                    </a:schemeClr>
-                  </a:solidFill>
-                  <a:latin typeface="맑은 고딕" panose="020B0503020000020004" pitchFamily="50" charset="-127"/>
-                  <a:ea typeface="맑은 고딕" panose="020B0503020000020004" pitchFamily="50" charset="-127"/>
-                </a:rPr>
-                <a:t>오시는 길</a:t>
-              </a:r>
-              <a:endParaRPr lang="ko-KR" altLang="en-US" sz="1050" dirty="0">
-                <a:solidFill>
-                  <a:schemeClr val="accent1">
-                    <a:lumMod val="50000"/>
-                  </a:schemeClr>
-                </a:solidFill>
-                <a:latin typeface="맑은 고딕" panose="020B0503020000020004" pitchFamily="50" charset="-127"/>
-                <a:ea typeface="맑은 고딕" panose="020B0503020000020004" pitchFamily="50" charset="-127"/>
-              </a:endParaRPr>
-            </a:p>
-          </p:txBody>
-        </p:sp>
-      </p:grpSp>
-      <p:sp>
-        <p:nvSpPr>
-          <p:cNvPr id="111" name="TextBox 110"/>
-          <p:cNvSpPr txBox="1"/>
-          <p:nvPr/>
-        </p:nvSpPr>
-        <p:spPr>
-          <a:xfrm>
-            <a:off x="604701" y="1403723"/>
-            <a:ext cx="1460656" cy="184666"/>
-          </a:xfrm>
-          <a:prstGeom prst="rect">
-            <a:avLst/>
-          </a:prstGeom>
-          <a:noFill/>
-        </p:spPr>
-        <p:txBody>
-          <a:bodyPr wrap="none" rtlCol="0">
-            <a:spAutoFit/>
-          </a:bodyPr>
-          <a:lstStyle/>
-          <a:p>
-            <a:r>
-              <a:rPr lang="en-US" altLang="ko-KR" sz="600" dirty="0" smtClean="0">
-                <a:solidFill>
-                  <a:schemeClr val="accent1">
-                    <a:lumMod val="50000"/>
-                  </a:schemeClr>
-                </a:solidFill>
-                <a:latin typeface="맑은 고딕" panose="020B0503020000020004" pitchFamily="50" charset="-127"/>
-                <a:ea typeface="맑은 고딕" panose="020B0503020000020004" pitchFamily="50" charset="-127"/>
-              </a:rPr>
-              <a:t>SEJONG CITY OFFICE OF EDUCAION</a:t>
-            </a:r>
-            <a:endParaRPr lang="ko-KR" altLang="en-US" sz="600" dirty="0">
-              <a:solidFill>
-                <a:schemeClr val="accent1">
-                  <a:lumMod val="50000"/>
-                </a:schemeClr>
-              </a:solidFill>
-              <a:latin typeface="맑은 고딕" panose="020B0503020000020004" pitchFamily="50" charset="-127"/>
-              <a:ea typeface="맑은 고딕" panose="020B0503020000020004" pitchFamily="50" charset="-127"/>
-            </a:endParaRPr>
-          </a:p>
-        </p:txBody>
-      </p:sp>
-      <p:grpSp>
-        <p:nvGrpSpPr>
-          <p:cNvPr id="114" name="그룹 113"/>
-          <p:cNvGrpSpPr/>
-          <p:nvPr/>
-        </p:nvGrpSpPr>
-        <p:grpSpPr>
-          <a:xfrm>
-            <a:off x="673497" y="5140229"/>
-            <a:ext cx="2539144" cy="846411"/>
-            <a:chOff x="314003" y="2568633"/>
-            <a:chExt cx="2539144" cy="2053243"/>
-          </a:xfrm>
-        </p:grpSpPr>
-        <p:cxnSp>
-          <p:nvCxnSpPr>
-            <p:cNvPr id="120" name="직선 연결선 119"/>
-            <p:cNvCxnSpPr/>
-            <p:nvPr/>
-          </p:nvCxnSpPr>
-          <p:spPr>
-            <a:xfrm>
-              <a:off x="314003" y="2568633"/>
-              <a:ext cx="2539144" cy="2053243"/>
-            </a:xfrm>
-            <a:prstGeom prst="line">
-              <a:avLst/>
-            </a:prstGeom>
-            <a:ln w="12700">
-              <a:solidFill>
-                <a:schemeClr val="accent1">
-                  <a:lumMod val="75000"/>
-                </a:schemeClr>
-              </a:solidFill>
-            </a:ln>
-          </p:spPr>
-          <p:style>
-            <a:lnRef idx="1">
-              <a:schemeClr val="accent1"/>
-            </a:lnRef>
-            <a:fillRef idx="0">
-              <a:schemeClr val="accent1"/>
-            </a:fillRef>
-            <a:effectRef idx="0">
-              <a:schemeClr val="accent1"/>
-            </a:effectRef>
-            <a:fontRef idx="minor">
-              <a:schemeClr val="tx1"/>
-            </a:fontRef>
-          </p:style>
-        </p:cxnSp>
-        <p:cxnSp>
-          <p:nvCxnSpPr>
-            <p:cNvPr id="121" name="직선 연결선 120"/>
-            <p:cNvCxnSpPr/>
-            <p:nvPr/>
-          </p:nvCxnSpPr>
-          <p:spPr>
-            <a:xfrm flipH="1">
-              <a:off x="314003" y="2568633"/>
-              <a:ext cx="2539144" cy="2053243"/>
-            </a:xfrm>
-            <a:prstGeom prst="line">
-              <a:avLst/>
-            </a:prstGeom>
-            <a:ln w="12700">
-              <a:solidFill>
-                <a:schemeClr val="accent1">
-                  <a:lumMod val="75000"/>
-                </a:schemeClr>
-              </a:solidFill>
-            </a:ln>
-          </p:spPr>
-          <p:style>
-            <a:lnRef idx="1">
-              <a:schemeClr val="accent1"/>
-            </a:lnRef>
-            <a:fillRef idx="0">
-              <a:schemeClr val="accent1"/>
-            </a:fillRef>
-            <a:effectRef idx="0">
-              <a:schemeClr val="accent1"/>
-            </a:effectRef>
-            <a:fontRef idx="minor">
-              <a:schemeClr val="tx1"/>
-            </a:fontRef>
-          </p:style>
-        </p:cxnSp>
-        <p:sp>
-          <p:nvSpPr>
-            <p:cNvPr id="122" name="직사각형 121"/>
-            <p:cNvSpPr/>
-            <p:nvPr/>
-          </p:nvSpPr>
-          <p:spPr>
-            <a:xfrm>
-              <a:off x="314003" y="2568633"/>
-              <a:ext cx="2539144" cy="2053243"/>
-            </a:xfrm>
-            <a:prstGeom prst="rect">
-              <a:avLst/>
-            </a:prstGeom>
-            <a:noFill/>
-            <a:ln>
-              <a:solidFill>
-                <a:schemeClr val="accent1">
-                  <a:lumMod val="75000"/>
-                </a:schemeClr>
-              </a:solidFill>
-            </a:ln>
-          </p:spPr>
-          <p:style>
-            <a:lnRef idx="2">
-              <a:schemeClr val="accent1">
-                <a:shade val="50000"/>
-              </a:schemeClr>
-            </a:lnRef>
-            <a:fillRef idx="1">
-              <a:schemeClr val="accent1"/>
-            </a:fillRef>
-            <a:effectRef idx="0">
-              <a:schemeClr val="accent1"/>
-            </a:effectRef>
-            <a:fontRef idx="minor">
-              <a:schemeClr val="lt1"/>
-            </a:fontRef>
-          </p:style>
-          <p:txBody>
-            <a:bodyPr rtlCol="0" anchor="ctr"/>
-            <a:lstStyle/>
-            <a:p>
-              <a:pPr algn="ctr"/>
-              <a:endParaRPr lang="ko-KR" altLang="en-US">
-                <a:solidFill>
-                  <a:schemeClr val="accent1">
-                    <a:lumMod val="50000"/>
-                  </a:schemeClr>
-                </a:solidFill>
-              </a:endParaRPr>
-            </a:p>
-          </p:txBody>
-        </p:sp>
-        <p:sp>
-          <p:nvSpPr>
-            <p:cNvPr id="123" name="TextBox 122"/>
-            <p:cNvSpPr txBox="1"/>
-            <p:nvPr/>
-          </p:nvSpPr>
-          <p:spPr>
-            <a:xfrm>
-              <a:off x="1242332" y="3253154"/>
-              <a:ext cx="653769" cy="671950"/>
-            </a:xfrm>
-            <a:prstGeom prst="rect">
-              <a:avLst/>
-            </a:prstGeom>
-            <a:solidFill>
-              <a:schemeClr val="bg1"/>
-            </a:solidFill>
-          </p:spPr>
-          <p:txBody>
-            <a:bodyPr wrap="none" rtlCol="0">
-              <a:spAutoFit/>
-            </a:bodyPr>
-            <a:lstStyle/>
-            <a:p>
-              <a:pPr algn="ctr"/>
-              <a:r>
-                <a:rPr lang="en-US" altLang="ko-KR" sz="1200" dirty="0" smtClean="0">
-                  <a:solidFill>
-                    <a:schemeClr val="accent1">
-                      <a:lumMod val="50000"/>
-                    </a:schemeClr>
-                  </a:solidFill>
-                </a:rPr>
-                <a:t>IMAGE</a:t>
-              </a:r>
-            </a:p>
-          </p:txBody>
-        </p:sp>
-      </p:grpSp>
       <p:grpSp>
         <p:nvGrpSpPr>
           <p:cNvPr id="124" name="그룹 123"/>
@@ -18271,58 +17463,928 @@
           </a:p>
         </p:txBody>
       </p:sp>
-      <p:sp>
-        <p:nvSpPr>
-          <p:cNvPr id="8" name="타원 7"/>
-          <p:cNvSpPr/>
-          <p:nvPr/>
-        </p:nvSpPr>
-        <p:spPr>
-          <a:xfrm>
-            <a:off x="1133414" y="4644310"/>
-            <a:ext cx="52357" cy="52357"/>
-          </a:xfrm>
-          <a:prstGeom prst="ellipse">
-            <a:avLst/>
-          </a:prstGeom>
-          <a:solidFill>
-            <a:schemeClr val="bg1"/>
-          </a:solidFill>
-          <a:ln>
-            <a:noFill/>
-          </a:ln>
-        </p:spPr>
-        <p:style>
-          <a:lnRef idx="2">
-            <a:schemeClr val="accent1">
-              <a:shade val="50000"/>
-            </a:schemeClr>
-          </a:lnRef>
-          <a:fillRef idx="1">
-            <a:schemeClr val="accent1"/>
-          </a:fillRef>
-          <a:effectRef idx="0">
-            <a:schemeClr val="accent1"/>
-          </a:effectRef>
-          <a:fontRef idx="minor">
-            <a:schemeClr val="lt1"/>
-          </a:fontRef>
-        </p:style>
-        <p:txBody>
-          <a:bodyPr rtlCol="0" anchor="ctr"/>
-          <a:lstStyle/>
-          <a:p>
-            <a:pPr algn="ctr"/>
-            <a:endParaRPr lang="ko-KR" altLang="en-US">
+      <p:grpSp>
+        <p:nvGrpSpPr>
+          <p:cNvPr id="4" name="그룹 3"/>
+          <p:cNvGrpSpPr/>
+          <p:nvPr/>
+        </p:nvGrpSpPr>
+        <p:grpSpPr>
+          <a:xfrm>
+            <a:off x="539730" y="1097279"/>
+            <a:ext cx="2801388" cy="5012575"/>
+            <a:chOff x="539730" y="1097279"/>
+            <a:chExt cx="2801388" cy="5012575"/>
+          </a:xfrm>
+        </p:grpSpPr>
+        <p:sp>
+          <p:nvSpPr>
+            <p:cNvPr id="6" name="직사각형 5"/>
+            <p:cNvSpPr/>
+            <p:nvPr/>
+          </p:nvSpPr>
+          <p:spPr>
+            <a:xfrm>
+              <a:off x="539730" y="1097279"/>
+              <a:ext cx="2801388" cy="5012575"/>
+            </a:xfrm>
+            <a:prstGeom prst="rect">
+              <a:avLst/>
+            </a:prstGeom>
+            <a:solidFill>
+              <a:schemeClr val="bg1"/>
+            </a:solidFill>
+            <a:ln>
               <a:solidFill>
                 <a:schemeClr val="accent1">
                   <a:lumMod val="75000"/>
                 </a:schemeClr>
               </a:solidFill>
-            </a:endParaRPr>
-          </a:p>
-        </p:txBody>
-      </p:sp>
+            </a:ln>
+          </p:spPr>
+          <p:style>
+            <a:lnRef idx="2">
+              <a:schemeClr val="accent1">
+                <a:shade val="50000"/>
+              </a:schemeClr>
+            </a:lnRef>
+            <a:fillRef idx="1">
+              <a:schemeClr val="accent1"/>
+            </a:fillRef>
+            <a:effectRef idx="0">
+              <a:schemeClr val="accent1"/>
+            </a:effectRef>
+            <a:fontRef idx="minor">
+              <a:schemeClr val="lt1"/>
+            </a:fontRef>
+          </p:style>
+          <p:txBody>
+            <a:bodyPr rtlCol="0" anchor="ctr">
+              <a:normAutofit/>
+            </a:bodyPr>
+            <a:lstStyle/>
+            <a:p>
+              <a:pPr algn="ctr"/>
+              <a:endParaRPr lang="ko-KR" altLang="en-US"/>
+            </a:p>
+          </p:txBody>
+        </p:sp>
+        <p:sp>
+          <p:nvSpPr>
+            <p:cNvPr id="27" name="TextBox 26"/>
+            <p:cNvSpPr txBox="1"/>
+            <p:nvPr/>
+          </p:nvSpPr>
+          <p:spPr>
+            <a:xfrm>
+              <a:off x="604701" y="1211189"/>
+              <a:ext cx="2473754" cy="253916"/>
+            </a:xfrm>
+            <a:prstGeom prst="rect">
+              <a:avLst/>
+            </a:prstGeom>
+            <a:noFill/>
+          </p:spPr>
+          <p:txBody>
+            <a:bodyPr wrap="none" rtlCol="0">
+              <a:normAutofit/>
+            </a:bodyPr>
+            <a:lstStyle/>
+            <a:p>
+              <a:r>
+                <a:rPr lang="ko-KR" altLang="en-US" sz="1050" b="1" dirty="0" err="1" smtClean="0">
+                  <a:solidFill>
+                    <a:schemeClr val="accent1">
+                      <a:lumMod val="50000"/>
+                    </a:schemeClr>
+                  </a:solidFill>
+                  <a:latin typeface="맑은 고딕" panose="020B0503020000020004" pitchFamily="50" charset="-127"/>
+                  <a:ea typeface="맑은 고딕" panose="020B0503020000020004" pitchFamily="50" charset="-127"/>
+                </a:rPr>
+                <a:t>세종특별자치시도교육청ㅣ독도전시관</a:t>
+              </a:r>
+              <a:endParaRPr lang="ko-KR" altLang="en-US" sz="1050" b="1" dirty="0">
+                <a:solidFill>
+                  <a:schemeClr val="accent1">
+                    <a:lumMod val="50000"/>
+                  </a:schemeClr>
+                </a:solidFill>
+                <a:latin typeface="맑은 고딕" panose="020B0503020000020004" pitchFamily="50" charset="-127"/>
+                <a:ea typeface="맑은 고딕" panose="020B0503020000020004" pitchFamily="50" charset="-127"/>
+              </a:endParaRPr>
+            </a:p>
+          </p:txBody>
+        </p:sp>
+        <p:grpSp>
+          <p:nvGrpSpPr>
+            <p:cNvPr id="296" name="그룹 295"/>
+            <p:cNvGrpSpPr/>
+            <p:nvPr/>
+          </p:nvGrpSpPr>
+          <p:grpSpPr>
+            <a:xfrm>
+              <a:off x="676488" y="1728711"/>
+              <a:ext cx="2539144" cy="2723343"/>
+              <a:chOff x="314003" y="2568633"/>
+              <a:chExt cx="2539144" cy="2053243"/>
+            </a:xfrm>
+          </p:grpSpPr>
+          <p:cxnSp>
+            <p:nvCxnSpPr>
+              <p:cNvPr id="297" name="직선 연결선 296"/>
+              <p:cNvCxnSpPr/>
+              <p:nvPr/>
+            </p:nvCxnSpPr>
+            <p:spPr>
+              <a:xfrm>
+                <a:off x="314003" y="2568633"/>
+                <a:ext cx="2539144" cy="2053243"/>
+              </a:xfrm>
+              <a:prstGeom prst="line">
+                <a:avLst/>
+              </a:prstGeom>
+              <a:ln w="12700">
+                <a:solidFill>
+                  <a:schemeClr val="accent1">
+                    <a:lumMod val="75000"/>
+                  </a:schemeClr>
+                </a:solidFill>
+              </a:ln>
+            </p:spPr>
+            <p:style>
+              <a:lnRef idx="1">
+                <a:schemeClr val="accent1"/>
+              </a:lnRef>
+              <a:fillRef idx="0">
+                <a:schemeClr val="accent1"/>
+              </a:fillRef>
+              <a:effectRef idx="0">
+                <a:schemeClr val="accent1"/>
+              </a:effectRef>
+              <a:fontRef idx="minor">
+                <a:schemeClr val="tx1"/>
+              </a:fontRef>
+            </p:style>
+          </p:cxnSp>
+          <p:cxnSp>
+            <p:nvCxnSpPr>
+              <p:cNvPr id="298" name="직선 연결선 297"/>
+              <p:cNvCxnSpPr/>
+              <p:nvPr/>
+            </p:nvCxnSpPr>
+            <p:spPr>
+              <a:xfrm flipH="1">
+                <a:off x="314003" y="2568633"/>
+                <a:ext cx="2539144" cy="2053243"/>
+              </a:xfrm>
+              <a:prstGeom prst="line">
+                <a:avLst/>
+              </a:prstGeom>
+              <a:ln w="12700">
+                <a:solidFill>
+                  <a:schemeClr val="accent1">
+                    <a:lumMod val="75000"/>
+                  </a:schemeClr>
+                </a:solidFill>
+              </a:ln>
+            </p:spPr>
+            <p:style>
+              <a:lnRef idx="1">
+                <a:schemeClr val="accent1"/>
+              </a:lnRef>
+              <a:fillRef idx="0">
+                <a:schemeClr val="accent1"/>
+              </a:fillRef>
+              <a:effectRef idx="0">
+                <a:schemeClr val="accent1"/>
+              </a:effectRef>
+              <a:fontRef idx="minor">
+                <a:schemeClr val="tx1"/>
+              </a:fontRef>
+            </p:style>
+          </p:cxnSp>
+          <p:sp>
+            <p:nvSpPr>
+              <p:cNvPr id="299" name="직사각형 298"/>
+              <p:cNvSpPr/>
+              <p:nvPr/>
+            </p:nvSpPr>
+            <p:spPr>
+              <a:xfrm>
+                <a:off x="314003" y="2568633"/>
+                <a:ext cx="2539144" cy="2053243"/>
+              </a:xfrm>
+              <a:prstGeom prst="rect">
+                <a:avLst/>
+              </a:prstGeom>
+              <a:noFill/>
+              <a:ln>
+                <a:solidFill>
+                  <a:schemeClr val="accent1">
+                    <a:lumMod val="75000"/>
+                  </a:schemeClr>
+                </a:solidFill>
+              </a:ln>
+            </p:spPr>
+            <p:style>
+              <a:lnRef idx="2">
+                <a:schemeClr val="accent1">
+                  <a:shade val="50000"/>
+                </a:schemeClr>
+              </a:lnRef>
+              <a:fillRef idx="1">
+                <a:schemeClr val="accent1"/>
+              </a:fillRef>
+              <a:effectRef idx="0">
+                <a:schemeClr val="accent1"/>
+              </a:effectRef>
+              <a:fontRef idx="minor">
+                <a:schemeClr val="lt1"/>
+              </a:fontRef>
+            </p:style>
+            <p:txBody>
+              <a:bodyPr rtlCol="0" anchor="ctr">
+                <a:normAutofit/>
+              </a:bodyPr>
+              <a:lstStyle/>
+              <a:p>
+                <a:pPr algn="ctr"/>
+                <a:endParaRPr lang="ko-KR" altLang="en-US">
+                  <a:solidFill>
+                    <a:schemeClr val="accent1">
+                      <a:lumMod val="50000"/>
+                    </a:schemeClr>
+                  </a:solidFill>
+                </a:endParaRPr>
+              </a:p>
+            </p:txBody>
+          </p:sp>
+          <p:sp>
+            <p:nvSpPr>
+              <p:cNvPr id="300" name="TextBox 299"/>
+              <p:cNvSpPr txBox="1"/>
+              <p:nvPr/>
+            </p:nvSpPr>
+            <p:spPr>
+              <a:xfrm>
+                <a:off x="1144994" y="3404646"/>
+                <a:ext cx="877163" cy="313434"/>
+              </a:xfrm>
+              <a:prstGeom prst="rect">
+                <a:avLst/>
+              </a:prstGeom>
+              <a:solidFill>
+                <a:schemeClr val="bg1"/>
+              </a:solidFill>
+            </p:spPr>
+            <p:txBody>
+              <a:bodyPr wrap="none" rtlCol="0">
+                <a:normAutofit/>
+              </a:bodyPr>
+              <a:lstStyle/>
+              <a:p>
+                <a:pPr algn="ctr"/>
+                <a:r>
+                  <a:rPr lang="ko-KR" altLang="en-US" dirty="0" smtClean="0">
+                    <a:solidFill>
+                      <a:schemeClr val="accent1">
+                        <a:lumMod val="50000"/>
+                      </a:schemeClr>
+                    </a:solidFill>
+                  </a:rPr>
+                  <a:t>인사말</a:t>
+                </a:r>
+                <a:endParaRPr lang="en-US" altLang="ko-KR" dirty="0" smtClean="0">
+                  <a:solidFill>
+                    <a:schemeClr val="accent1">
+                      <a:lumMod val="50000"/>
+                    </a:schemeClr>
+                  </a:solidFill>
+                </a:endParaRPr>
+              </a:p>
+            </p:txBody>
+          </p:sp>
+        </p:grpSp>
+        <p:grpSp>
+          <p:nvGrpSpPr>
+            <p:cNvPr id="360" name="그룹 359"/>
+            <p:cNvGrpSpPr/>
+            <p:nvPr/>
+          </p:nvGrpSpPr>
+          <p:grpSpPr>
+            <a:xfrm>
+              <a:off x="3092745" y="1187723"/>
+              <a:ext cx="156221" cy="125239"/>
+              <a:chOff x="3010742" y="1164143"/>
+              <a:chExt cx="295022" cy="169995"/>
+            </a:xfrm>
+          </p:grpSpPr>
+          <p:cxnSp>
+            <p:nvCxnSpPr>
+              <p:cNvPr id="354" name="직선 연결선 353"/>
+              <p:cNvCxnSpPr/>
+              <p:nvPr/>
+            </p:nvCxnSpPr>
+            <p:spPr>
+              <a:xfrm>
+                <a:off x="3010742" y="1164143"/>
+                <a:ext cx="295022" cy="0"/>
+              </a:xfrm>
+              <a:prstGeom prst="line">
+                <a:avLst/>
+              </a:prstGeom>
+              <a:ln w="28575"/>
+            </p:spPr>
+            <p:style>
+              <a:lnRef idx="1">
+                <a:schemeClr val="accent1"/>
+              </a:lnRef>
+              <a:fillRef idx="0">
+                <a:schemeClr val="accent1"/>
+              </a:fillRef>
+              <a:effectRef idx="0">
+                <a:schemeClr val="accent1"/>
+              </a:effectRef>
+              <a:fontRef idx="minor">
+                <a:schemeClr val="tx1"/>
+              </a:fontRef>
+            </p:style>
+          </p:cxnSp>
+          <p:cxnSp>
+            <p:nvCxnSpPr>
+              <p:cNvPr id="355" name="직선 연결선 354"/>
+              <p:cNvCxnSpPr/>
+              <p:nvPr/>
+            </p:nvCxnSpPr>
+            <p:spPr>
+              <a:xfrm>
+                <a:off x="3010742" y="1248529"/>
+                <a:ext cx="295022" cy="0"/>
+              </a:xfrm>
+              <a:prstGeom prst="line">
+                <a:avLst/>
+              </a:prstGeom>
+              <a:ln w="28575"/>
+            </p:spPr>
+            <p:style>
+              <a:lnRef idx="1">
+                <a:schemeClr val="accent1"/>
+              </a:lnRef>
+              <a:fillRef idx="0">
+                <a:schemeClr val="accent1"/>
+              </a:fillRef>
+              <a:effectRef idx="0">
+                <a:schemeClr val="accent1"/>
+              </a:effectRef>
+              <a:fontRef idx="minor">
+                <a:schemeClr val="tx1"/>
+              </a:fontRef>
+            </p:style>
+          </p:cxnSp>
+          <p:cxnSp>
+            <p:nvCxnSpPr>
+              <p:cNvPr id="356" name="직선 연결선 355"/>
+              <p:cNvCxnSpPr/>
+              <p:nvPr/>
+            </p:nvCxnSpPr>
+            <p:spPr>
+              <a:xfrm>
+                <a:off x="3010742" y="1334138"/>
+                <a:ext cx="295022" cy="0"/>
+              </a:xfrm>
+              <a:prstGeom prst="line">
+                <a:avLst/>
+              </a:prstGeom>
+              <a:ln w="28575"/>
+            </p:spPr>
+            <p:style>
+              <a:lnRef idx="1">
+                <a:schemeClr val="accent1"/>
+              </a:lnRef>
+              <a:fillRef idx="0">
+                <a:schemeClr val="accent1"/>
+              </a:fillRef>
+              <a:effectRef idx="0">
+                <a:schemeClr val="accent1"/>
+              </a:effectRef>
+              <a:fontRef idx="minor">
+                <a:schemeClr val="tx1"/>
+              </a:fontRef>
+            </p:style>
+          </p:cxnSp>
+        </p:grpSp>
+        <p:grpSp>
+          <p:nvGrpSpPr>
+            <p:cNvPr id="2" name="그룹 1"/>
+            <p:cNvGrpSpPr/>
+            <p:nvPr/>
+          </p:nvGrpSpPr>
+          <p:grpSpPr>
+            <a:xfrm>
+              <a:off x="670852" y="4593535"/>
+              <a:ext cx="2539144" cy="415210"/>
+              <a:chOff x="670784" y="4305238"/>
+              <a:chExt cx="2539144" cy="415210"/>
+            </a:xfrm>
+          </p:grpSpPr>
+          <p:sp>
+            <p:nvSpPr>
+              <p:cNvPr id="11" name="모서리가 둥근 직사각형 10"/>
+              <p:cNvSpPr/>
+              <p:nvPr/>
+            </p:nvSpPr>
+            <p:spPr>
+              <a:xfrm>
+                <a:off x="670784" y="4305238"/>
+                <a:ext cx="2539144" cy="415210"/>
+              </a:xfrm>
+              <a:prstGeom prst="roundRect">
+                <a:avLst>
+                  <a:gd name="adj" fmla="val 50000"/>
+                </a:avLst>
+              </a:prstGeom>
+              <a:solidFill>
+                <a:schemeClr val="accent1">
+                  <a:lumMod val="60000"/>
+                  <a:lumOff val="40000"/>
+                </a:schemeClr>
+              </a:solidFill>
+              <a:ln>
+                <a:solidFill>
+                  <a:schemeClr val="accent1">
+                    <a:lumMod val="75000"/>
+                  </a:schemeClr>
+                </a:solidFill>
+              </a:ln>
+            </p:spPr>
+            <p:style>
+              <a:lnRef idx="2">
+                <a:schemeClr val="accent1">
+                  <a:shade val="50000"/>
+                </a:schemeClr>
+              </a:lnRef>
+              <a:fillRef idx="1">
+                <a:schemeClr val="accent1"/>
+              </a:fillRef>
+              <a:effectRef idx="0">
+                <a:schemeClr val="accent1"/>
+              </a:effectRef>
+              <a:fontRef idx="minor">
+                <a:schemeClr val="lt1"/>
+              </a:fontRef>
+            </p:style>
+            <p:txBody>
+              <a:bodyPr rtlCol="0" anchor="ctr">
+                <a:normAutofit fontScale="85000" lnSpcReduction="20000"/>
+              </a:bodyPr>
+              <a:lstStyle/>
+              <a:p>
+                <a:pPr algn="ctr"/>
+                <a:endParaRPr lang="ko-KR" altLang="en-US">
+                  <a:solidFill>
+                    <a:schemeClr val="accent1">
+                      <a:lumMod val="50000"/>
+                    </a:schemeClr>
+                  </a:solidFill>
+                </a:endParaRPr>
+              </a:p>
+            </p:txBody>
+          </p:sp>
+          <p:sp>
+            <p:nvSpPr>
+              <p:cNvPr id="12" name="TextBox 11"/>
+              <p:cNvSpPr txBox="1"/>
+              <p:nvPr/>
+            </p:nvSpPr>
+            <p:spPr>
+              <a:xfrm>
+                <a:off x="855596" y="4382192"/>
+                <a:ext cx="607859" cy="261610"/>
+              </a:xfrm>
+              <a:prstGeom prst="rect">
+                <a:avLst/>
+              </a:prstGeom>
+              <a:noFill/>
+              <a:ln>
+                <a:noFill/>
+              </a:ln>
+            </p:spPr>
+            <p:txBody>
+              <a:bodyPr wrap="none" rtlCol="0">
+                <a:normAutofit/>
+              </a:bodyPr>
+              <a:lstStyle/>
+              <a:p>
+                <a:pPr algn="ctr"/>
+                <a:r>
+                  <a:rPr lang="ko-KR" altLang="en-US" sz="1050" dirty="0" smtClean="0">
+                    <a:solidFill>
+                      <a:schemeClr val="accent1">
+                        <a:lumMod val="50000"/>
+                      </a:schemeClr>
+                    </a:solidFill>
+                    <a:latin typeface="맑은 고딕" panose="020B0503020000020004" pitchFamily="50" charset="-127"/>
+                    <a:ea typeface="맑은 고딕" panose="020B0503020000020004" pitchFamily="50" charset="-127"/>
+                  </a:rPr>
+                  <a:t>인사말</a:t>
+                </a:r>
+                <a:endParaRPr lang="ko-KR" altLang="en-US" sz="1050" dirty="0">
+                  <a:solidFill>
+                    <a:schemeClr val="accent1">
+                      <a:lumMod val="50000"/>
+                    </a:schemeClr>
+                  </a:solidFill>
+                  <a:latin typeface="맑은 고딕" panose="020B0503020000020004" pitchFamily="50" charset="-127"/>
+                  <a:ea typeface="맑은 고딕" panose="020B0503020000020004" pitchFamily="50" charset="-127"/>
+                </a:endParaRPr>
+              </a:p>
+            </p:txBody>
+          </p:sp>
+          <p:sp>
+            <p:nvSpPr>
+              <p:cNvPr id="109" name="TextBox 108"/>
+              <p:cNvSpPr txBox="1"/>
+              <p:nvPr/>
+            </p:nvSpPr>
+            <p:spPr>
+              <a:xfrm>
+                <a:off x="1493051" y="4382192"/>
+                <a:ext cx="906017" cy="253916"/>
+              </a:xfrm>
+              <a:prstGeom prst="rect">
+                <a:avLst/>
+              </a:prstGeom>
+              <a:noFill/>
+              <a:ln>
+                <a:noFill/>
+              </a:ln>
+            </p:spPr>
+            <p:txBody>
+              <a:bodyPr wrap="none" rtlCol="0">
+                <a:normAutofit/>
+              </a:bodyPr>
+              <a:lstStyle/>
+              <a:p>
+                <a:pPr algn="ctr"/>
+                <a:r>
+                  <a:rPr lang="ko-KR" altLang="en-US" sz="1050" dirty="0" smtClean="0">
+                    <a:solidFill>
+                      <a:schemeClr val="accent1">
+                        <a:lumMod val="50000"/>
+                      </a:schemeClr>
+                    </a:solidFill>
+                    <a:latin typeface="맑은 고딕" panose="020B0503020000020004" pitchFamily="50" charset="-127"/>
+                    <a:ea typeface="맑은 고딕" panose="020B0503020000020004" pitchFamily="50" charset="-127"/>
+                  </a:rPr>
+                  <a:t>전시관 연혁</a:t>
+                </a:r>
+                <a:endParaRPr lang="ko-KR" altLang="en-US" sz="1050" dirty="0">
+                  <a:solidFill>
+                    <a:schemeClr val="accent1">
+                      <a:lumMod val="50000"/>
+                    </a:schemeClr>
+                  </a:solidFill>
+                  <a:latin typeface="맑은 고딕" panose="020B0503020000020004" pitchFamily="50" charset="-127"/>
+                  <a:ea typeface="맑은 고딕" panose="020B0503020000020004" pitchFamily="50" charset="-127"/>
+                </a:endParaRPr>
+              </a:p>
+            </p:txBody>
+          </p:sp>
+          <p:sp>
+            <p:nvSpPr>
+              <p:cNvPr id="110" name="TextBox 109"/>
+              <p:cNvSpPr txBox="1"/>
+              <p:nvPr/>
+            </p:nvSpPr>
+            <p:spPr>
+              <a:xfrm>
+                <a:off x="2370234" y="4382192"/>
+                <a:ext cx="771365" cy="253916"/>
+              </a:xfrm>
+              <a:prstGeom prst="rect">
+                <a:avLst/>
+              </a:prstGeom>
+              <a:noFill/>
+              <a:ln>
+                <a:noFill/>
+              </a:ln>
+            </p:spPr>
+            <p:txBody>
+              <a:bodyPr wrap="none" rtlCol="0">
+                <a:normAutofit/>
+              </a:bodyPr>
+              <a:lstStyle/>
+              <a:p>
+                <a:pPr algn="ctr"/>
+                <a:r>
+                  <a:rPr lang="ko-KR" altLang="en-US" sz="1050" dirty="0" smtClean="0">
+                    <a:solidFill>
+                      <a:schemeClr val="accent1">
+                        <a:lumMod val="50000"/>
+                      </a:schemeClr>
+                    </a:solidFill>
+                    <a:latin typeface="맑은 고딕" panose="020B0503020000020004" pitchFamily="50" charset="-127"/>
+                    <a:ea typeface="맑은 고딕" panose="020B0503020000020004" pitchFamily="50" charset="-127"/>
+                  </a:rPr>
+                  <a:t>오시는 길</a:t>
+                </a:r>
+                <a:endParaRPr lang="ko-KR" altLang="en-US" sz="1050" dirty="0">
+                  <a:solidFill>
+                    <a:schemeClr val="accent1">
+                      <a:lumMod val="50000"/>
+                    </a:schemeClr>
+                  </a:solidFill>
+                  <a:latin typeface="맑은 고딕" panose="020B0503020000020004" pitchFamily="50" charset="-127"/>
+                  <a:ea typeface="맑은 고딕" panose="020B0503020000020004" pitchFamily="50" charset="-127"/>
+                </a:endParaRPr>
+              </a:p>
+            </p:txBody>
+          </p:sp>
+        </p:grpSp>
+        <p:sp>
+          <p:nvSpPr>
+            <p:cNvPr id="111" name="TextBox 110"/>
+            <p:cNvSpPr txBox="1"/>
+            <p:nvPr/>
+          </p:nvSpPr>
+          <p:spPr>
+            <a:xfrm>
+              <a:off x="604701" y="1403723"/>
+              <a:ext cx="1460656" cy="184666"/>
+            </a:xfrm>
+            <a:prstGeom prst="rect">
+              <a:avLst/>
+            </a:prstGeom>
+            <a:noFill/>
+          </p:spPr>
+          <p:txBody>
+            <a:bodyPr wrap="none" rtlCol="0">
+              <a:normAutofit/>
+            </a:bodyPr>
+            <a:lstStyle/>
+            <a:p>
+              <a:r>
+                <a:rPr lang="en-US" altLang="ko-KR" sz="600" dirty="0" smtClean="0">
+                  <a:solidFill>
+                    <a:schemeClr val="accent1">
+                      <a:lumMod val="50000"/>
+                    </a:schemeClr>
+                  </a:solidFill>
+                  <a:latin typeface="맑은 고딕" panose="020B0503020000020004" pitchFamily="50" charset="-127"/>
+                  <a:ea typeface="맑은 고딕" panose="020B0503020000020004" pitchFamily="50" charset="-127"/>
+                </a:rPr>
+                <a:t>SEJONG CITY OFFICE OF EDUCAION</a:t>
+              </a:r>
+              <a:endParaRPr lang="ko-KR" altLang="en-US" sz="600" dirty="0">
+                <a:solidFill>
+                  <a:schemeClr val="accent1">
+                    <a:lumMod val="50000"/>
+                  </a:schemeClr>
+                </a:solidFill>
+                <a:latin typeface="맑은 고딕" panose="020B0503020000020004" pitchFamily="50" charset="-127"/>
+                <a:ea typeface="맑은 고딕" panose="020B0503020000020004" pitchFamily="50" charset="-127"/>
+              </a:endParaRPr>
+            </a:p>
+          </p:txBody>
+        </p:sp>
+        <p:grpSp>
+          <p:nvGrpSpPr>
+            <p:cNvPr id="114" name="그룹 113"/>
+            <p:cNvGrpSpPr/>
+            <p:nvPr/>
+          </p:nvGrpSpPr>
+          <p:grpSpPr>
+            <a:xfrm>
+              <a:off x="673497" y="5140229"/>
+              <a:ext cx="2539144" cy="846411"/>
+              <a:chOff x="314003" y="2568633"/>
+              <a:chExt cx="2539144" cy="2053243"/>
+            </a:xfrm>
+          </p:grpSpPr>
+          <p:cxnSp>
+            <p:nvCxnSpPr>
+              <p:cNvPr id="120" name="직선 연결선 119"/>
+              <p:cNvCxnSpPr/>
+              <p:nvPr/>
+            </p:nvCxnSpPr>
+            <p:spPr>
+              <a:xfrm>
+                <a:off x="314003" y="2568633"/>
+                <a:ext cx="2539144" cy="2053243"/>
+              </a:xfrm>
+              <a:prstGeom prst="line">
+                <a:avLst/>
+              </a:prstGeom>
+              <a:ln w="12700">
+                <a:solidFill>
+                  <a:schemeClr val="accent1">
+                    <a:lumMod val="75000"/>
+                  </a:schemeClr>
+                </a:solidFill>
+              </a:ln>
+            </p:spPr>
+            <p:style>
+              <a:lnRef idx="1">
+                <a:schemeClr val="accent1"/>
+              </a:lnRef>
+              <a:fillRef idx="0">
+                <a:schemeClr val="accent1"/>
+              </a:fillRef>
+              <a:effectRef idx="0">
+                <a:schemeClr val="accent1"/>
+              </a:effectRef>
+              <a:fontRef idx="minor">
+                <a:schemeClr val="tx1"/>
+              </a:fontRef>
+            </p:style>
+          </p:cxnSp>
+          <p:cxnSp>
+            <p:nvCxnSpPr>
+              <p:cNvPr id="121" name="직선 연결선 120"/>
+              <p:cNvCxnSpPr/>
+              <p:nvPr/>
+            </p:nvCxnSpPr>
+            <p:spPr>
+              <a:xfrm flipH="1">
+                <a:off x="314003" y="2568633"/>
+                <a:ext cx="2539144" cy="2053243"/>
+              </a:xfrm>
+              <a:prstGeom prst="line">
+                <a:avLst/>
+              </a:prstGeom>
+              <a:ln w="12700">
+                <a:solidFill>
+                  <a:schemeClr val="accent1">
+                    <a:lumMod val="75000"/>
+                  </a:schemeClr>
+                </a:solidFill>
+              </a:ln>
+            </p:spPr>
+            <p:style>
+              <a:lnRef idx="1">
+                <a:schemeClr val="accent1"/>
+              </a:lnRef>
+              <a:fillRef idx="0">
+                <a:schemeClr val="accent1"/>
+              </a:fillRef>
+              <a:effectRef idx="0">
+                <a:schemeClr val="accent1"/>
+              </a:effectRef>
+              <a:fontRef idx="minor">
+                <a:schemeClr val="tx1"/>
+              </a:fontRef>
+            </p:style>
+          </p:cxnSp>
+          <p:sp>
+            <p:nvSpPr>
+              <p:cNvPr id="122" name="직사각형 121"/>
+              <p:cNvSpPr/>
+              <p:nvPr/>
+            </p:nvSpPr>
+            <p:spPr>
+              <a:xfrm>
+                <a:off x="314003" y="2568633"/>
+                <a:ext cx="2539144" cy="2053243"/>
+              </a:xfrm>
+              <a:prstGeom prst="rect">
+                <a:avLst/>
+              </a:prstGeom>
+              <a:noFill/>
+              <a:ln>
+                <a:solidFill>
+                  <a:schemeClr val="accent1">
+                    <a:lumMod val="75000"/>
+                  </a:schemeClr>
+                </a:solidFill>
+              </a:ln>
+            </p:spPr>
+            <p:style>
+              <a:lnRef idx="2">
+                <a:schemeClr val="accent1">
+                  <a:shade val="50000"/>
+                </a:schemeClr>
+              </a:lnRef>
+              <a:fillRef idx="1">
+                <a:schemeClr val="accent1"/>
+              </a:fillRef>
+              <a:effectRef idx="0">
+                <a:schemeClr val="accent1"/>
+              </a:effectRef>
+              <a:fontRef idx="minor">
+                <a:schemeClr val="lt1"/>
+              </a:fontRef>
+            </p:style>
+            <p:txBody>
+              <a:bodyPr rtlCol="0" anchor="ctr">
+                <a:normAutofit/>
+              </a:bodyPr>
+              <a:lstStyle/>
+              <a:p>
+                <a:pPr algn="ctr"/>
+                <a:endParaRPr lang="ko-KR" altLang="en-US">
+                  <a:solidFill>
+                    <a:schemeClr val="accent1">
+                      <a:lumMod val="50000"/>
+                    </a:schemeClr>
+                  </a:solidFill>
+                </a:endParaRPr>
+              </a:p>
+            </p:txBody>
+          </p:sp>
+          <p:sp>
+            <p:nvSpPr>
+              <p:cNvPr id="123" name="TextBox 122"/>
+              <p:cNvSpPr txBox="1"/>
+              <p:nvPr/>
+            </p:nvSpPr>
+            <p:spPr>
+              <a:xfrm>
+                <a:off x="1242332" y="3253154"/>
+                <a:ext cx="653769" cy="671950"/>
+              </a:xfrm>
+              <a:prstGeom prst="rect">
+                <a:avLst/>
+              </a:prstGeom>
+              <a:solidFill>
+                <a:schemeClr val="bg1"/>
+              </a:solidFill>
+            </p:spPr>
+            <p:txBody>
+              <a:bodyPr wrap="none" rtlCol="0">
+                <a:normAutofit/>
+              </a:bodyPr>
+              <a:lstStyle/>
+              <a:p>
+                <a:pPr algn="ctr"/>
+                <a:r>
+                  <a:rPr lang="en-US" altLang="ko-KR" sz="1200" dirty="0" smtClean="0">
+                    <a:solidFill>
+                      <a:schemeClr val="accent1">
+                        <a:lumMod val="50000"/>
+                      </a:schemeClr>
+                    </a:solidFill>
+                  </a:rPr>
+                  <a:t>IMAGE</a:t>
+                </a:r>
+              </a:p>
+            </p:txBody>
+          </p:sp>
+        </p:grpSp>
+        <p:sp>
+          <p:nvSpPr>
+            <p:cNvPr id="8" name="타원 7"/>
+            <p:cNvSpPr/>
+            <p:nvPr/>
+          </p:nvSpPr>
+          <p:spPr>
+            <a:xfrm>
+              <a:off x="1133414" y="4644310"/>
+              <a:ext cx="52357" cy="52357"/>
+            </a:xfrm>
+            <a:prstGeom prst="ellipse">
+              <a:avLst/>
+            </a:prstGeom>
+            <a:solidFill>
+              <a:schemeClr val="bg1"/>
+            </a:solidFill>
+            <a:ln>
+              <a:noFill/>
+            </a:ln>
+          </p:spPr>
+          <p:style>
+            <a:lnRef idx="2">
+              <a:schemeClr val="accent1">
+                <a:shade val="50000"/>
+              </a:schemeClr>
+            </a:lnRef>
+            <a:fillRef idx="1">
+              <a:schemeClr val="accent1"/>
+            </a:fillRef>
+            <a:effectRef idx="0">
+              <a:schemeClr val="accent1"/>
+            </a:effectRef>
+            <a:fontRef idx="minor">
+              <a:schemeClr val="lt1"/>
+            </a:fontRef>
+          </p:style>
+          <p:txBody>
+            <a:bodyPr rtlCol="0" anchor="ctr">
+              <a:normAutofit fontScale="25000" lnSpcReduction="20000"/>
+            </a:bodyPr>
+            <a:lstStyle/>
+            <a:p>
+              <a:pPr algn="ctr"/>
+              <a:endParaRPr lang="ko-KR" altLang="en-US">
+                <a:solidFill>
+                  <a:schemeClr val="accent1">
+                    <a:lumMod val="75000"/>
+                  </a:schemeClr>
+                </a:solidFill>
+              </a:endParaRPr>
+            </a:p>
+          </p:txBody>
+        </p:sp>
+      </p:grpSp>
     </p:spTree>
     <p:extLst>
       <p:ext uri="{BB962C8B-B14F-4D97-AF65-F5344CB8AC3E}">
